--- a/_shared/01 Angular Bootcamp_intro_angular.pptx
+++ b/_shared/01 Angular Bootcamp_intro_angular.pptx
@@ -5,12 +5,38 @@
     <p:sldMasterId id="2147483648" r:id="rId1"/>
   </p:sldMasterIdLst>
   <p:notesMasterIdLst>
-    <p:notesMasterId r:id="rId5"/>
+    <p:notesMasterId r:id="rId31"/>
   </p:notesMasterIdLst>
   <p:sldIdLst>
     <p:sldId id="256" r:id="rId2"/>
     <p:sldId id="258" r:id="rId3"/>
     <p:sldId id="263" r:id="rId4"/>
+    <p:sldId id="265" r:id="rId5"/>
+    <p:sldId id="266" r:id="rId6"/>
+    <p:sldId id="273" r:id="rId7"/>
+    <p:sldId id="267" r:id="rId8"/>
+    <p:sldId id="268" r:id="rId9"/>
+    <p:sldId id="269" r:id="rId10"/>
+    <p:sldId id="270" r:id="rId11"/>
+    <p:sldId id="293" r:id="rId12"/>
+    <p:sldId id="272" r:id="rId13"/>
+    <p:sldId id="279" r:id="rId14"/>
+    <p:sldId id="287" r:id="rId15"/>
+    <p:sldId id="288" r:id="rId16"/>
+    <p:sldId id="280" r:id="rId17"/>
+    <p:sldId id="282" r:id="rId18"/>
+    <p:sldId id="283" r:id="rId19"/>
+    <p:sldId id="284" r:id="rId20"/>
+    <p:sldId id="285" r:id="rId21"/>
+    <p:sldId id="294" r:id="rId22"/>
+    <p:sldId id="274" r:id="rId23"/>
+    <p:sldId id="289" r:id="rId24"/>
+    <p:sldId id="275" r:id="rId25"/>
+    <p:sldId id="290" r:id="rId26"/>
+    <p:sldId id="291" r:id="rId27"/>
+    <p:sldId id="295" r:id="rId28"/>
+    <p:sldId id="292" r:id="rId29"/>
+    <p:sldId id="296" r:id="rId30"/>
   </p:sldIdLst>
   <p:sldSz cx="12192000" cy="6858000"/>
   <p:notesSz cx="6858000" cy="9144000"/>
@@ -1676,6 +1702,846 @@
 </p:notes>
 </file>
 
+<file path=ppt/notesSlides/notesSlide10.xml><?xml version="1.0" encoding="utf-8"?>
+<p:notes xmlns:a="http://schemas.openxmlformats.org/drawingml/2006/main" xmlns:r="http://schemas.openxmlformats.org/officeDocument/2006/relationships" xmlns:p="http://schemas.openxmlformats.org/presentationml/2006/main">
+  <p:cSld>
+    <p:spTree>
+      <p:nvGrpSpPr>
+        <p:cNvPr id="1" name=""/>
+        <p:cNvGrpSpPr/>
+        <p:nvPr/>
+      </p:nvGrpSpPr>
+      <p:grpSpPr>
+        <a:xfrm>
+          <a:off x="0" y="0"/>
+          <a:ext cx="0" cy="0"/>
+          <a:chOff x="0" y="0"/>
+          <a:chExt cx="0" cy="0"/>
+        </a:xfrm>
+      </p:grpSpPr>
+      <p:sp>
+        <p:nvSpPr>
+          <p:cNvPr id="2" name="Slide Image Placeholder 1"/>
+          <p:cNvSpPr>
+            <a:spLocks noGrp="1" noRot="1" noChangeAspect="1"/>
+          </p:cNvSpPr>
+          <p:nvPr>
+            <p:ph type="sldImg"/>
+          </p:nvPr>
+        </p:nvSpPr>
+        <p:spPr/>
+      </p:sp>
+      <p:sp>
+        <p:nvSpPr>
+          <p:cNvPr id="3" name="Notes Placeholder 2"/>
+          <p:cNvSpPr>
+            <a:spLocks noGrp="1"/>
+          </p:cNvSpPr>
+          <p:nvPr>
+            <p:ph type="body" idx="1"/>
+          </p:nvPr>
+        </p:nvSpPr>
+        <p:spPr/>
+        <p:txBody>
+          <a:bodyPr/>
+          <a:lstStyle/>
+          <a:p>
+            <a:endParaRPr lang="en-US" dirty="0"/>
+          </a:p>
+        </p:txBody>
+      </p:sp>
+      <p:sp>
+        <p:nvSpPr>
+          <p:cNvPr id="4" name="Slide Number Placeholder 3"/>
+          <p:cNvSpPr>
+            <a:spLocks noGrp="1"/>
+          </p:cNvSpPr>
+          <p:nvPr>
+            <p:ph type="sldNum" sz="quarter" idx="5"/>
+          </p:nvPr>
+        </p:nvSpPr>
+        <p:spPr/>
+        <p:txBody>
+          <a:bodyPr/>
+          <a:lstStyle/>
+          <a:p>
+            <a:fld id="{4A4C6A55-184A-43C5-A159-215A751776E6}" type="slidenum">
+              <a:rPr lang="en-US" smtClean="0"/>
+              <a:t>10</a:t>
+            </a:fld>
+            <a:endParaRPr lang="en-US"/>
+          </a:p>
+        </p:txBody>
+      </p:sp>
+    </p:spTree>
+    <p:extLst>
+      <p:ext uri="{BB962C8B-B14F-4D97-AF65-F5344CB8AC3E}">
+        <p14:creationId xmlns:p14="http://schemas.microsoft.com/office/powerpoint/2010/main" val="3518827263"/>
+      </p:ext>
+    </p:extLst>
+  </p:cSld>
+  <p:clrMapOvr>
+    <a:masterClrMapping/>
+  </p:clrMapOvr>
+</p:notes>
+</file>
+
+<file path=ppt/notesSlides/notesSlide11.xml><?xml version="1.0" encoding="utf-8"?>
+<p:notes xmlns:a="http://schemas.openxmlformats.org/drawingml/2006/main" xmlns:r="http://schemas.openxmlformats.org/officeDocument/2006/relationships" xmlns:p="http://schemas.openxmlformats.org/presentationml/2006/main">
+  <p:cSld>
+    <p:spTree>
+      <p:nvGrpSpPr>
+        <p:cNvPr id="1" name=""/>
+        <p:cNvGrpSpPr/>
+        <p:nvPr/>
+      </p:nvGrpSpPr>
+      <p:grpSpPr>
+        <a:xfrm>
+          <a:off x="0" y="0"/>
+          <a:ext cx="0" cy="0"/>
+          <a:chOff x="0" y="0"/>
+          <a:chExt cx="0" cy="0"/>
+        </a:xfrm>
+      </p:grpSpPr>
+      <p:sp>
+        <p:nvSpPr>
+          <p:cNvPr id="2" name="Slide Image Placeholder 1"/>
+          <p:cNvSpPr>
+            <a:spLocks noGrp="1" noRot="1" noChangeAspect="1"/>
+          </p:cNvSpPr>
+          <p:nvPr>
+            <p:ph type="sldImg"/>
+          </p:nvPr>
+        </p:nvSpPr>
+        <p:spPr/>
+      </p:sp>
+      <p:sp>
+        <p:nvSpPr>
+          <p:cNvPr id="3" name="Notes Placeholder 2"/>
+          <p:cNvSpPr>
+            <a:spLocks noGrp="1"/>
+          </p:cNvSpPr>
+          <p:nvPr>
+            <p:ph type="body" idx="1"/>
+          </p:nvPr>
+        </p:nvSpPr>
+        <p:spPr/>
+        <p:txBody>
+          <a:bodyPr/>
+          <a:lstStyle/>
+          <a:p>
+            <a:endParaRPr lang="en-US" dirty="0"/>
+          </a:p>
+        </p:txBody>
+      </p:sp>
+      <p:sp>
+        <p:nvSpPr>
+          <p:cNvPr id="4" name="Slide Number Placeholder 3"/>
+          <p:cNvSpPr>
+            <a:spLocks noGrp="1"/>
+          </p:cNvSpPr>
+          <p:nvPr>
+            <p:ph type="sldNum" sz="quarter" idx="5"/>
+          </p:nvPr>
+        </p:nvSpPr>
+        <p:spPr/>
+        <p:txBody>
+          <a:bodyPr/>
+          <a:lstStyle/>
+          <a:p>
+            <a:fld id="{4A4C6A55-184A-43C5-A159-215A751776E6}" type="slidenum">
+              <a:rPr lang="en-US" smtClean="0"/>
+              <a:t>11</a:t>
+            </a:fld>
+            <a:endParaRPr lang="en-US"/>
+          </a:p>
+        </p:txBody>
+      </p:sp>
+    </p:spTree>
+    <p:extLst>
+      <p:ext uri="{BB962C8B-B14F-4D97-AF65-F5344CB8AC3E}">
+        <p14:creationId xmlns:p14="http://schemas.microsoft.com/office/powerpoint/2010/main" val="3653858904"/>
+      </p:ext>
+    </p:extLst>
+  </p:cSld>
+  <p:clrMapOvr>
+    <a:masterClrMapping/>
+  </p:clrMapOvr>
+</p:notes>
+</file>
+
+<file path=ppt/notesSlides/notesSlide12.xml><?xml version="1.0" encoding="utf-8"?>
+<p:notes xmlns:a="http://schemas.openxmlformats.org/drawingml/2006/main" xmlns:r="http://schemas.openxmlformats.org/officeDocument/2006/relationships" xmlns:p="http://schemas.openxmlformats.org/presentationml/2006/main">
+  <p:cSld>
+    <p:spTree>
+      <p:nvGrpSpPr>
+        <p:cNvPr id="1" name=""/>
+        <p:cNvGrpSpPr/>
+        <p:nvPr/>
+      </p:nvGrpSpPr>
+      <p:grpSpPr>
+        <a:xfrm>
+          <a:off x="0" y="0"/>
+          <a:ext cx="0" cy="0"/>
+          <a:chOff x="0" y="0"/>
+          <a:chExt cx="0" cy="0"/>
+        </a:xfrm>
+      </p:grpSpPr>
+      <p:sp>
+        <p:nvSpPr>
+          <p:cNvPr id="2" name="Slide Image Placeholder 1"/>
+          <p:cNvSpPr>
+            <a:spLocks noGrp="1" noRot="1" noChangeAspect="1"/>
+          </p:cNvSpPr>
+          <p:nvPr>
+            <p:ph type="sldImg"/>
+          </p:nvPr>
+        </p:nvSpPr>
+        <p:spPr/>
+      </p:sp>
+      <p:sp>
+        <p:nvSpPr>
+          <p:cNvPr id="3" name="Notes Placeholder 2"/>
+          <p:cNvSpPr>
+            <a:spLocks noGrp="1"/>
+          </p:cNvSpPr>
+          <p:nvPr>
+            <p:ph type="body" idx="1"/>
+          </p:nvPr>
+        </p:nvSpPr>
+        <p:spPr/>
+        <p:txBody>
+          <a:bodyPr/>
+          <a:lstStyle/>
+          <a:p>
+            <a:endParaRPr lang="en-US" dirty="0"/>
+          </a:p>
+        </p:txBody>
+      </p:sp>
+      <p:sp>
+        <p:nvSpPr>
+          <p:cNvPr id="4" name="Slide Number Placeholder 3"/>
+          <p:cNvSpPr>
+            <a:spLocks noGrp="1"/>
+          </p:cNvSpPr>
+          <p:nvPr>
+            <p:ph type="sldNum" sz="quarter" idx="5"/>
+          </p:nvPr>
+        </p:nvSpPr>
+        <p:spPr/>
+        <p:txBody>
+          <a:bodyPr/>
+          <a:lstStyle/>
+          <a:p>
+            <a:fld id="{4A4C6A55-184A-43C5-A159-215A751776E6}" type="slidenum">
+              <a:rPr lang="en-US" smtClean="0"/>
+              <a:t>12</a:t>
+            </a:fld>
+            <a:endParaRPr lang="en-US"/>
+          </a:p>
+        </p:txBody>
+      </p:sp>
+    </p:spTree>
+    <p:extLst>
+      <p:ext uri="{BB962C8B-B14F-4D97-AF65-F5344CB8AC3E}">
+        <p14:creationId xmlns:p14="http://schemas.microsoft.com/office/powerpoint/2010/main" val="2337041355"/>
+      </p:ext>
+    </p:extLst>
+  </p:cSld>
+  <p:clrMapOvr>
+    <a:masterClrMapping/>
+  </p:clrMapOvr>
+</p:notes>
+</file>
+
+<file path=ppt/notesSlides/notesSlide13.xml><?xml version="1.0" encoding="utf-8"?>
+<p:notes xmlns:a="http://schemas.openxmlformats.org/drawingml/2006/main" xmlns:r="http://schemas.openxmlformats.org/officeDocument/2006/relationships" xmlns:p="http://schemas.openxmlformats.org/presentationml/2006/main">
+  <p:cSld>
+    <p:spTree>
+      <p:nvGrpSpPr>
+        <p:cNvPr id="1" name=""/>
+        <p:cNvGrpSpPr/>
+        <p:nvPr/>
+      </p:nvGrpSpPr>
+      <p:grpSpPr>
+        <a:xfrm>
+          <a:off x="0" y="0"/>
+          <a:ext cx="0" cy="0"/>
+          <a:chOff x="0" y="0"/>
+          <a:chExt cx="0" cy="0"/>
+        </a:xfrm>
+      </p:grpSpPr>
+      <p:sp>
+        <p:nvSpPr>
+          <p:cNvPr id="2" name="Slide Image Placeholder 1"/>
+          <p:cNvSpPr>
+            <a:spLocks noGrp="1" noRot="1" noChangeAspect="1"/>
+          </p:cNvSpPr>
+          <p:nvPr>
+            <p:ph type="sldImg"/>
+          </p:nvPr>
+        </p:nvSpPr>
+        <p:spPr/>
+      </p:sp>
+      <p:sp>
+        <p:nvSpPr>
+          <p:cNvPr id="3" name="Notes Placeholder 2"/>
+          <p:cNvSpPr>
+            <a:spLocks noGrp="1"/>
+          </p:cNvSpPr>
+          <p:nvPr>
+            <p:ph type="body" idx="1"/>
+          </p:nvPr>
+        </p:nvSpPr>
+        <p:spPr/>
+        <p:txBody>
+          <a:bodyPr/>
+          <a:lstStyle/>
+          <a:p>
+            <a:endParaRPr lang="en-US" dirty="0"/>
+          </a:p>
+        </p:txBody>
+      </p:sp>
+      <p:sp>
+        <p:nvSpPr>
+          <p:cNvPr id="4" name="Slide Number Placeholder 3"/>
+          <p:cNvSpPr>
+            <a:spLocks noGrp="1"/>
+          </p:cNvSpPr>
+          <p:nvPr>
+            <p:ph type="sldNum" sz="quarter" idx="5"/>
+          </p:nvPr>
+        </p:nvSpPr>
+        <p:spPr/>
+        <p:txBody>
+          <a:bodyPr/>
+          <a:lstStyle/>
+          <a:p>
+            <a:fld id="{4A4C6A55-184A-43C5-A159-215A751776E6}" type="slidenum">
+              <a:rPr lang="en-US" smtClean="0"/>
+              <a:t>13</a:t>
+            </a:fld>
+            <a:endParaRPr lang="en-US"/>
+          </a:p>
+        </p:txBody>
+      </p:sp>
+    </p:spTree>
+    <p:extLst>
+      <p:ext uri="{BB962C8B-B14F-4D97-AF65-F5344CB8AC3E}">
+        <p14:creationId xmlns:p14="http://schemas.microsoft.com/office/powerpoint/2010/main" val="1943683295"/>
+      </p:ext>
+    </p:extLst>
+  </p:cSld>
+  <p:clrMapOvr>
+    <a:masterClrMapping/>
+  </p:clrMapOvr>
+</p:notes>
+</file>
+
+<file path=ppt/notesSlides/notesSlide14.xml><?xml version="1.0" encoding="utf-8"?>
+<p:notes xmlns:a="http://schemas.openxmlformats.org/drawingml/2006/main" xmlns:r="http://schemas.openxmlformats.org/officeDocument/2006/relationships" xmlns:p="http://schemas.openxmlformats.org/presentationml/2006/main">
+  <p:cSld>
+    <p:spTree>
+      <p:nvGrpSpPr>
+        <p:cNvPr id="1" name=""/>
+        <p:cNvGrpSpPr/>
+        <p:nvPr/>
+      </p:nvGrpSpPr>
+      <p:grpSpPr>
+        <a:xfrm>
+          <a:off x="0" y="0"/>
+          <a:ext cx="0" cy="0"/>
+          <a:chOff x="0" y="0"/>
+          <a:chExt cx="0" cy="0"/>
+        </a:xfrm>
+      </p:grpSpPr>
+      <p:sp>
+        <p:nvSpPr>
+          <p:cNvPr id="2" name="Slide Image Placeholder 1"/>
+          <p:cNvSpPr>
+            <a:spLocks noGrp="1" noRot="1" noChangeAspect="1"/>
+          </p:cNvSpPr>
+          <p:nvPr>
+            <p:ph type="sldImg"/>
+          </p:nvPr>
+        </p:nvSpPr>
+        <p:spPr/>
+      </p:sp>
+      <p:sp>
+        <p:nvSpPr>
+          <p:cNvPr id="3" name="Notes Placeholder 2"/>
+          <p:cNvSpPr>
+            <a:spLocks noGrp="1"/>
+          </p:cNvSpPr>
+          <p:nvPr>
+            <p:ph type="body" idx="1"/>
+          </p:nvPr>
+        </p:nvSpPr>
+        <p:spPr/>
+        <p:txBody>
+          <a:bodyPr/>
+          <a:lstStyle/>
+          <a:p>
+            <a:endParaRPr lang="en-US" dirty="0"/>
+          </a:p>
+        </p:txBody>
+      </p:sp>
+      <p:sp>
+        <p:nvSpPr>
+          <p:cNvPr id="4" name="Slide Number Placeholder 3"/>
+          <p:cNvSpPr>
+            <a:spLocks noGrp="1"/>
+          </p:cNvSpPr>
+          <p:nvPr>
+            <p:ph type="sldNum" sz="quarter" idx="5"/>
+          </p:nvPr>
+        </p:nvSpPr>
+        <p:spPr/>
+        <p:txBody>
+          <a:bodyPr/>
+          <a:lstStyle/>
+          <a:p>
+            <a:fld id="{4A4C6A55-184A-43C5-A159-215A751776E6}" type="slidenum">
+              <a:rPr lang="en-US" smtClean="0"/>
+              <a:t>14</a:t>
+            </a:fld>
+            <a:endParaRPr lang="en-US"/>
+          </a:p>
+        </p:txBody>
+      </p:sp>
+    </p:spTree>
+    <p:extLst>
+      <p:ext uri="{BB962C8B-B14F-4D97-AF65-F5344CB8AC3E}">
+        <p14:creationId xmlns:p14="http://schemas.microsoft.com/office/powerpoint/2010/main" val="3805500598"/>
+      </p:ext>
+    </p:extLst>
+  </p:cSld>
+  <p:clrMapOvr>
+    <a:masterClrMapping/>
+  </p:clrMapOvr>
+</p:notes>
+</file>
+
+<file path=ppt/notesSlides/notesSlide15.xml><?xml version="1.0" encoding="utf-8"?>
+<p:notes xmlns:a="http://schemas.openxmlformats.org/drawingml/2006/main" xmlns:r="http://schemas.openxmlformats.org/officeDocument/2006/relationships" xmlns:p="http://schemas.openxmlformats.org/presentationml/2006/main">
+  <p:cSld>
+    <p:spTree>
+      <p:nvGrpSpPr>
+        <p:cNvPr id="1" name=""/>
+        <p:cNvGrpSpPr/>
+        <p:nvPr/>
+      </p:nvGrpSpPr>
+      <p:grpSpPr>
+        <a:xfrm>
+          <a:off x="0" y="0"/>
+          <a:ext cx="0" cy="0"/>
+          <a:chOff x="0" y="0"/>
+          <a:chExt cx="0" cy="0"/>
+        </a:xfrm>
+      </p:grpSpPr>
+      <p:sp>
+        <p:nvSpPr>
+          <p:cNvPr id="2" name="Slide Image Placeholder 1"/>
+          <p:cNvSpPr>
+            <a:spLocks noGrp="1" noRot="1" noChangeAspect="1"/>
+          </p:cNvSpPr>
+          <p:nvPr>
+            <p:ph type="sldImg"/>
+          </p:nvPr>
+        </p:nvSpPr>
+        <p:spPr/>
+      </p:sp>
+      <p:sp>
+        <p:nvSpPr>
+          <p:cNvPr id="3" name="Notes Placeholder 2"/>
+          <p:cNvSpPr>
+            <a:spLocks noGrp="1"/>
+          </p:cNvSpPr>
+          <p:nvPr>
+            <p:ph type="body" idx="1"/>
+          </p:nvPr>
+        </p:nvSpPr>
+        <p:spPr/>
+        <p:txBody>
+          <a:bodyPr/>
+          <a:lstStyle/>
+          <a:p>
+            <a:endParaRPr lang="en-US" dirty="0"/>
+          </a:p>
+        </p:txBody>
+      </p:sp>
+      <p:sp>
+        <p:nvSpPr>
+          <p:cNvPr id="4" name="Slide Number Placeholder 3"/>
+          <p:cNvSpPr>
+            <a:spLocks noGrp="1"/>
+          </p:cNvSpPr>
+          <p:nvPr>
+            <p:ph type="sldNum" sz="quarter" idx="5"/>
+          </p:nvPr>
+        </p:nvSpPr>
+        <p:spPr/>
+        <p:txBody>
+          <a:bodyPr/>
+          <a:lstStyle/>
+          <a:p>
+            <a:fld id="{4A4C6A55-184A-43C5-A159-215A751776E6}" type="slidenum">
+              <a:rPr lang="en-US" smtClean="0"/>
+              <a:t>15</a:t>
+            </a:fld>
+            <a:endParaRPr lang="en-US"/>
+          </a:p>
+        </p:txBody>
+      </p:sp>
+    </p:spTree>
+    <p:extLst>
+      <p:ext uri="{BB962C8B-B14F-4D97-AF65-F5344CB8AC3E}">
+        <p14:creationId xmlns:p14="http://schemas.microsoft.com/office/powerpoint/2010/main" val="2244216689"/>
+      </p:ext>
+    </p:extLst>
+  </p:cSld>
+  <p:clrMapOvr>
+    <a:masterClrMapping/>
+  </p:clrMapOvr>
+</p:notes>
+</file>
+
+<file path=ppt/notesSlides/notesSlide16.xml><?xml version="1.0" encoding="utf-8"?>
+<p:notes xmlns:a="http://schemas.openxmlformats.org/drawingml/2006/main" xmlns:r="http://schemas.openxmlformats.org/officeDocument/2006/relationships" xmlns:p="http://schemas.openxmlformats.org/presentationml/2006/main">
+  <p:cSld>
+    <p:spTree>
+      <p:nvGrpSpPr>
+        <p:cNvPr id="1" name=""/>
+        <p:cNvGrpSpPr/>
+        <p:nvPr/>
+      </p:nvGrpSpPr>
+      <p:grpSpPr>
+        <a:xfrm>
+          <a:off x="0" y="0"/>
+          <a:ext cx="0" cy="0"/>
+          <a:chOff x="0" y="0"/>
+          <a:chExt cx="0" cy="0"/>
+        </a:xfrm>
+      </p:grpSpPr>
+      <p:sp>
+        <p:nvSpPr>
+          <p:cNvPr id="2" name="Slide Image Placeholder 1"/>
+          <p:cNvSpPr>
+            <a:spLocks noGrp="1" noRot="1" noChangeAspect="1"/>
+          </p:cNvSpPr>
+          <p:nvPr>
+            <p:ph type="sldImg"/>
+          </p:nvPr>
+        </p:nvSpPr>
+        <p:spPr/>
+      </p:sp>
+      <p:sp>
+        <p:nvSpPr>
+          <p:cNvPr id="3" name="Notes Placeholder 2"/>
+          <p:cNvSpPr>
+            <a:spLocks noGrp="1"/>
+          </p:cNvSpPr>
+          <p:nvPr>
+            <p:ph type="body" idx="1"/>
+          </p:nvPr>
+        </p:nvSpPr>
+        <p:spPr/>
+        <p:txBody>
+          <a:bodyPr/>
+          <a:lstStyle/>
+          <a:p>
+            <a:endParaRPr lang="en-US" dirty="0"/>
+          </a:p>
+        </p:txBody>
+      </p:sp>
+      <p:sp>
+        <p:nvSpPr>
+          <p:cNvPr id="4" name="Slide Number Placeholder 3"/>
+          <p:cNvSpPr>
+            <a:spLocks noGrp="1"/>
+          </p:cNvSpPr>
+          <p:nvPr>
+            <p:ph type="sldNum" sz="quarter" idx="5"/>
+          </p:nvPr>
+        </p:nvSpPr>
+        <p:spPr/>
+        <p:txBody>
+          <a:bodyPr/>
+          <a:lstStyle/>
+          <a:p>
+            <a:fld id="{4A4C6A55-184A-43C5-A159-215A751776E6}" type="slidenum">
+              <a:rPr lang="en-US" smtClean="0"/>
+              <a:t>16</a:t>
+            </a:fld>
+            <a:endParaRPr lang="en-US"/>
+          </a:p>
+        </p:txBody>
+      </p:sp>
+    </p:spTree>
+    <p:extLst>
+      <p:ext uri="{BB962C8B-B14F-4D97-AF65-F5344CB8AC3E}">
+        <p14:creationId xmlns:p14="http://schemas.microsoft.com/office/powerpoint/2010/main" val="3492919466"/>
+      </p:ext>
+    </p:extLst>
+  </p:cSld>
+  <p:clrMapOvr>
+    <a:masterClrMapping/>
+  </p:clrMapOvr>
+</p:notes>
+</file>
+
+<file path=ppt/notesSlides/notesSlide17.xml><?xml version="1.0" encoding="utf-8"?>
+<p:notes xmlns:a="http://schemas.openxmlformats.org/drawingml/2006/main" xmlns:r="http://schemas.openxmlformats.org/officeDocument/2006/relationships" xmlns:p="http://schemas.openxmlformats.org/presentationml/2006/main">
+  <p:cSld>
+    <p:spTree>
+      <p:nvGrpSpPr>
+        <p:cNvPr id="1" name=""/>
+        <p:cNvGrpSpPr/>
+        <p:nvPr/>
+      </p:nvGrpSpPr>
+      <p:grpSpPr>
+        <a:xfrm>
+          <a:off x="0" y="0"/>
+          <a:ext cx="0" cy="0"/>
+          <a:chOff x="0" y="0"/>
+          <a:chExt cx="0" cy="0"/>
+        </a:xfrm>
+      </p:grpSpPr>
+      <p:sp>
+        <p:nvSpPr>
+          <p:cNvPr id="2" name="Slide Image Placeholder 1"/>
+          <p:cNvSpPr>
+            <a:spLocks noGrp="1" noRot="1" noChangeAspect="1"/>
+          </p:cNvSpPr>
+          <p:nvPr>
+            <p:ph type="sldImg"/>
+          </p:nvPr>
+        </p:nvSpPr>
+        <p:spPr/>
+      </p:sp>
+      <p:sp>
+        <p:nvSpPr>
+          <p:cNvPr id="3" name="Notes Placeholder 2"/>
+          <p:cNvSpPr>
+            <a:spLocks noGrp="1"/>
+          </p:cNvSpPr>
+          <p:nvPr>
+            <p:ph type="body" idx="1"/>
+          </p:nvPr>
+        </p:nvSpPr>
+        <p:spPr/>
+        <p:txBody>
+          <a:bodyPr/>
+          <a:lstStyle/>
+          <a:p>
+            <a:endParaRPr lang="en-US" dirty="0"/>
+          </a:p>
+        </p:txBody>
+      </p:sp>
+      <p:sp>
+        <p:nvSpPr>
+          <p:cNvPr id="4" name="Slide Number Placeholder 3"/>
+          <p:cNvSpPr>
+            <a:spLocks noGrp="1"/>
+          </p:cNvSpPr>
+          <p:nvPr>
+            <p:ph type="sldNum" sz="quarter" idx="5"/>
+          </p:nvPr>
+        </p:nvSpPr>
+        <p:spPr/>
+        <p:txBody>
+          <a:bodyPr/>
+          <a:lstStyle/>
+          <a:p>
+            <a:fld id="{4A4C6A55-184A-43C5-A159-215A751776E6}" type="slidenum">
+              <a:rPr lang="en-US" smtClean="0"/>
+              <a:t>17</a:t>
+            </a:fld>
+            <a:endParaRPr lang="en-US"/>
+          </a:p>
+        </p:txBody>
+      </p:sp>
+    </p:spTree>
+    <p:extLst>
+      <p:ext uri="{BB962C8B-B14F-4D97-AF65-F5344CB8AC3E}">
+        <p14:creationId xmlns:p14="http://schemas.microsoft.com/office/powerpoint/2010/main" val="3950866705"/>
+      </p:ext>
+    </p:extLst>
+  </p:cSld>
+  <p:clrMapOvr>
+    <a:masterClrMapping/>
+  </p:clrMapOvr>
+</p:notes>
+</file>
+
+<file path=ppt/notesSlides/notesSlide18.xml><?xml version="1.0" encoding="utf-8"?>
+<p:notes xmlns:a="http://schemas.openxmlformats.org/drawingml/2006/main" xmlns:r="http://schemas.openxmlformats.org/officeDocument/2006/relationships" xmlns:p="http://schemas.openxmlformats.org/presentationml/2006/main">
+  <p:cSld>
+    <p:spTree>
+      <p:nvGrpSpPr>
+        <p:cNvPr id="1" name=""/>
+        <p:cNvGrpSpPr/>
+        <p:nvPr/>
+      </p:nvGrpSpPr>
+      <p:grpSpPr>
+        <a:xfrm>
+          <a:off x="0" y="0"/>
+          <a:ext cx="0" cy="0"/>
+          <a:chOff x="0" y="0"/>
+          <a:chExt cx="0" cy="0"/>
+        </a:xfrm>
+      </p:grpSpPr>
+      <p:sp>
+        <p:nvSpPr>
+          <p:cNvPr id="2" name="Slide Image Placeholder 1"/>
+          <p:cNvSpPr>
+            <a:spLocks noGrp="1" noRot="1" noChangeAspect="1"/>
+          </p:cNvSpPr>
+          <p:nvPr>
+            <p:ph type="sldImg"/>
+          </p:nvPr>
+        </p:nvSpPr>
+        <p:spPr/>
+      </p:sp>
+      <p:sp>
+        <p:nvSpPr>
+          <p:cNvPr id="3" name="Notes Placeholder 2"/>
+          <p:cNvSpPr>
+            <a:spLocks noGrp="1"/>
+          </p:cNvSpPr>
+          <p:nvPr>
+            <p:ph type="body" idx="1"/>
+          </p:nvPr>
+        </p:nvSpPr>
+        <p:spPr/>
+        <p:txBody>
+          <a:bodyPr/>
+          <a:lstStyle/>
+          <a:p>
+            <a:endParaRPr lang="en-US" dirty="0"/>
+          </a:p>
+        </p:txBody>
+      </p:sp>
+      <p:sp>
+        <p:nvSpPr>
+          <p:cNvPr id="4" name="Slide Number Placeholder 3"/>
+          <p:cNvSpPr>
+            <a:spLocks noGrp="1"/>
+          </p:cNvSpPr>
+          <p:nvPr>
+            <p:ph type="sldNum" sz="quarter" idx="5"/>
+          </p:nvPr>
+        </p:nvSpPr>
+        <p:spPr/>
+        <p:txBody>
+          <a:bodyPr/>
+          <a:lstStyle/>
+          <a:p>
+            <a:fld id="{4A4C6A55-184A-43C5-A159-215A751776E6}" type="slidenum">
+              <a:rPr lang="en-US" smtClean="0"/>
+              <a:t>18</a:t>
+            </a:fld>
+            <a:endParaRPr lang="en-US"/>
+          </a:p>
+        </p:txBody>
+      </p:sp>
+    </p:spTree>
+    <p:extLst>
+      <p:ext uri="{BB962C8B-B14F-4D97-AF65-F5344CB8AC3E}">
+        <p14:creationId xmlns:p14="http://schemas.microsoft.com/office/powerpoint/2010/main" val="2258164637"/>
+      </p:ext>
+    </p:extLst>
+  </p:cSld>
+  <p:clrMapOvr>
+    <a:masterClrMapping/>
+  </p:clrMapOvr>
+</p:notes>
+</file>
+
+<file path=ppt/notesSlides/notesSlide19.xml><?xml version="1.0" encoding="utf-8"?>
+<p:notes xmlns:a="http://schemas.openxmlformats.org/drawingml/2006/main" xmlns:r="http://schemas.openxmlformats.org/officeDocument/2006/relationships" xmlns:p="http://schemas.openxmlformats.org/presentationml/2006/main">
+  <p:cSld>
+    <p:spTree>
+      <p:nvGrpSpPr>
+        <p:cNvPr id="1" name=""/>
+        <p:cNvGrpSpPr/>
+        <p:nvPr/>
+      </p:nvGrpSpPr>
+      <p:grpSpPr>
+        <a:xfrm>
+          <a:off x="0" y="0"/>
+          <a:ext cx="0" cy="0"/>
+          <a:chOff x="0" y="0"/>
+          <a:chExt cx="0" cy="0"/>
+        </a:xfrm>
+      </p:grpSpPr>
+      <p:sp>
+        <p:nvSpPr>
+          <p:cNvPr id="2" name="Slide Image Placeholder 1"/>
+          <p:cNvSpPr>
+            <a:spLocks noGrp="1" noRot="1" noChangeAspect="1"/>
+          </p:cNvSpPr>
+          <p:nvPr>
+            <p:ph type="sldImg"/>
+          </p:nvPr>
+        </p:nvSpPr>
+        <p:spPr/>
+      </p:sp>
+      <p:sp>
+        <p:nvSpPr>
+          <p:cNvPr id="3" name="Notes Placeholder 2"/>
+          <p:cNvSpPr>
+            <a:spLocks noGrp="1"/>
+          </p:cNvSpPr>
+          <p:nvPr>
+            <p:ph type="body" idx="1"/>
+          </p:nvPr>
+        </p:nvSpPr>
+        <p:spPr/>
+        <p:txBody>
+          <a:bodyPr/>
+          <a:lstStyle/>
+          <a:p>
+            <a:endParaRPr lang="en-US" dirty="0"/>
+          </a:p>
+        </p:txBody>
+      </p:sp>
+      <p:sp>
+        <p:nvSpPr>
+          <p:cNvPr id="4" name="Slide Number Placeholder 3"/>
+          <p:cNvSpPr>
+            <a:spLocks noGrp="1"/>
+          </p:cNvSpPr>
+          <p:nvPr>
+            <p:ph type="sldNum" sz="quarter" idx="5"/>
+          </p:nvPr>
+        </p:nvSpPr>
+        <p:spPr/>
+        <p:txBody>
+          <a:bodyPr/>
+          <a:lstStyle/>
+          <a:p>
+            <a:fld id="{4A4C6A55-184A-43C5-A159-215A751776E6}" type="slidenum">
+              <a:rPr lang="en-US" smtClean="0"/>
+              <a:t>19</a:t>
+            </a:fld>
+            <a:endParaRPr lang="en-US"/>
+          </a:p>
+        </p:txBody>
+      </p:sp>
+    </p:spTree>
+    <p:extLst>
+      <p:ext uri="{BB962C8B-B14F-4D97-AF65-F5344CB8AC3E}">
+        <p14:creationId xmlns:p14="http://schemas.microsoft.com/office/powerpoint/2010/main" val="858559856"/>
+      </p:ext>
+    </p:extLst>
+  </p:cSld>
+  <p:clrMapOvr>
+    <a:masterClrMapping/>
+  </p:clrMapOvr>
+</p:notes>
+</file>
+
 <file path=ppt/notesSlides/notesSlide2.xml><?xml version="1.0" encoding="utf-8"?>
 <p:notes xmlns:a="http://schemas.openxmlformats.org/drawingml/2006/main" xmlns:r="http://schemas.openxmlformats.org/officeDocument/2006/relationships" xmlns:p="http://schemas.openxmlformats.org/presentationml/2006/main">
   <p:cSld>
@@ -1751,6 +2617,846 @@
     <p:extLst>
       <p:ext uri="{BB962C8B-B14F-4D97-AF65-F5344CB8AC3E}">
         <p14:creationId xmlns:p14="http://schemas.microsoft.com/office/powerpoint/2010/main" val="1395741710"/>
+      </p:ext>
+    </p:extLst>
+  </p:cSld>
+  <p:clrMapOvr>
+    <a:masterClrMapping/>
+  </p:clrMapOvr>
+</p:notes>
+</file>
+
+<file path=ppt/notesSlides/notesSlide20.xml><?xml version="1.0" encoding="utf-8"?>
+<p:notes xmlns:a="http://schemas.openxmlformats.org/drawingml/2006/main" xmlns:r="http://schemas.openxmlformats.org/officeDocument/2006/relationships" xmlns:p="http://schemas.openxmlformats.org/presentationml/2006/main">
+  <p:cSld>
+    <p:spTree>
+      <p:nvGrpSpPr>
+        <p:cNvPr id="1" name=""/>
+        <p:cNvGrpSpPr/>
+        <p:nvPr/>
+      </p:nvGrpSpPr>
+      <p:grpSpPr>
+        <a:xfrm>
+          <a:off x="0" y="0"/>
+          <a:ext cx="0" cy="0"/>
+          <a:chOff x="0" y="0"/>
+          <a:chExt cx="0" cy="0"/>
+        </a:xfrm>
+      </p:grpSpPr>
+      <p:sp>
+        <p:nvSpPr>
+          <p:cNvPr id="2" name="Slide Image Placeholder 1"/>
+          <p:cNvSpPr>
+            <a:spLocks noGrp="1" noRot="1" noChangeAspect="1"/>
+          </p:cNvSpPr>
+          <p:nvPr>
+            <p:ph type="sldImg"/>
+          </p:nvPr>
+        </p:nvSpPr>
+        <p:spPr/>
+      </p:sp>
+      <p:sp>
+        <p:nvSpPr>
+          <p:cNvPr id="3" name="Notes Placeholder 2"/>
+          <p:cNvSpPr>
+            <a:spLocks noGrp="1"/>
+          </p:cNvSpPr>
+          <p:nvPr>
+            <p:ph type="body" idx="1"/>
+          </p:nvPr>
+        </p:nvSpPr>
+        <p:spPr/>
+        <p:txBody>
+          <a:bodyPr/>
+          <a:lstStyle/>
+          <a:p>
+            <a:endParaRPr lang="en-US" dirty="0"/>
+          </a:p>
+        </p:txBody>
+      </p:sp>
+      <p:sp>
+        <p:nvSpPr>
+          <p:cNvPr id="4" name="Slide Number Placeholder 3"/>
+          <p:cNvSpPr>
+            <a:spLocks noGrp="1"/>
+          </p:cNvSpPr>
+          <p:nvPr>
+            <p:ph type="sldNum" sz="quarter" idx="5"/>
+          </p:nvPr>
+        </p:nvSpPr>
+        <p:spPr/>
+        <p:txBody>
+          <a:bodyPr/>
+          <a:lstStyle/>
+          <a:p>
+            <a:fld id="{4A4C6A55-184A-43C5-A159-215A751776E6}" type="slidenum">
+              <a:rPr lang="en-US" smtClean="0"/>
+              <a:t>20</a:t>
+            </a:fld>
+            <a:endParaRPr lang="en-US"/>
+          </a:p>
+        </p:txBody>
+      </p:sp>
+    </p:spTree>
+    <p:extLst>
+      <p:ext uri="{BB962C8B-B14F-4D97-AF65-F5344CB8AC3E}">
+        <p14:creationId xmlns:p14="http://schemas.microsoft.com/office/powerpoint/2010/main" val="103884552"/>
+      </p:ext>
+    </p:extLst>
+  </p:cSld>
+  <p:clrMapOvr>
+    <a:masterClrMapping/>
+  </p:clrMapOvr>
+</p:notes>
+</file>
+
+<file path=ppt/notesSlides/notesSlide21.xml><?xml version="1.0" encoding="utf-8"?>
+<p:notes xmlns:a="http://schemas.openxmlformats.org/drawingml/2006/main" xmlns:r="http://schemas.openxmlformats.org/officeDocument/2006/relationships" xmlns:p="http://schemas.openxmlformats.org/presentationml/2006/main">
+  <p:cSld>
+    <p:spTree>
+      <p:nvGrpSpPr>
+        <p:cNvPr id="1" name=""/>
+        <p:cNvGrpSpPr/>
+        <p:nvPr/>
+      </p:nvGrpSpPr>
+      <p:grpSpPr>
+        <a:xfrm>
+          <a:off x="0" y="0"/>
+          <a:ext cx="0" cy="0"/>
+          <a:chOff x="0" y="0"/>
+          <a:chExt cx="0" cy="0"/>
+        </a:xfrm>
+      </p:grpSpPr>
+      <p:sp>
+        <p:nvSpPr>
+          <p:cNvPr id="2" name="Slide Image Placeholder 1"/>
+          <p:cNvSpPr>
+            <a:spLocks noGrp="1" noRot="1" noChangeAspect="1"/>
+          </p:cNvSpPr>
+          <p:nvPr>
+            <p:ph type="sldImg"/>
+          </p:nvPr>
+        </p:nvSpPr>
+        <p:spPr/>
+      </p:sp>
+      <p:sp>
+        <p:nvSpPr>
+          <p:cNvPr id="3" name="Notes Placeholder 2"/>
+          <p:cNvSpPr>
+            <a:spLocks noGrp="1"/>
+          </p:cNvSpPr>
+          <p:nvPr>
+            <p:ph type="body" idx="1"/>
+          </p:nvPr>
+        </p:nvSpPr>
+        <p:spPr/>
+        <p:txBody>
+          <a:bodyPr/>
+          <a:lstStyle/>
+          <a:p>
+            <a:endParaRPr lang="en-US" dirty="0"/>
+          </a:p>
+        </p:txBody>
+      </p:sp>
+      <p:sp>
+        <p:nvSpPr>
+          <p:cNvPr id="4" name="Slide Number Placeholder 3"/>
+          <p:cNvSpPr>
+            <a:spLocks noGrp="1"/>
+          </p:cNvSpPr>
+          <p:nvPr>
+            <p:ph type="sldNum" sz="quarter" idx="5"/>
+          </p:nvPr>
+        </p:nvSpPr>
+        <p:spPr/>
+        <p:txBody>
+          <a:bodyPr/>
+          <a:lstStyle/>
+          <a:p>
+            <a:fld id="{4A4C6A55-184A-43C5-A159-215A751776E6}" type="slidenum">
+              <a:rPr lang="en-US" smtClean="0"/>
+              <a:t>21</a:t>
+            </a:fld>
+            <a:endParaRPr lang="en-US"/>
+          </a:p>
+        </p:txBody>
+      </p:sp>
+    </p:spTree>
+    <p:extLst>
+      <p:ext uri="{BB962C8B-B14F-4D97-AF65-F5344CB8AC3E}">
+        <p14:creationId xmlns:p14="http://schemas.microsoft.com/office/powerpoint/2010/main" val="2054850149"/>
+      </p:ext>
+    </p:extLst>
+  </p:cSld>
+  <p:clrMapOvr>
+    <a:masterClrMapping/>
+  </p:clrMapOvr>
+</p:notes>
+</file>
+
+<file path=ppt/notesSlides/notesSlide22.xml><?xml version="1.0" encoding="utf-8"?>
+<p:notes xmlns:a="http://schemas.openxmlformats.org/drawingml/2006/main" xmlns:r="http://schemas.openxmlformats.org/officeDocument/2006/relationships" xmlns:p="http://schemas.openxmlformats.org/presentationml/2006/main">
+  <p:cSld>
+    <p:spTree>
+      <p:nvGrpSpPr>
+        <p:cNvPr id="1" name=""/>
+        <p:cNvGrpSpPr/>
+        <p:nvPr/>
+      </p:nvGrpSpPr>
+      <p:grpSpPr>
+        <a:xfrm>
+          <a:off x="0" y="0"/>
+          <a:ext cx="0" cy="0"/>
+          <a:chOff x="0" y="0"/>
+          <a:chExt cx="0" cy="0"/>
+        </a:xfrm>
+      </p:grpSpPr>
+      <p:sp>
+        <p:nvSpPr>
+          <p:cNvPr id="2" name="Slide Image Placeholder 1"/>
+          <p:cNvSpPr>
+            <a:spLocks noGrp="1" noRot="1" noChangeAspect="1"/>
+          </p:cNvSpPr>
+          <p:nvPr>
+            <p:ph type="sldImg"/>
+          </p:nvPr>
+        </p:nvSpPr>
+        <p:spPr/>
+      </p:sp>
+      <p:sp>
+        <p:nvSpPr>
+          <p:cNvPr id="3" name="Notes Placeholder 2"/>
+          <p:cNvSpPr>
+            <a:spLocks noGrp="1"/>
+          </p:cNvSpPr>
+          <p:nvPr>
+            <p:ph type="body" idx="1"/>
+          </p:nvPr>
+        </p:nvSpPr>
+        <p:spPr/>
+        <p:txBody>
+          <a:bodyPr/>
+          <a:lstStyle/>
+          <a:p>
+            <a:endParaRPr lang="en-US" dirty="0"/>
+          </a:p>
+        </p:txBody>
+      </p:sp>
+      <p:sp>
+        <p:nvSpPr>
+          <p:cNvPr id="4" name="Slide Number Placeholder 3"/>
+          <p:cNvSpPr>
+            <a:spLocks noGrp="1"/>
+          </p:cNvSpPr>
+          <p:nvPr>
+            <p:ph type="sldNum" sz="quarter" idx="5"/>
+          </p:nvPr>
+        </p:nvSpPr>
+        <p:spPr/>
+        <p:txBody>
+          <a:bodyPr/>
+          <a:lstStyle/>
+          <a:p>
+            <a:fld id="{4A4C6A55-184A-43C5-A159-215A751776E6}" type="slidenum">
+              <a:rPr lang="en-US" smtClean="0"/>
+              <a:t>22</a:t>
+            </a:fld>
+            <a:endParaRPr lang="en-US"/>
+          </a:p>
+        </p:txBody>
+      </p:sp>
+    </p:spTree>
+    <p:extLst>
+      <p:ext uri="{BB962C8B-B14F-4D97-AF65-F5344CB8AC3E}">
+        <p14:creationId xmlns:p14="http://schemas.microsoft.com/office/powerpoint/2010/main" val="1320756391"/>
+      </p:ext>
+    </p:extLst>
+  </p:cSld>
+  <p:clrMapOvr>
+    <a:masterClrMapping/>
+  </p:clrMapOvr>
+</p:notes>
+</file>
+
+<file path=ppt/notesSlides/notesSlide23.xml><?xml version="1.0" encoding="utf-8"?>
+<p:notes xmlns:a="http://schemas.openxmlformats.org/drawingml/2006/main" xmlns:r="http://schemas.openxmlformats.org/officeDocument/2006/relationships" xmlns:p="http://schemas.openxmlformats.org/presentationml/2006/main">
+  <p:cSld>
+    <p:spTree>
+      <p:nvGrpSpPr>
+        <p:cNvPr id="1" name=""/>
+        <p:cNvGrpSpPr/>
+        <p:nvPr/>
+      </p:nvGrpSpPr>
+      <p:grpSpPr>
+        <a:xfrm>
+          <a:off x="0" y="0"/>
+          <a:ext cx="0" cy="0"/>
+          <a:chOff x="0" y="0"/>
+          <a:chExt cx="0" cy="0"/>
+        </a:xfrm>
+      </p:grpSpPr>
+      <p:sp>
+        <p:nvSpPr>
+          <p:cNvPr id="2" name="Slide Image Placeholder 1"/>
+          <p:cNvSpPr>
+            <a:spLocks noGrp="1" noRot="1" noChangeAspect="1"/>
+          </p:cNvSpPr>
+          <p:nvPr>
+            <p:ph type="sldImg"/>
+          </p:nvPr>
+        </p:nvSpPr>
+        <p:spPr/>
+      </p:sp>
+      <p:sp>
+        <p:nvSpPr>
+          <p:cNvPr id="3" name="Notes Placeholder 2"/>
+          <p:cNvSpPr>
+            <a:spLocks noGrp="1"/>
+          </p:cNvSpPr>
+          <p:nvPr>
+            <p:ph type="body" idx="1"/>
+          </p:nvPr>
+        </p:nvSpPr>
+        <p:spPr/>
+        <p:txBody>
+          <a:bodyPr/>
+          <a:lstStyle/>
+          <a:p>
+            <a:endParaRPr lang="en-US" dirty="0"/>
+          </a:p>
+        </p:txBody>
+      </p:sp>
+      <p:sp>
+        <p:nvSpPr>
+          <p:cNvPr id="4" name="Slide Number Placeholder 3"/>
+          <p:cNvSpPr>
+            <a:spLocks noGrp="1"/>
+          </p:cNvSpPr>
+          <p:nvPr>
+            <p:ph type="sldNum" sz="quarter" idx="5"/>
+          </p:nvPr>
+        </p:nvSpPr>
+        <p:spPr/>
+        <p:txBody>
+          <a:bodyPr/>
+          <a:lstStyle/>
+          <a:p>
+            <a:fld id="{4A4C6A55-184A-43C5-A159-215A751776E6}" type="slidenum">
+              <a:rPr lang="en-US" smtClean="0"/>
+              <a:t>23</a:t>
+            </a:fld>
+            <a:endParaRPr lang="en-US"/>
+          </a:p>
+        </p:txBody>
+      </p:sp>
+    </p:spTree>
+    <p:extLst>
+      <p:ext uri="{BB962C8B-B14F-4D97-AF65-F5344CB8AC3E}">
+        <p14:creationId xmlns:p14="http://schemas.microsoft.com/office/powerpoint/2010/main" val="782681417"/>
+      </p:ext>
+    </p:extLst>
+  </p:cSld>
+  <p:clrMapOvr>
+    <a:masterClrMapping/>
+  </p:clrMapOvr>
+</p:notes>
+</file>
+
+<file path=ppt/notesSlides/notesSlide24.xml><?xml version="1.0" encoding="utf-8"?>
+<p:notes xmlns:a="http://schemas.openxmlformats.org/drawingml/2006/main" xmlns:r="http://schemas.openxmlformats.org/officeDocument/2006/relationships" xmlns:p="http://schemas.openxmlformats.org/presentationml/2006/main">
+  <p:cSld>
+    <p:spTree>
+      <p:nvGrpSpPr>
+        <p:cNvPr id="1" name=""/>
+        <p:cNvGrpSpPr/>
+        <p:nvPr/>
+      </p:nvGrpSpPr>
+      <p:grpSpPr>
+        <a:xfrm>
+          <a:off x="0" y="0"/>
+          <a:ext cx="0" cy="0"/>
+          <a:chOff x="0" y="0"/>
+          <a:chExt cx="0" cy="0"/>
+        </a:xfrm>
+      </p:grpSpPr>
+      <p:sp>
+        <p:nvSpPr>
+          <p:cNvPr id="2" name="Slide Image Placeholder 1"/>
+          <p:cNvSpPr>
+            <a:spLocks noGrp="1" noRot="1" noChangeAspect="1"/>
+          </p:cNvSpPr>
+          <p:nvPr>
+            <p:ph type="sldImg"/>
+          </p:nvPr>
+        </p:nvSpPr>
+        <p:spPr/>
+      </p:sp>
+      <p:sp>
+        <p:nvSpPr>
+          <p:cNvPr id="3" name="Notes Placeholder 2"/>
+          <p:cNvSpPr>
+            <a:spLocks noGrp="1"/>
+          </p:cNvSpPr>
+          <p:nvPr>
+            <p:ph type="body" idx="1"/>
+          </p:nvPr>
+        </p:nvSpPr>
+        <p:spPr/>
+        <p:txBody>
+          <a:bodyPr/>
+          <a:lstStyle/>
+          <a:p>
+            <a:endParaRPr lang="en-US" dirty="0"/>
+          </a:p>
+        </p:txBody>
+      </p:sp>
+      <p:sp>
+        <p:nvSpPr>
+          <p:cNvPr id="4" name="Slide Number Placeholder 3"/>
+          <p:cNvSpPr>
+            <a:spLocks noGrp="1"/>
+          </p:cNvSpPr>
+          <p:nvPr>
+            <p:ph type="sldNum" sz="quarter" idx="5"/>
+          </p:nvPr>
+        </p:nvSpPr>
+        <p:spPr/>
+        <p:txBody>
+          <a:bodyPr/>
+          <a:lstStyle/>
+          <a:p>
+            <a:fld id="{4A4C6A55-184A-43C5-A159-215A751776E6}" type="slidenum">
+              <a:rPr lang="en-US" smtClean="0"/>
+              <a:t>24</a:t>
+            </a:fld>
+            <a:endParaRPr lang="en-US"/>
+          </a:p>
+        </p:txBody>
+      </p:sp>
+    </p:spTree>
+    <p:extLst>
+      <p:ext uri="{BB962C8B-B14F-4D97-AF65-F5344CB8AC3E}">
+        <p14:creationId xmlns:p14="http://schemas.microsoft.com/office/powerpoint/2010/main" val="1390925055"/>
+      </p:ext>
+    </p:extLst>
+  </p:cSld>
+  <p:clrMapOvr>
+    <a:masterClrMapping/>
+  </p:clrMapOvr>
+</p:notes>
+</file>
+
+<file path=ppt/notesSlides/notesSlide25.xml><?xml version="1.0" encoding="utf-8"?>
+<p:notes xmlns:a="http://schemas.openxmlformats.org/drawingml/2006/main" xmlns:r="http://schemas.openxmlformats.org/officeDocument/2006/relationships" xmlns:p="http://schemas.openxmlformats.org/presentationml/2006/main">
+  <p:cSld>
+    <p:spTree>
+      <p:nvGrpSpPr>
+        <p:cNvPr id="1" name=""/>
+        <p:cNvGrpSpPr/>
+        <p:nvPr/>
+      </p:nvGrpSpPr>
+      <p:grpSpPr>
+        <a:xfrm>
+          <a:off x="0" y="0"/>
+          <a:ext cx="0" cy="0"/>
+          <a:chOff x="0" y="0"/>
+          <a:chExt cx="0" cy="0"/>
+        </a:xfrm>
+      </p:grpSpPr>
+      <p:sp>
+        <p:nvSpPr>
+          <p:cNvPr id="2" name="Slide Image Placeholder 1"/>
+          <p:cNvSpPr>
+            <a:spLocks noGrp="1" noRot="1" noChangeAspect="1"/>
+          </p:cNvSpPr>
+          <p:nvPr>
+            <p:ph type="sldImg"/>
+          </p:nvPr>
+        </p:nvSpPr>
+        <p:spPr/>
+      </p:sp>
+      <p:sp>
+        <p:nvSpPr>
+          <p:cNvPr id="3" name="Notes Placeholder 2"/>
+          <p:cNvSpPr>
+            <a:spLocks noGrp="1"/>
+          </p:cNvSpPr>
+          <p:nvPr>
+            <p:ph type="body" idx="1"/>
+          </p:nvPr>
+        </p:nvSpPr>
+        <p:spPr/>
+        <p:txBody>
+          <a:bodyPr/>
+          <a:lstStyle/>
+          <a:p>
+            <a:endParaRPr lang="en-US" dirty="0"/>
+          </a:p>
+        </p:txBody>
+      </p:sp>
+      <p:sp>
+        <p:nvSpPr>
+          <p:cNvPr id="4" name="Slide Number Placeholder 3"/>
+          <p:cNvSpPr>
+            <a:spLocks noGrp="1"/>
+          </p:cNvSpPr>
+          <p:nvPr>
+            <p:ph type="sldNum" sz="quarter" idx="5"/>
+          </p:nvPr>
+        </p:nvSpPr>
+        <p:spPr/>
+        <p:txBody>
+          <a:bodyPr/>
+          <a:lstStyle/>
+          <a:p>
+            <a:fld id="{4A4C6A55-184A-43C5-A159-215A751776E6}" type="slidenum">
+              <a:rPr lang="en-US" smtClean="0"/>
+              <a:t>25</a:t>
+            </a:fld>
+            <a:endParaRPr lang="en-US"/>
+          </a:p>
+        </p:txBody>
+      </p:sp>
+    </p:spTree>
+    <p:extLst>
+      <p:ext uri="{BB962C8B-B14F-4D97-AF65-F5344CB8AC3E}">
+        <p14:creationId xmlns:p14="http://schemas.microsoft.com/office/powerpoint/2010/main" val="2234790779"/>
+      </p:ext>
+    </p:extLst>
+  </p:cSld>
+  <p:clrMapOvr>
+    <a:masterClrMapping/>
+  </p:clrMapOvr>
+</p:notes>
+</file>
+
+<file path=ppt/notesSlides/notesSlide26.xml><?xml version="1.0" encoding="utf-8"?>
+<p:notes xmlns:a="http://schemas.openxmlformats.org/drawingml/2006/main" xmlns:r="http://schemas.openxmlformats.org/officeDocument/2006/relationships" xmlns:p="http://schemas.openxmlformats.org/presentationml/2006/main">
+  <p:cSld>
+    <p:spTree>
+      <p:nvGrpSpPr>
+        <p:cNvPr id="1" name=""/>
+        <p:cNvGrpSpPr/>
+        <p:nvPr/>
+      </p:nvGrpSpPr>
+      <p:grpSpPr>
+        <a:xfrm>
+          <a:off x="0" y="0"/>
+          <a:ext cx="0" cy="0"/>
+          <a:chOff x="0" y="0"/>
+          <a:chExt cx="0" cy="0"/>
+        </a:xfrm>
+      </p:grpSpPr>
+      <p:sp>
+        <p:nvSpPr>
+          <p:cNvPr id="2" name="Slide Image Placeholder 1"/>
+          <p:cNvSpPr>
+            <a:spLocks noGrp="1" noRot="1" noChangeAspect="1"/>
+          </p:cNvSpPr>
+          <p:nvPr>
+            <p:ph type="sldImg"/>
+          </p:nvPr>
+        </p:nvSpPr>
+        <p:spPr/>
+      </p:sp>
+      <p:sp>
+        <p:nvSpPr>
+          <p:cNvPr id="3" name="Notes Placeholder 2"/>
+          <p:cNvSpPr>
+            <a:spLocks noGrp="1"/>
+          </p:cNvSpPr>
+          <p:nvPr>
+            <p:ph type="body" idx="1"/>
+          </p:nvPr>
+        </p:nvSpPr>
+        <p:spPr/>
+        <p:txBody>
+          <a:bodyPr/>
+          <a:lstStyle/>
+          <a:p>
+            <a:endParaRPr lang="en-US" dirty="0"/>
+          </a:p>
+        </p:txBody>
+      </p:sp>
+      <p:sp>
+        <p:nvSpPr>
+          <p:cNvPr id="4" name="Slide Number Placeholder 3"/>
+          <p:cNvSpPr>
+            <a:spLocks noGrp="1"/>
+          </p:cNvSpPr>
+          <p:nvPr>
+            <p:ph type="sldNum" sz="quarter" idx="5"/>
+          </p:nvPr>
+        </p:nvSpPr>
+        <p:spPr/>
+        <p:txBody>
+          <a:bodyPr/>
+          <a:lstStyle/>
+          <a:p>
+            <a:fld id="{4A4C6A55-184A-43C5-A159-215A751776E6}" type="slidenum">
+              <a:rPr lang="en-US" smtClean="0"/>
+              <a:t>26</a:t>
+            </a:fld>
+            <a:endParaRPr lang="en-US"/>
+          </a:p>
+        </p:txBody>
+      </p:sp>
+    </p:spTree>
+    <p:extLst>
+      <p:ext uri="{BB962C8B-B14F-4D97-AF65-F5344CB8AC3E}">
+        <p14:creationId xmlns:p14="http://schemas.microsoft.com/office/powerpoint/2010/main" val="1969812091"/>
+      </p:ext>
+    </p:extLst>
+  </p:cSld>
+  <p:clrMapOvr>
+    <a:masterClrMapping/>
+  </p:clrMapOvr>
+</p:notes>
+</file>
+
+<file path=ppt/notesSlides/notesSlide27.xml><?xml version="1.0" encoding="utf-8"?>
+<p:notes xmlns:a="http://schemas.openxmlformats.org/drawingml/2006/main" xmlns:r="http://schemas.openxmlformats.org/officeDocument/2006/relationships" xmlns:p="http://schemas.openxmlformats.org/presentationml/2006/main">
+  <p:cSld>
+    <p:spTree>
+      <p:nvGrpSpPr>
+        <p:cNvPr id="1" name=""/>
+        <p:cNvGrpSpPr/>
+        <p:nvPr/>
+      </p:nvGrpSpPr>
+      <p:grpSpPr>
+        <a:xfrm>
+          <a:off x="0" y="0"/>
+          <a:ext cx="0" cy="0"/>
+          <a:chOff x="0" y="0"/>
+          <a:chExt cx="0" cy="0"/>
+        </a:xfrm>
+      </p:grpSpPr>
+      <p:sp>
+        <p:nvSpPr>
+          <p:cNvPr id="2" name="Slide Image Placeholder 1"/>
+          <p:cNvSpPr>
+            <a:spLocks noGrp="1" noRot="1" noChangeAspect="1"/>
+          </p:cNvSpPr>
+          <p:nvPr>
+            <p:ph type="sldImg"/>
+          </p:nvPr>
+        </p:nvSpPr>
+        <p:spPr/>
+      </p:sp>
+      <p:sp>
+        <p:nvSpPr>
+          <p:cNvPr id="3" name="Notes Placeholder 2"/>
+          <p:cNvSpPr>
+            <a:spLocks noGrp="1"/>
+          </p:cNvSpPr>
+          <p:nvPr>
+            <p:ph type="body" idx="1"/>
+          </p:nvPr>
+        </p:nvSpPr>
+        <p:spPr/>
+        <p:txBody>
+          <a:bodyPr/>
+          <a:lstStyle/>
+          <a:p>
+            <a:endParaRPr lang="en-US" dirty="0"/>
+          </a:p>
+        </p:txBody>
+      </p:sp>
+      <p:sp>
+        <p:nvSpPr>
+          <p:cNvPr id="4" name="Slide Number Placeholder 3"/>
+          <p:cNvSpPr>
+            <a:spLocks noGrp="1"/>
+          </p:cNvSpPr>
+          <p:nvPr>
+            <p:ph type="sldNum" sz="quarter" idx="5"/>
+          </p:nvPr>
+        </p:nvSpPr>
+        <p:spPr/>
+        <p:txBody>
+          <a:bodyPr/>
+          <a:lstStyle/>
+          <a:p>
+            <a:fld id="{4A4C6A55-184A-43C5-A159-215A751776E6}" type="slidenum">
+              <a:rPr lang="en-US" smtClean="0"/>
+              <a:t>27</a:t>
+            </a:fld>
+            <a:endParaRPr lang="en-US"/>
+          </a:p>
+        </p:txBody>
+      </p:sp>
+    </p:spTree>
+    <p:extLst>
+      <p:ext uri="{BB962C8B-B14F-4D97-AF65-F5344CB8AC3E}">
+        <p14:creationId xmlns:p14="http://schemas.microsoft.com/office/powerpoint/2010/main" val="4244407763"/>
+      </p:ext>
+    </p:extLst>
+  </p:cSld>
+  <p:clrMapOvr>
+    <a:masterClrMapping/>
+  </p:clrMapOvr>
+</p:notes>
+</file>
+
+<file path=ppt/notesSlides/notesSlide28.xml><?xml version="1.0" encoding="utf-8"?>
+<p:notes xmlns:a="http://schemas.openxmlformats.org/drawingml/2006/main" xmlns:r="http://schemas.openxmlformats.org/officeDocument/2006/relationships" xmlns:p="http://schemas.openxmlformats.org/presentationml/2006/main">
+  <p:cSld>
+    <p:spTree>
+      <p:nvGrpSpPr>
+        <p:cNvPr id="1" name=""/>
+        <p:cNvGrpSpPr/>
+        <p:nvPr/>
+      </p:nvGrpSpPr>
+      <p:grpSpPr>
+        <a:xfrm>
+          <a:off x="0" y="0"/>
+          <a:ext cx="0" cy="0"/>
+          <a:chOff x="0" y="0"/>
+          <a:chExt cx="0" cy="0"/>
+        </a:xfrm>
+      </p:grpSpPr>
+      <p:sp>
+        <p:nvSpPr>
+          <p:cNvPr id="2" name="Slide Image Placeholder 1"/>
+          <p:cNvSpPr>
+            <a:spLocks noGrp="1" noRot="1" noChangeAspect="1"/>
+          </p:cNvSpPr>
+          <p:nvPr>
+            <p:ph type="sldImg"/>
+          </p:nvPr>
+        </p:nvSpPr>
+        <p:spPr/>
+      </p:sp>
+      <p:sp>
+        <p:nvSpPr>
+          <p:cNvPr id="3" name="Notes Placeholder 2"/>
+          <p:cNvSpPr>
+            <a:spLocks noGrp="1"/>
+          </p:cNvSpPr>
+          <p:nvPr>
+            <p:ph type="body" idx="1"/>
+          </p:nvPr>
+        </p:nvSpPr>
+        <p:spPr/>
+        <p:txBody>
+          <a:bodyPr/>
+          <a:lstStyle/>
+          <a:p>
+            <a:endParaRPr lang="en-US" dirty="0"/>
+          </a:p>
+        </p:txBody>
+      </p:sp>
+      <p:sp>
+        <p:nvSpPr>
+          <p:cNvPr id="4" name="Slide Number Placeholder 3"/>
+          <p:cNvSpPr>
+            <a:spLocks noGrp="1"/>
+          </p:cNvSpPr>
+          <p:nvPr>
+            <p:ph type="sldNum" sz="quarter" idx="5"/>
+          </p:nvPr>
+        </p:nvSpPr>
+        <p:spPr/>
+        <p:txBody>
+          <a:bodyPr/>
+          <a:lstStyle/>
+          <a:p>
+            <a:fld id="{4A4C6A55-184A-43C5-A159-215A751776E6}" type="slidenum">
+              <a:rPr lang="en-US" smtClean="0"/>
+              <a:t>28</a:t>
+            </a:fld>
+            <a:endParaRPr lang="en-US"/>
+          </a:p>
+        </p:txBody>
+      </p:sp>
+    </p:spTree>
+    <p:extLst>
+      <p:ext uri="{BB962C8B-B14F-4D97-AF65-F5344CB8AC3E}">
+        <p14:creationId xmlns:p14="http://schemas.microsoft.com/office/powerpoint/2010/main" val="3733604123"/>
+      </p:ext>
+    </p:extLst>
+  </p:cSld>
+  <p:clrMapOvr>
+    <a:masterClrMapping/>
+  </p:clrMapOvr>
+</p:notes>
+</file>
+
+<file path=ppt/notesSlides/notesSlide29.xml><?xml version="1.0" encoding="utf-8"?>
+<p:notes xmlns:a="http://schemas.openxmlformats.org/drawingml/2006/main" xmlns:r="http://schemas.openxmlformats.org/officeDocument/2006/relationships" xmlns:p="http://schemas.openxmlformats.org/presentationml/2006/main">
+  <p:cSld>
+    <p:spTree>
+      <p:nvGrpSpPr>
+        <p:cNvPr id="1" name=""/>
+        <p:cNvGrpSpPr/>
+        <p:nvPr/>
+      </p:nvGrpSpPr>
+      <p:grpSpPr>
+        <a:xfrm>
+          <a:off x="0" y="0"/>
+          <a:ext cx="0" cy="0"/>
+          <a:chOff x="0" y="0"/>
+          <a:chExt cx="0" cy="0"/>
+        </a:xfrm>
+      </p:grpSpPr>
+      <p:sp>
+        <p:nvSpPr>
+          <p:cNvPr id="2" name="Slide Image Placeholder 1"/>
+          <p:cNvSpPr>
+            <a:spLocks noGrp="1" noRot="1" noChangeAspect="1"/>
+          </p:cNvSpPr>
+          <p:nvPr>
+            <p:ph type="sldImg"/>
+          </p:nvPr>
+        </p:nvSpPr>
+        <p:spPr/>
+      </p:sp>
+      <p:sp>
+        <p:nvSpPr>
+          <p:cNvPr id="3" name="Notes Placeholder 2"/>
+          <p:cNvSpPr>
+            <a:spLocks noGrp="1"/>
+          </p:cNvSpPr>
+          <p:nvPr>
+            <p:ph type="body" idx="1"/>
+          </p:nvPr>
+        </p:nvSpPr>
+        <p:spPr/>
+        <p:txBody>
+          <a:bodyPr/>
+          <a:lstStyle/>
+          <a:p>
+            <a:endParaRPr lang="en-US" dirty="0"/>
+          </a:p>
+        </p:txBody>
+      </p:sp>
+      <p:sp>
+        <p:nvSpPr>
+          <p:cNvPr id="4" name="Slide Number Placeholder 3"/>
+          <p:cNvSpPr>
+            <a:spLocks noGrp="1"/>
+          </p:cNvSpPr>
+          <p:nvPr>
+            <p:ph type="sldNum" sz="quarter" idx="5"/>
+          </p:nvPr>
+        </p:nvSpPr>
+        <p:spPr/>
+        <p:txBody>
+          <a:bodyPr/>
+          <a:lstStyle/>
+          <a:p>
+            <a:fld id="{4A4C6A55-184A-43C5-A159-215A751776E6}" type="slidenum">
+              <a:rPr lang="en-US" smtClean="0"/>
+              <a:t>29</a:t>
+            </a:fld>
+            <a:endParaRPr lang="en-US"/>
+          </a:p>
+        </p:txBody>
+      </p:sp>
+    </p:spTree>
+    <p:extLst>
+      <p:ext uri="{BB962C8B-B14F-4D97-AF65-F5344CB8AC3E}">
+        <p14:creationId xmlns:p14="http://schemas.microsoft.com/office/powerpoint/2010/main" val="2105242210"/>
       </p:ext>
     </p:extLst>
   </p:cSld>
@@ -1835,6 +3541,510 @@
     <p:extLst>
       <p:ext uri="{BB962C8B-B14F-4D97-AF65-F5344CB8AC3E}">
         <p14:creationId xmlns:p14="http://schemas.microsoft.com/office/powerpoint/2010/main" val="3038606743"/>
+      </p:ext>
+    </p:extLst>
+  </p:cSld>
+  <p:clrMapOvr>
+    <a:masterClrMapping/>
+  </p:clrMapOvr>
+</p:notes>
+</file>
+
+<file path=ppt/notesSlides/notesSlide4.xml><?xml version="1.0" encoding="utf-8"?>
+<p:notes xmlns:a="http://schemas.openxmlformats.org/drawingml/2006/main" xmlns:r="http://schemas.openxmlformats.org/officeDocument/2006/relationships" xmlns:p="http://schemas.openxmlformats.org/presentationml/2006/main">
+  <p:cSld>
+    <p:spTree>
+      <p:nvGrpSpPr>
+        <p:cNvPr id="1" name=""/>
+        <p:cNvGrpSpPr/>
+        <p:nvPr/>
+      </p:nvGrpSpPr>
+      <p:grpSpPr>
+        <a:xfrm>
+          <a:off x="0" y="0"/>
+          <a:ext cx="0" cy="0"/>
+          <a:chOff x="0" y="0"/>
+          <a:chExt cx="0" cy="0"/>
+        </a:xfrm>
+      </p:grpSpPr>
+      <p:sp>
+        <p:nvSpPr>
+          <p:cNvPr id="2" name="Slide Image Placeholder 1"/>
+          <p:cNvSpPr>
+            <a:spLocks noGrp="1" noRot="1" noChangeAspect="1"/>
+          </p:cNvSpPr>
+          <p:nvPr>
+            <p:ph type="sldImg"/>
+          </p:nvPr>
+        </p:nvSpPr>
+        <p:spPr/>
+      </p:sp>
+      <p:sp>
+        <p:nvSpPr>
+          <p:cNvPr id="3" name="Notes Placeholder 2"/>
+          <p:cNvSpPr>
+            <a:spLocks noGrp="1"/>
+          </p:cNvSpPr>
+          <p:nvPr>
+            <p:ph type="body" idx="1"/>
+          </p:nvPr>
+        </p:nvSpPr>
+        <p:spPr/>
+        <p:txBody>
+          <a:bodyPr/>
+          <a:lstStyle/>
+          <a:p>
+            <a:endParaRPr lang="en-US" dirty="0"/>
+          </a:p>
+        </p:txBody>
+      </p:sp>
+      <p:sp>
+        <p:nvSpPr>
+          <p:cNvPr id="4" name="Slide Number Placeholder 3"/>
+          <p:cNvSpPr>
+            <a:spLocks noGrp="1"/>
+          </p:cNvSpPr>
+          <p:nvPr>
+            <p:ph type="sldNum" sz="quarter" idx="5"/>
+          </p:nvPr>
+        </p:nvSpPr>
+        <p:spPr/>
+        <p:txBody>
+          <a:bodyPr/>
+          <a:lstStyle/>
+          <a:p>
+            <a:fld id="{4A4C6A55-184A-43C5-A159-215A751776E6}" type="slidenum">
+              <a:rPr lang="en-US" smtClean="0"/>
+              <a:t>4</a:t>
+            </a:fld>
+            <a:endParaRPr lang="en-US"/>
+          </a:p>
+        </p:txBody>
+      </p:sp>
+    </p:spTree>
+    <p:extLst>
+      <p:ext uri="{BB962C8B-B14F-4D97-AF65-F5344CB8AC3E}">
+        <p14:creationId xmlns:p14="http://schemas.microsoft.com/office/powerpoint/2010/main" val="3885317388"/>
+      </p:ext>
+    </p:extLst>
+  </p:cSld>
+  <p:clrMapOvr>
+    <a:masterClrMapping/>
+  </p:clrMapOvr>
+</p:notes>
+</file>
+
+<file path=ppt/notesSlides/notesSlide5.xml><?xml version="1.0" encoding="utf-8"?>
+<p:notes xmlns:a="http://schemas.openxmlformats.org/drawingml/2006/main" xmlns:r="http://schemas.openxmlformats.org/officeDocument/2006/relationships" xmlns:p="http://schemas.openxmlformats.org/presentationml/2006/main">
+  <p:cSld>
+    <p:spTree>
+      <p:nvGrpSpPr>
+        <p:cNvPr id="1" name=""/>
+        <p:cNvGrpSpPr/>
+        <p:nvPr/>
+      </p:nvGrpSpPr>
+      <p:grpSpPr>
+        <a:xfrm>
+          <a:off x="0" y="0"/>
+          <a:ext cx="0" cy="0"/>
+          <a:chOff x="0" y="0"/>
+          <a:chExt cx="0" cy="0"/>
+        </a:xfrm>
+      </p:grpSpPr>
+      <p:sp>
+        <p:nvSpPr>
+          <p:cNvPr id="2" name="Slide Image Placeholder 1"/>
+          <p:cNvSpPr>
+            <a:spLocks noGrp="1" noRot="1" noChangeAspect="1"/>
+          </p:cNvSpPr>
+          <p:nvPr>
+            <p:ph type="sldImg"/>
+          </p:nvPr>
+        </p:nvSpPr>
+        <p:spPr/>
+      </p:sp>
+      <p:sp>
+        <p:nvSpPr>
+          <p:cNvPr id="3" name="Notes Placeholder 2"/>
+          <p:cNvSpPr>
+            <a:spLocks noGrp="1"/>
+          </p:cNvSpPr>
+          <p:nvPr>
+            <p:ph type="body" idx="1"/>
+          </p:nvPr>
+        </p:nvSpPr>
+        <p:spPr/>
+        <p:txBody>
+          <a:bodyPr/>
+          <a:lstStyle/>
+          <a:p>
+            <a:endParaRPr lang="en-US" dirty="0"/>
+          </a:p>
+        </p:txBody>
+      </p:sp>
+      <p:sp>
+        <p:nvSpPr>
+          <p:cNvPr id="4" name="Slide Number Placeholder 3"/>
+          <p:cNvSpPr>
+            <a:spLocks noGrp="1"/>
+          </p:cNvSpPr>
+          <p:nvPr>
+            <p:ph type="sldNum" sz="quarter" idx="5"/>
+          </p:nvPr>
+        </p:nvSpPr>
+        <p:spPr/>
+        <p:txBody>
+          <a:bodyPr/>
+          <a:lstStyle/>
+          <a:p>
+            <a:fld id="{4A4C6A55-184A-43C5-A159-215A751776E6}" type="slidenum">
+              <a:rPr lang="en-US" smtClean="0"/>
+              <a:t>5</a:t>
+            </a:fld>
+            <a:endParaRPr lang="en-US"/>
+          </a:p>
+        </p:txBody>
+      </p:sp>
+    </p:spTree>
+    <p:extLst>
+      <p:ext uri="{BB962C8B-B14F-4D97-AF65-F5344CB8AC3E}">
+        <p14:creationId xmlns:p14="http://schemas.microsoft.com/office/powerpoint/2010/main" val="2524406043"/>
+      </p:ext>
+    </p:extLst>
+  </p:cSld>
+  <p:clrMapOvr>
+    <a:masterClrMapping/>
+  </p:clrMapOvr>
+</p:notes>
+</file>
+
+<file path=ppt/notesSlides/notesSlide6.xml><?xml version="1.0" encoding="utf-8"?>
+<p:notes xmlns:a="http://schemas.openxmlformats.org/drawingml/2006/main" xmlns:r="http://schemas.openxmlformats.org/officeDocument/2006/relationships" xmlns:p="http://schemas.openxmlformats.org/presentationml/2006/main">
+  <p:cSld>
+    <p:spTree>
+      <p:nvGrpSpPr>
+        <p:cNvPr id="1" name=""/>
+        <p:cNvGrpSpPr/>
+        <p:nvPr/>
+      </p:nvGrpSpPr>
+      <p:grpSpPr>
+        <a:xfrm>
+          <a:off x="0" y="0"/>
+          <a:ext cx="0" cy="0"/>
+          <a:chOff x="0" y="0"/>
+          <a:chExt cx="0" cy="0"/>
+        </a:xfrm>
+      </p:grpSpPr>
+      <p:sp>
+        <p:nvSpPr>
+          <p:cNvPr id="2" name="Slide Image Placeholder 1"/>
+          <p:cNvSpPr>
+            <a:spLocks noGrp="1" noRot="1" noChangeAspect="1"/>
+          </p:cNvSpPr>
+          <p:nvPr>
+            <p:ph type="sldImg"/>
+          </p:nvPr>
+        </p:nvSpPr>
+        <p:spPr/>
+      </p:sp>
+      <p:sp>
+        <p:nvSpPr>
+          <p:cNvPr id="3" name="Notes Placeholder 2"/>
+          <p:cNvSpPr>
+            <a:spLocks noGrp="1"/>
+          </p:cNvSpPr>
+          <p:nvPr>
+            <p:ph type="body" idx="1"/>
+          </p:nvPr>
+        </p:nvSpPr>
+        <p:spPr/>
+        <p:txBody>
+          <a:bodyPr/>
+          <a:lstStyle/>
+          <a:p>
+            <a:endParaRPr lang="en-US" dirty="0"/>
+          </a:p>
+        </p:txBody>
+      </p:sp>
+      <p:sp>
+        <p:nvSpPr>
+          <p:cNvPr id="4" name="Slide Number Placeholder 3"/>
+          <p:cNvSpPr>
+            <a:spLocks noGrp="1"/>
+          </p:cNvSpPr>
+          <p:nvPr>
+            <p:ph type="sldNum" sz="quarter" idx="5"/>
+          </p:nvPr>
+        </p:nvSpPr>
+        <p:spPr/>
+        <p:txBody>
+          <a:bodyPr/>
+          <a:lstStyle/>
+          <a:p>
+            <a:fld id="{4A4C6A55-184A-43C5-A159-215A751776E6}" type="slidenum">
+              <a:rPr lang="en-US" smtClean="0"/>
+              <a:t>6</a:t>
+            </a:fld>
+            <a:endParaRPr lang="en-US"/>
+          </a:p>
+        </p:txBody>
+      </p:sp>
+    </p:spTree>
+    <p:extLst>
+      <p:ext uri="{BB962C8B-B14F-4D97-AF65-F5344CB8AC3E}">
+        <p14:creationId xmlns:p14="http://schemas.microsoft.com/office/powerpoint/2010/main" val="4099000255"/>
+      </p:ext>
+    </p:extLst>
+  </p:cSld>
+  <p:clrMapOvr>
+    <a:masterClrMapping/>
+  </p:clrMapOvr>
+</p:notes>
+</file>
+
+<file path=ppt/notesSlides/notesSlide7.xml><?xml version="1.0" encoding="utf-8"?>
+<p:notes xmlns:a="http://schemas.openxmlformats.org/drawingml/2006/main" xmlns:r="http://schemas.openxmlformats.org/officeDocument/2006/relationships" xmlns:p="http://schemas.openxmlformats.org/presentationml/2006/main">
+  <p:cSld>
+    <p:spTree>
+      <p:nvGrpSpPr>
+        <p:cNvPr id="1" name=""/>
+        <p:cNvGrpSpPr/>
+        <p:nvPr/>
+      </p:nvGrpSpPr>
+      <p:grpSpPr>
+        <a:xfrm>
+          <a:off x="0" y="0"/>
+          <a:ext cx="0" cy="0"/>
+          <a:chOff x="0" y="0"/>
+          <a:chExt cx="0" cy="0"/>
+        </a:xfrm>
+      </p:grpSpPr>
+      <p:sp>
+        <p:nvSpPr>
+          <p:cNvPr id="2" name="Slide Image Placeholder 1"/>
+          <p:cNvSpPr>
+            <a:spLocks noGrp="1" noRot="1" noChangeAspect="1"/>
+          </p:cNvSpPr>
+          <p:nvPr>
+            <p:ph type="sldImg"/>
+          </p:nvPr>
+        </p:nvSpPr>
+        <p:spPr/>
+      </p:sp>
+      <p:sp>
+        <p:nvSpPr>
+          <p:cNvPr id="3" name="Notes Placeholder 2"/>
+          <p:cNvSpPr>
+            <a:spLocks noGrp="1"/>
+          </p:cNvSpPr>
+          <p:nvPr>
+            <p:ph type="body" idx="1"/>
+          </p:nvPr>
+        </p:nvSpPr>
+        <p:spPr/>
+        <p:txBody>
+          <a:bodyPr/>
+          <a:lstStyle/>
+          <a:p>
+            <a:endParaRPr lang="en-US" dirty="0"/>
+          </a:p>
+        </p:txBody>
+      </p:sp>
+      <p:sp>
+        <p:nvSpPr>
+          <p:cNvPr id="4" name="Slide Number Placeholder 3"/>
+          <p:cNvSpPr>
+            <a:spLocks noGrp="1"/>
+          </p:cNvSpPr>
+          <p:nvPr>
+            <p:ph type="sldNum" sz="quarter" idx="5"/>
+          </p:nvPr>
+        </p:nvSpPr>
+        <p:spPr/>
+        <p:txBody>
+          <a:bodyPr/>
+          <a:lstStyle/>
+          <a:p>
+            <a:fld id="{4A4C6A55-184A-43C5-A159-215A751776E6}" type="slidenum">
+              <a:rPr lang="en-US" smtClean="0"/>
+              <a:t>7</a:t>
+            </a:fld>
+            <a:endParaRPr lang="en-US"/>
+          </a:p>
+        </p:txBody>
+      </p:sp>
+    </p:spTree>
+    <p:extLst>
+      <p:ext uri="{BB962C8B-B14F-4D97-AF65-F5344CB8AC3E}">
+        <p14:creationId xmlns:p14="http://schemas.microsoft.com/office/powerpoint/2010/main" val="3804924238"/>
+      </p:ext>
+    </p:extLst>
+  </p:cSld>
+  <p:clrMapOvr>
+    <a:masterClrMapping/>
+  </p:clrMapOvr>
+</p:notes>
+</file>
+
+<file path=ppt/notesSlides/notesSlide8.xml><?xml version="1.0" encoding="utf-8"?>
+<p:notes xmlns:a="http://schemas.openxmlformats.org/drawingml/2006/main" xmlns:r="http://schemas.openxmlformats.org/officeDocument/2006/relationships" xmlns:p="http://schemas.openxmlformats.org/presentationml/2006/main">
+  <p:cSld>
+    <p:spTree>
+      <p:nvGrpSpPr>
+        <p:cNvPr id="1" name=""/>
+        <p:cNvGrpSpPr/>
+        <p:nvPr/>
+      </p:nvGrpSpPr>
+      <p:grpSpPr>
+        <a:xfrm>
+          <a:off x="0" y="0"/>
+          <a:ext cx="0" cy="0"/>
+          <a:chOff x="0" y="0"/>
+          <a:chExt cx="0" cy="0"/>
+        </a:xfrm>
+      </p:grpSpPr>
+      <p:sp>
+        <p:nvSpPr>
+          <p:cNvPr id="2" name="Slide Image Placeholder 1"/>
+          <p:cNvSpPr>
+            <a:spLocks noGrp="1" noRot="1" noChangeAspect="1"/>
+          </p:cNvSpPr>
+          <p:nvPr>
+            <p:ph type="sldImg"/>
+          </p:nvPr>
+        </p:nvSpPr>
+        <p:spPr/>
+      </p:sp>
+      <p:sp>
+        <p:nvSpPr>
+          <p:cNvPr id="3" name="Notes Placeholder 2"/>
+          <p:cNvSpPr>
+            <a:spLocks noGrp="1"/>
+          </p:cNvSpPr>
+          <p:nvPr>
+            <p:ph type="body" idx="1"/>
+          </p:nvPr>
+        </p:nvSpPr>
+        <p:spPr/>
+        <p:txBody>
+          <a:bodyPr/>
+          <a:lstStyle/>
+          <a:p>
+            <a:endParaRPr lang="en-US" dirty="0"/>
+          </a:p>
+        </p:txBody>
+      </p:sp>
+      <p:sp>
+        <p:nvSpPr>
+          <p:cNvPr id="4" name="Slide Number Placeholder 3"/>
+          <p:cNvSpPr>
+            <a:spLocks noGrp="1"/>
+          </p:cNvSpPr>
+          <p:nvPr>
+            <p:ph type="sldNum" sz="quarter" idx="5"/>
+          </p:nvPr>
+        </p:nvSpPr>
+        <p:spPr/>
+        <p:txBody>
+          <a:bodyPr/>
+          <a:lstStyle/>
+          <a:p>
+            <a:fld id="{4A4C6A55-184A-43C5-A159-215A751776E6}" type="slidenum">
+              <a:rPr lang="en-US" smtClean="0"/>
+              <a:t>8</a:t>
+            </a:fld>
+            <a:endParaRPr lang="en-US"/>
+          </a:p>
+        </p:txBody>
+      </p:sp>
+    </p:spTree>
+    <p:extLst>
+      <p:ext uri="{BB962C8B-B14F-4D97-AF65-F5344CB8AC3E}">
+        <p14:creationId xmlns:p14="http://schemas.microsoft.com/office/powerpoint/2010/main" val="378717519"/>
+      </p:ext>
+    </p:extLst>
+  </p:cSld>
+  <p:clrMapOvr>
+    <a:masterClrMapping/>
+  </p:clrMapOvr>
+</p:notes>
+</file>
+
+<file path=ppt/notesSlides/notesSlide9.xml><?xml version="1.0" encoding="utf-8"?>
+<p:notes xmlns:a="http://schemas.openxmlformats.org/drawingml/2006/main" xmlns:r="http://schemas.openxmlformats.org/officeDocument/2006/relationships" xmlns:p="http://schemas.openxmlformats.org/presentationml/2006/main">
+  <p:cSld>
+    <p:spTree>
+      <p:nvGrpSpPr>
+        <p:cNvPr id="1" name=""/>
+        <p:cNvGrpSpPr/>
+        <p:nvPr/>
+      </p:nvGrpSpPr>
+      <p:grpSpPr>
+        <a:xfrm>
+          <a:off x="0" y="0"/>
+          <a:ext cx="0" cy="0"/>
+          <a:chOff x="0" y="0"/>
+          <a:chExt cx="0" cy="0"/>
+        </a:xfrm>
+      </p:grpSpPr>
+      <p:sp>
+        <p:nvSpPr>
+          <p:cNvPr id="2" name="Slide Image Placeholder 1"/>
+          <p:cNvSpPr>
+            <a:spLocks noGrp="1" noRot="1" noChangeAspect="1"/>
+          </p:cNvSpPr>
+          <p:nvPr>
+            <p:ph type="sldImg"/>
+          </p:nvPr>
+        </p:nvSpPr>
+        <p:spPr/>
+      </p:sp>
+      <p:sp>
+        <p:nvSpPr>
+          <p:cNvPr id="3" name="Notes Placeholder 2"/>
+          <p:cNvSpPr>
+            <a:spLocks noGrp="1"/>
+          </p:cNvSpPr>
+          <p:nvPr>
+            <p:ph type="body" idx="1"/>
+          </p:nvPr>
+        </p:nvSpPr>
+        <p:spPr/>
+        <p:txBody>
+          <a:bodyPr/>
+          <a:lstStyle/>
+          <a:p>
+            <a:endParaRPr lang="en-US" dirty="0"/>
+          </a:p>
+        </p:txBody>
+      </p:sp>
+      <p:sp>
+        <p:nvSpPr>
+          <p:cNvPr id="4" name="Slide Number Placeholder 3"/>
+          <p:cNvSpPr>
+            <a:spLocks noGrp="1"/>
+          </p:cNvSpPr>
+          <p:nvPr>
+            <p:ph type="sldNum" sz="quarter" idx="5"/>
+          </p:nvPr>
+        </p:nvSpPr>
+        <p:spPr/>
+        <p:txBody>
+          <a:bodyPr/>
+          <a:lstStyle/>
+          <a:p>
+            <a:fld id="{4A4C6A55-184A-43C5-A159-215A751776E6}" type="slidenum">
+              <a:rPr lang="en-US" smtClean="0"/>
+              <a:t>9</a:t>
+            </a:fld>
+            <a:endParaRPr lang="en-US"/>
+          </a:p>
+        </p:txBody>
+      </p:sp>
+    </p:spTree>
+    <p:extLst>
+      <p:ext uri="{BB962C8B-B14F-4D97-AF65-F5344CB8AC3E}">
+        <p14:creationId xmlns:p14="http://schemas.microsoft.com/office/powerpoint/2010/main" val="1429453645"/>
       </p:ext>
     </p:extLst>
   </p:cSld>
@@ -5151,6 +7361,1479 @@
 </p:sld>
 </file>
 
+<file path=ppt/slides/slide10.xml><?xml version="1.0" encoding="utf-8"?>
+<p:sld xmlns:a="http://schemas.openxmlformats.org/drawingml/2006/main" xmlns:r="http://schemas.openxmlformats.org/officeDocument/2006/relationships" xmlns:p="http://schemas.openxmlformats.org/presentationml/2006/main">
+  <p:cSld>
+    <p:spTree>
+      <p:nvGrpSpPr>
+        <p:cNvPr id="1" name=""/>
+        <p:cNvGrpSpPr/>
+        <p:nvPr/>
+      </p:nvGrpSpPr>
+      <p:grpSpPr>
+        <a:xfrm>
+          <a:off x="0" y="0"/>
+          <a:ext cx="0" cy="0"/>
+          <a:chOff x="0" y="0"/>
+          <a:chExt cx="0" cy="0"/>
+        </a:xfrm>
+      </p:grpSpPr>
+      <p:sp>
+        <p:nvSpPr>
+          <p:cNvPr id="2" name="Title 1">
+            <a:extLst>
+              <a:ext uri="{FF2B5EF4-FFF2-40B4-BE49-F238E27FC236}">
+                <a16:creationId xmlns:a16="http://schemas.microsoft.com/office/drawing/2014/main" id="{765E9052-C174-42B2-B077-566C29343869}"/>
+              </a:ext>
+            </a:extLst>
+          </p:cNvPr>
+          <p:cNvSpPr>
+            <a:spLocks noGrp="1"/>
+          </p:cNvSpPr>
+          <p:nvPr>
+            <p:ph type="title"/>
+          </p:nvPr>
+        </p:nvSpPr>
+        <p:spPr/>
+        <p:txBody>
+          <a:bodyPr/>
+          <a:lstStyle/>
+          <a:p>
+            <a:r>
+              <a:rPr lang="nl-NL" dirty="0"/>
+              <a:t>1. </a:t>
+            </a:r>
+            <a:r>
+              <a:rPr lang="nl-NL" dirty="0" err="1"/>
+              <a:t>Angular</a:t>
+            </a:r>
+            <a:r>
+              <a:rPr lang="nl-NL" dirty="0"/>
+              <a:t> Intro</a:t>
+            </a:r>
+          </a:p>
+        </p:txBody>
+      </p:sp>
+      <p:sp>
+        <p:nvSpPr>
+          <p:cNvPr id="5" name="Content Placeholder 4">
+            <a:extLst>
+              <a:ext uri="{FF2B5EF4-FFF2-40B4-BE49-F238E27FC236}">
+                <a16:creationId xmlns:a16="http://schemas.microsoft.com/office/drawing/2014/main" id="{2A8286F7-F8F9-400E-A744-E3E496224C9D}"/>
+              </a:ext>
+            </a:extLst>
+          </p:cNvPr>
+          <p:cNvSpPr>
+            <a:spLocks noGrp="1"/>
+          </p:cNvSpPr>
+          <p:nvPr>
+            <p:ph idx="1"/>
+          </p:nvPr>
+        </p:nvSpPr>
+        <p:spPr>
+          <a:xfrm>
+            <a:off x="727075" y="1690688"/>
+            <a:ext cx="10515600" cy="4351337"/>
+          </a:xfrm>
+          <a:prstGeom prst="rect">
+            <a:avLst/>
+          </a:prstGeom>
+          <a:solidFill>
+            <a:schemeClr val="bg1"/>
+          </a:solidFill>
+          <a:ln>
+            <a:noFill/>
+          </a:ln>
+          <a:effectLst>
+            <a:outerShdw blurRad="50800" dist="25400" dir="2700000" algn="tl" rotWithShape="0">
+              <a:prstClr val="black">
+                <a:alpha val="40000"/>
+              </a:prstClr>
+            </a:outerShdw>
+          </a:effectLst>
+        </p:spPr>
+        <p:style>
+          <a:lnRef idx="2">
+            <a:schemeClr val="accent1">
+              <a:shade val="50000"/>
+            </a:schemeClr>
+          </a:lnRef>
+          <a:fillRef idx="1">
+            <a:schemeClr val="accent1"/>
+          </a:fillRef>
+          <a:effectRef idx="0">
+            <a:schemeClr val="accent1"/>
+          </a:effectRef>
+          <a:fontRef idx="minor">
+            <a:schemeClr val="lt1"/>
+          </a:fontRef>
+        </p:style>
+        <p:txBody>
+          <a:bodyPr rtlCol="0" anchor="ctr"/>
+          <a:lstStyle/>
+          <a:p>
+            <a:endParaRPr lang="en-US" dirty="0"/>
+          </a:p>
+        </p:txBody>
+      </p:sp>
+      <p:pic>
+        <p:nvPicPr>
+          <p:cNvPr id="3" name="Picture 2">
+            <a:extLst>
+              <a:ext uri="{FF2B5EF4-FFF2-40B4-BE49-F238E27FC236}">
+                <a16:creationId xmlns:a16="http://schemas.microsoft.com/office/drawing/2014/main" id="{1515EE77-AFA8-41EE-8A95-6003C5CA29D0}"/>
+              </a:ext>
+            </a:extLst>
+          </p:cNvPr>
+          <p:cNvPicPr>
+            <a:picLocks noChangeAspect="1"/>
+          </p:cNvPicPr>
+          <p:nvPr/>
+        </p:nvPicPr>
+        <p:blipFill>
+          <a:blip r:embed="rId3"/>
+          <a:stretch>
+            <a:fillRect/>
+          </a:stretch>
+        </p:blipFill>
+        <p:spPr>
+          <a:xfrm>
+            <a:off x="1059762" y="1570510"/>
+            <a:ext cx="9850225" cy="4591691"/>
+          </a:xfrm>
+          <a:prstGeom prst="rect">
+            <a:avLst/>
+          </a:prstGeom>
+        </p:spPr>
+      </p:pic>
+    </p:spTree>
+    <p:extLst>
+      <p:ext uri="{BB962C8B-B14F-4D97-AF65-F5344CB8AC3E}">
+        <p14:creationId xmlns:p14="http://schemas.microsoft.com/office/powerpoint/2010/main" val="2201168742"/>
+      </p:ext>
+    </p:extLst>
+  </p:cSld>
+  <p:clrMapOvr>
+    <a:masterClrMapping/>
+  </p:clrMapOvr>
+</p:sld>
+</file>
+
+<file path=ppt/slides/slide11.xml><?xml version="1.0" encoding="utf-8"?>
+<p:sld xmlns:a="http://schemas.openxmlformats.org/drawingml/2006/main" xmlns:r="http://schemas.openxmlformats.org/officeDocument/2006/relationships" xmlns:p="http://schemas.openxmlformats.org/presentationml/2006/main">
+  <p:cSld>
+    <p:spTree>
+      <p:nvGrpSpPr>
+        <p:cNvPr id="1" name=""/>
+        <p:cNvGrpSpPr/>
+        <p:nvPr/>
+      </p:nvGrpSpPr>
+      <p:grpSpPr>
+        <a:xfrm>
+          <a:off x="0" y="0"/>
+          <a:ext cx="0" cy="0"/>
+          <a:chOff x="0" y="0"/>
+          <a:chExt cx="0" cy="0"/>
+        </a:xfrm>
+      </p:grpSpPr>
+      <p:sp>
+        <p:nvSpPr>
+          <p:cNvPr id="2" name="Title 1">
+            <a:extLst>
+              <a:ext uri="{FF2B5EF4-FFF2-40B4-BE49-F238E27FC236}">
+                <a16:creationId xmlns:a16="http://schemas.microsoft.com/office/drawing/2014/main" id="{765E9052-C174-42B2-B077-566C29343869}"/>
+              </a:ext>
+            </a:extLst>
+          </p:cNvPr>
+          <p:cNvSpPr>
+            <a:spLocks noGrp="1"/>
+          </p:cNvSpPr>
+          <p:nvPr>
+            <p:ph type="title"/>
+          </p:nvPr>
+        </p:nvSpPr>
+        <p:spPr/>
+        <p:txBody>
+          <a:bodyPr/>
+          <a:lstStyle/>
+          <a:p>
+            <a:r>
+              <a:rPr lang="nl-NL" dirty="0"/>
+              <a:t>1. </a:t>
+            </a:r>
+            <a:r>
+              <a:rPr lang="nl-NL" dirty="0" err="1"/>
+              <a:t>Angular</a:t>
+            </a:r>
+            <a:r>
+              <a:rPr lang="nl-NL" dirty="0"/>
+              <a:t> Intro</a:t>
+            </a:r>
+          </a:p>
+        </p:txBody>
+      </p:sp>
+      <p:sp>
+        <p:nvSpPr>
+          <p:cNvPr id="5" name="Content Placeholder 4">
+            <a:extLst>
+              <a:ext uri="{FF2B5EF4-FFF2-40B4-BE49-F238E27FC236}">
+                <a16:creationId xmlns:a16="http://schemas.microsoft.com/office/drawing/2014/main" id="{2A8286F7-F8F9-400E-A744-E3E496224C9D}"/>
+              </a:ext>
+            </a:extLst>
+          </p:cNvPr>
+          <p:cNvSpPr>
+            <a:spLocks noGrp="1"/>
+          </p:cNvSpPr>
+          <p:nvPr>
+            <p:ph idx="1"/>
+          </p:nvPr>
+        </p:nvSpPr>
+        <p:spPr>
+          <a:xfrm>
+            <a:off x="727075" y="1690688"/>
+            <a:ext cx="10515600" cy="4351337"/>
+          </a:xfrm>
+          <a:prstGeom prst="rect">
+            <a:avLst/>
+          </a:prstGeom>
+          <a:solidFill>
+            <a:schemeClr val="bg1"/>
+          </a:solidFill>
+          <a:ln>
+            <a:noFill/>
+          </a:ln>
+          <a:effectLst>
+            <a:outerShdw blurRad="50800" dist="25400" dir="2700000" algn="tl" rotWithShape="0">
+              <a:prstClr val="black">
+                <a:alpha val="40000"/>
+              </a:prstClr>
+            </a:outerShdw>
+          </a:effectLst>
+        </p:spPr>
+        <p:style>
+          <a:lnRef idx="2">
+            <a:schemeClr val="accent1">
+              <a:shade val="50000"/>
+            </a:schemeClr>
+          </a:lnRef>
+          <a:fillRef idx="1">
+            <a:schemeClr val="accent1"/>
+          </a:fillRef>
+          <a:effectRef idx="0">
+            <a:schemeClr val="accent1"/>
+          </a:effectRef>
+          <a:fontRef idx="minor">
+            <a:schemeClr val="lt1"/>
+          </a:fontRef>
+        </p:style>
+        <p:txBody>
+          <a:bodyPr rtlCol="0" anchor="ctr"/>
+          <a:lstStyle/>
+          <a:p>
+            <a:endParaRPr lang="en-US" dirty="0"/>
+          </a:p>
+        </p:txBody>
+      </p:sp>
+      <p:pic>
+        <p:nvPicPr>
+          <p:cNvPr id="5122" name="Picture 2" descr="Angular Architecture">
+            <a:extLst>
+              <a:ext uri="{FF2B5EF4-FFF2-40B4-BE49-F238E27FC236}">
+                <a16:creationId xmlns:a16="http://schemas.microsoft.com/office/drawing/2014/main" id="{1E1820A9-A787-44A1-A7B1-AF396644F4A6}"/>
+              </a:ext>
+            </a:extLst>
+          </p:cNvPr>
+          <p:cNvPicPr>
+            <a:picLocks noChangeAspect="1" noChangeArrowheads="1"/>
+          </p:cNvPicPr>
+          <p:nvPr/>
+        </p:nvPicPr>
+        <p:blipFill>
+          <a:blip r:embed="rId3">
+            <a:extLst>
+              <a:ext uri="{28A0092B-C50C-407E-A947-70E740481C1C}">
+                <a14:useLocalDpi xmlns:a14="http://schemas.microsoft.com/office/drawing/2010/main" val="0"/>
+              </a:ext>
+            </a:extLst>
+          </a:blip>
+          <a:srcRect/>
+          <a:stretch>
+            <a:fillRect/>
+          </a:stretch>
+        </p:blipFill>
+        <p:spPr bwMode="auto">
+          <a:xfrm>
+            <a:off x="1219200" y="1514475"/>
+            <a:ext cx="9753600" cy="5343525"/>
+          </a:xfrm>
+          <a:prstGeom prst="rect">
+            <a:avLst/>
+          </a:prstGeom>
+          <a:noFill/>
+          <a:extLst>
+            <a:ext uri="{909E8E84-426E-40DD-AFC4-6F175D3DCCD1}">
+              <a14:hiddenFill xmlns:a14="http://schemas.microsoft.com/office/drawing/2010/main">
+                <a:solidFill>
+                  <a:srgbClr val="FFFFFF"/>
+                </a:solidFill>
+              </a14:hiddenFill>
+            </a:ext>
+          </a:extLst>
+        </p:spPr>
+      </p:pic>
+    </p:spTree>
+    <p:extLst>
+      <p:ext uri="{BB962C8B-B14F-4D97-AF65-F5344CB8AC3E}">
+        <p14:creationId xmlns:p14="http://schemas.microsoft.com/office/powerpoint/2010/main" val="534776719"/>
+      </p:ext>
+    </p:extLst>
+  </p:cSld>
+  <p:clrMapOvr>
+    <a:masterClrMapping/>
+  </p:clrMapOvr>
+</p:sld>
+</file>
+
+<file path=ppt/slides/slide12.xml><?xml version="1.0" encoding="utf-8"?>
+<p:sld xmlns:a="http://schemas.openxmlformats.org/drawingml/2006/main" xmlns:r="http://schemas.openxmlformats.org/officeDocument/2006/relationships" xmlns:p="http://schemas.openxmlformats.org/presentationml/2006/main">
+  <p:cSld>
+    <p:spTree>
+      <p:nvGrpSpPr>
+        <p:cNvPr id="1" name=""/>
+        <p:cNvGrpSpPr/>
+        <p:nvPr/>
+      </p:nvGrpSpPr>
+      <p:grpSpPr>
+        <a:xfrm>
+          <a:off x="0" y="0"/>
+          <a:ext cx="0" cy="0"/>
+          <a:chOff x="0" y="0"/>
+          <a:chExt cx="0" cy="0"/>
+        </a:xfrm>
+      </p:grpSpPr>
+      <p:sp>
+        <p:nvSpPr>
+          <p:cNvPr id="2" name="Title 1">
+            <a:extLst>
+              <a:ext uri="{FF2B5EF4-FFF2-40B4-BE49-F238E27FC236}">
+                <a16:creationId xmlns:a16="http://schemas.microsoft.com/office/drawing/2014/main" id="{765E9052-C174-42B2-B077-566C29343869}"/>
+              </a:ext>
+            </a:extLst>
+          </p:cNvPr>
+          <p:cNvSpPr>
+            <a:spLocks noGrp="1"/>
+          </p:cNvSpPr>
+          <p:nvPr>
+            <p:ph type="title"/>
+          </p:nvPr>
+        </p:nvSpPr>
+        <p:spPr/>
+        <p:txBody>
+          <a:bodyPr/>
+          <a:lstStyle/>
+          <a:p>
+            <a:r>
+              <a:rPr lang="nl-NL" dirty="0"/>
+              <a:t>1. </a:t>
+            </a:r>
+            <a:r>
+              <a:rPr lang="nl-NL" dirty="0" err="1"/>
+              <a:t>Angular</a:t>
+            </a:r>
+            <a:r>
+              <a:rPr lang="nl-NL" dirty="0"/>
+              <a:t> Intro: Built-in </a:t>
+            </a:r>
+            <a:r>
+              <a:rPr lang="nl-NL" dirty="0" err="1"/>
+              <a:t>Directives</a:t>
+            </a:r>
+            <a:endParaRPr lang="nl-NL" dirty="0"/>
+          </a:p>
+        </p:txBody>
+      </p:sp>
+      <p:sp>
+        <p:nvSpPr>
+          <p:cNvPr id="5" name="Content Placeholder 4">
+            <a:extLst>
+              <a:ext uri="{FF2B5EF4-FFF2-40B4-BE49-F238E27FC236}">
+                <a16:creationId xmlns:a16="http://schemas.microsoft.com/office/drawing/2014/main" id="{2A8286F7-F8F9-400E-A744-E3E496224C9D}"/>
+              </a:ext>
+            </a:extLst>
+          </p:cNvPr>
+          <p:cNvSpPr>
+            <a:spLocks noGrp="1"/>
+          </p:cNvSpPr>
+          <p:nvPr>
+            <p:ph idx="1"/>
+          </p:nvPr>
+        </p:nvSpPr>
+        <p:spPr>
+          <a:xfrm>
+            <a:off x="727075" y="1690688"/>
+            <a:ext cx="10515600" cy="4351337"/>
+          </a:xfrm>
+          <a:prstGeom prst="rect">
+            <a:avLst/>
+          </a:prstGeom>
+          <a:solidFill>
+            <a:schemeClr val="bg1"/>
+          </a:solidFill>
+          <a:ln>
+            <a:noFill/>
+          </a:ln>
+          <a:effectLst>
+            <a:outerShdw blurRad="50800" dist="25400" dir="2700000" algn="tl" rotWithShape="0">
+              <a:prstClr val="black">
+                <a:alpha val="40000"/>
+              </a:prstClr>
+            </a:outerShdw>
+          </a:effectLst>
+        </p:spPr>
+        <p:style>
+          <a:lnRef idx="2">
+            <a:schemeClr val="accent1">
+              <a:shade val="50000"/>
+            </a:schemeClr>
+          </a:lnRef>
+          <a:fillRef idx="1">
+            <a:schemeClr val="accent1"/>
+          </a:fillRef>
+          <a:effectRef idx="0">
+            <a:schemeClr val="accent1"/>
+          </a:effectRef>
+          <a:fontRef idx="minor">
+            <a:schemeClr val="lt1"/>
+          </a:fontRef>
+        </p:style>
+        <p:txBody>
+          <a:bodyPr rtlCol="0" anchor="ctr"/>
+          <a:lstStyle/>
+          <a:p>
+            <a:pPr marL="0" indent="0">
+              <a:buNone/>
+            </a:pPr>
+            <a:endParaRPr lang="en-US" dirty="0">
+              <a:solidFill>
+                <a:schemeClr val="tx1"/>
+              </a:solidFill>
+            </a:endParaRPr>
+          </a:p>
+        </p:txBody>
+      </p:sp>
+      <p:pic>
+        <p:nvPicPr>
+          <p:cNvPr id="4" name="Picture 3">
+            <a:extLst>
+              <a:ext uri="{FF2B5EF4-FFF2-40B4-BE49-F238E27FC236}">
+                <a16:creationId xmlns:a16="http://schemas.microsoft.com/office/drawing/2014/main" id="{F4F2DF90-423D-4D6D-BA00-22E1D98788A1}"/>
+              </a:ext>
+            </a:extLst>
+          </p:cNvPr>
+          <p:cNvPicPr>
+            <a:picLocks noChangeAspect="1"/>
+          </p:cNvPicPr>
+          <p:nvPr/>
+        </p:nvPicPr>
+        <p:blipFill>
+          <a:blip r:embed="rId3"/>
+          <a:stretch>
+            <a:fillRect/>
+          </a:stretch>
+        </p:blipFill>
+        <p:spPr>
+          <a:xfrm>
+            <a:off x="1819809" y="1908773"/>
+            <a:ext cx="8127524" cy="3915167"/>
+          </a:xfrm>
+          <a:prstGeom prst="rect">
+            <a:avLst/>
+          </a:prstGeom>
+        </p:spPr>
+      </p:pic>
+    </p:spTree>
+    <p:extLst>
+      <p:ext uri="{BB962C8B-B14F-4D97-AF65-F5344CB8AC3E}">
+        <p14:creationId xmlns:p14="http://schemas.microsoft.com/office/powerpoint/2010/main" val="234629479"/>
+      </p:ext>
+    </p:extLst>
+  </p:cSld>
+  <p:clrMapOvr>
+    <a:masterClrMapping/>
+  </p:clrMapOvr>
+</p:sld>
+</file>
+
+<file path=ppt/slides/slide13.xml><?xml version="1.0" encoding="utf-8"?>
+<p:sld xmlns:a="http://schemas.openxmlformats.org/drawingml/2006/main" xmlns:r="http://schemas.openxmlformats.org/officeDocument/2006/relationships" xmlns:p="http://schemas.openxmlformats.org/presentationml/2006/main">
+  <p:cSld>
+    <p:spTree>
+      <p:nvGrpSpPr>
+        <p:cNvPr id="1" name=""/>
+        <p:cNvGrpSpPr/>
+        <p:nvPr/>
+      </p:nvGrpSpPr>
+      <p:grpSpPr>
+        <a:xfrm>
+          <a:off x="0" y="0"/>
+          <a:ext cx="0" cy="0"/>
+          <a:chOff x="0" y="0"/>
+          <a:chExt cx="0" cy="0"/>
+        </a:xfrm>
+      </p:grpSpPr>
+      <p:sp>
+        <p:nvSpPr>
+          <p:cNvPr id="2" name="Title 1">
+            <a:extLst>
+              <a:ext uri="{FF2B5EF4-FFF2-40B4-BE49-F238E27FC236}">
+                <a16:creationId xmlns:a16="http://schemas.microsoft.com/office/drawing/2014/main" id="{765E9052-C174-42B2-B077-566C29343869}"/>
+              </a:ext>
+            </a:extLst>
+          </p:cNvPr>
+          <p:cNvSpPr>
+            <a:spLocks noGrp="1"/>
+          </p:cNvSpPr>
+          <p:nvPr>
+            <p:ph type="title"/>
+          </p:nvPr>
+        </p:nvSpPr>
+        <p:spPr/>
+        <p:txBody>
+          <a:bodyPr/>
+          <a:lstStyle/>
+          <a:p>
+            <a:r>
+              <a:rPr lang="nl-NL" dirty="0"/>
+              <a:t>1. </a:t>
+            </a:r>
+            <a:r>
+              <a:rPr lang="nl-NL" dirty="0" err="1"/>
+              <a:t>Exercise</a:t>
+            </a:r>
+            <a:r>
+              <a:rPr lang="nl-NL" dirty="0"/>
+              <a:t>: </a:t>
+            </a:r>
+            <a:r>
+              <a:rPr lang="nl-NL" dirty="0" err="1"/>
+              <a:t>Create</a:t>
+            </a:r>
+            <a:r>
+              <a:rPr lang="nl-NL" dirty="0"/>
+              <a:t> </a:t>
+            </a:r>
+            <a:r>
+              <a:rPr lang="nl-NL" dirty="0" err="1"/>
+              <a:t>Angular</a:t>
+            </a:r>
+            <a:r>
+              <a:rPr lang="nl-NL" dirty="0"/>
+              <a:t> Project</a:t>
+            </a:r>
+          </a:p>
+        </p:txBody>
+      </p:sp>
+      <p:sp>
+        <p:nvSpPr>
+          <p:cNvPr id="3" name="Content Placeholder 2">
+            <a:extLst>
+              <a:ext uri="{FF2B5EF4-FFF2-40B4-BE49-F238E27FC236}">
+                <a16:creationId xmlns:a16="http://schemas.microsoft.com/office/drawing/2014/main" id="{FDDA71F0-591D-4267-AEEB-D8672067EEFD}"/>
+              </a:ext>
+            </a:extLst>
+          </p:cNvPr>
+          <p:cNvSpPr>
+            <a:spLocks noGrp="1"/>
+          </p:cNvSpPr>
+          <p:nvPr>
+            <p:ph idx="1"/>
+          </p:nvPr>
+        </p:nvSpPr>
+        <p:spPr/>
+        <p:txBody>
+          <a:bodyPr>
+            <a:normAutofit/>
+          </a:bodyPr>
+          <a:lstStyle/>
+          <a:p>
+            <a:pPr marL="0" indent="0" algn="ctr">
+              <a:buNone/>
+            </a:pPr>
+            <a:endParaRPr lang="en-US" sz="4000" dirty="0"/>
+          </a:p>
+          <a:p>
+            <a:pPr marL="0" indent="0" algn="ctr">
+              <a:buNone/>
+            </a:pPr>
+            <a:endParaRPr lang="en-US" sz="4000" dirty="0"/>
+          </a:p>
+          <a:p>
+            <a:pPr marL="0" indent="0" algn="ctr">
+              <a:buNone/>
+            </a:pPr>
+            <a:r>
+              <a:rPr lang="en-US" sz="4000" dirty="0"/>
+              <a:t>01_create_angular_project</a:t>
+            </a:r>
+          </a:p>
+        </p:txBody>
+      </p:sp>
+    </p:spTree>
+    <p:extLst>
+      <p:ext uri="{BB962C8B-B14F-4D97-AF65-F5344CB8AC3E}">
+        <p14:creationId xmlns:p14="http://schemas.microsoft.com/office/powerpoint/2010/main" val="887504255"/>
+      </p:ext>
+    </p:extLst>
+  </p:cSld>
+  <p:clrMapOvr>
+    <a:masterClrMapping/>
+  </p:clrMapOvr>
+</p:sld>
+</file>
+
+<file path=ppt/slides/slide14.xml><?xml version="1.0" encoding="utf-8"?>
+<p:sld xmlns:a="http://schemas.openxmlformats.org/drawingml/2006/main" xmlns:r="http://schemas.openxmlformats.org/officeDocument/2006/relationships" xmlns:p="http://schemas.openxmlformats.org/presentationml/2006/main">
+  <p:cSld>
+    <p:spTree>
+      <p:nvGrpSpPr>
+        <p:cNvPr id="1" name=""/>
+        <p:cNvGrpSpPr/>
+        <p:nvPr/>
+      </p:nvGrpSpPr>
+      <p:grpSpPr>
+        <a:xfrm>
+          <a:off x="0" y="0"/>
+          <a:ext cx="0" cy="0"/>
+          <a:chOff x="0" y="0"/>
+          <a:chExt cx="0" cy="0"/>
+        </a:xfrm>
+      </p:grpSpPr>
+      <p:sp>
+        <p:nvSpPr>
+          <p:cNvPr id="2" name="Title 1">
+            <a:extLst>
+              <a:ext uri="{FF2B5EF4-FFF2-40B4-BE49-F238E27FC236}">
+                <a16:creationId xmlns:a16="http://schemas.microsoft.com/office/drawing/2014/main" id="{765E9052-C174-42B2-B077-566C29343869}"/>
+              </a:ext>
+            </a:extLst>
+          </p:cNvPr>
+          <p:cNvSpPr>
+            <a:spLocks noGrp="1"/>
+          </p:cNvSpPr>
+          <p:nvPr>
+            <p:ph type="title"/>
+          </p:nvPr>
+        </p:nvSpPr>
+        <p:spPr>
+          <a:xfrm>
+            <a:off x="838200" y="212725"/>
+            <a:ext cx="10515600" cy="1325563"/>
+          </a:xfrm>
+        </p:spPr>
+        <p:txBody>
+          <a:bodyPr/>
+          <a:lstStyle/>
+          <a:p>
+            <a:r>
+              <a:rPr lang="nl-NL" dirty="0"/>
+              <a:t>2. Project </a:t>
+            </a:r>
+            <a:r>
+              <a:rPr lang="nl-NL" dirty="0" err="1"/>
+              <a:t>Structure</a:t>
+            </a:r>
+            <a:r>
+              <a:rPr lang="nl-NL" dirty="0"/>
+              <a:t> </a:t>
+            </a:r>
+            <a:r>
+              <a:rPr lang="nl-NL" dirty="0" err="1"/>
+              <a:t>Overview</a:t>
+            </a:r>
+            <a:r>
+              <a:rPr lang="nl-NL" dirty="0"/>
+              <a:t> </a:t>
+            </a:r>
+          </a:p>
+        </p:txBody>
+      </p:sp>
+      <p:sp>
+        <p:nvSpPr>
+          <p:cNvPr id="3" name="Content Placeholder 2">
+            <a:extLst>
+              <a:ext uri="{FF2B5EF4-FFF2-40B4-BE49-F238E27FC236}">
+                <a16:creationId xmlns:a16="http://schemas.microsoft.com/office/drawing/2014/main" id="{FDDA71F0-591D-4267-AEEB-D8672067EEFD}"/>
+              </a:ext>
+            </a:extLst>
+          </p:cNvPr>
+          <p:cNvSpPr>
+            <a:spLocks noGrp="1"/>
+          </p:cNvSpPr>
+          <p:nvPr>
+            <p:ph idx="1"/>
+          </p:nvPr>
+        </p:nvSpPr>
+        <p:spPr/>
+        <p:txBody>
+          <a:bodyPr>
+            <a:normAutofit/>
+          </a:bodyPr>
+          <a:lstStyle/>
+          <a:p>
+            <a:r>
+              <a:rPr lang="nl-NL" sz="4000" dirty="0" err="1"/>
+              <a:t>App.Module</a:t>
+            </a:r>
+            <a:endParaRPr lang="nl-NL" sz="4000" dirty="0"/>
+          </a:p>
+          <a:p>
+            <a:r>
+              <a:rPr lang="nl-NL" sz="4000" dirty="0"/>
+              <a:t>App-</a:t>
+            </a:r>
+            <a:r>
+              <a:rPr lang="nl-NL" sz="4000" dirty="0" err="1"/>
+              <a:t>Routing.Module</a:t>
+            </a:r>
+            <a:endParaRPr lang="nl-NL" sz="4000" dirty="0"/>
+          </a:p>
+          <a:p>
+            <a:r>
+              <a:rPr lang="nl-NL" sz="4000" dirty="0"/>
+              <a:t>environments</a:t>
+            </a:r>
+          </a:p>
+          <a:p>
+            <a:r>
+              <a:rPr lang="nl-NL" sz="4000" dirty="0" err="1"/>
+              <a:t>angular.json</a:t>
+            </a:r>
+            <a:endParaRPr lang="nl-NL" sz="4000" dirty="0"/>
+          </a:p>
+          <a:p>
+            <a:r>
+              <a:rPr lang="nl-NL" sz="4000" dirty="0" err="1"/>
+              <a:t>tslint.json</a:t>
+            </a:r>
+            <a:endParaRPr lang="nl-NL" sz="4000" dirty="0"/>
+          </a:p>
+          <a:p>
+            <a:r>
+              <a:rPr lang="nl-NL" sz="4000" dirty="0"/>
+              <a:t>Folder </a:t>
+            </a:r>
+            <a:r>
+              <a:rPr lang="nl-NL" sz="4000" dirty="0" err="1"/>
+              <a:t>structure</a:t>
+            </a:r>
+            <a:endParaRPr lang="en-US" sz="4000" dirty="0"/>
+          </a:p>
+        </p:txBody>
+      </p:sp>
+    </p:spTree>
+    <p:extLst>
+      <p:ext uri="{BB962C8B-B14F-4D97-AF65-F5344CB8AC3E}">
+        <p14:creationId xmlns:p14="http://schemas.microsoft.com/office/powerpoint/2010/main" val="1948387834"/>
+      </p:ext>
+    </p:extLst>
+  </p:cSld>
+  <p:clrMapOvr>
+    <a:masterClrMapping/>
+  </p:clrMapOvr>
+</p:sld>
+</file>
+
+<file path=ppt/slides/slide15.xml><?xml version="1.0" encoding="utf-8"?>
+<p:sld xmlns:a="http://schemas.openxmlformats.org/drawingml/2006/main" xmlns:r="http://schemas.openxmlformats.org/officeDocument/2006/relationships" xmlns:p="http://schemas.openxmlformats.org/presentationml/2006/main">
+  <p:cSld>
+    <p:spTree>
+      <p:nvGrpSpPr>
+        <p:cNvPr id="1" name=""/>
+        <p:cNvGrpSpPr/>
+        <p:nvPr/>
+      </p:nvGrpSpPr>
+      <p:grpSpPr>
+        <a:xfrm>
+          <a:off x="0" y="0"/>
+          <a:ext cx="0" cy="0"/>
+          <a:chOff x="0" y="0"/>
+          <a:chExt cx="0" cy="0"/>
+        </a:xfrm>
+      </p:grpSpPr>
+      <p:sp>
+        <p:nvSpPr>
+          <p:cNvPr id="2" name="Title 1">
+            <a:extLst>
+              <a:ext uri="{FF2B5EF4-FFF2-40B4-BE49-F238E27FC236}">
+                <a16:creationId xmlns:a16="http://schemas.microsoft.com/office/drawing/2014/main" id="{765E9052-C174-42B2-B077-566C29343869}"/>
+              </a:ext>
+            </a:extLst>
+          </p:cNvPr>
+          <p:cNvSpPr>
+            <a:spLocks noGrp="1"/>
+          </p:cNvSpPr>
+          <p:nvPr>
+            <p:ph type="title"/>
+          </p:nvPr>
+        </p:nvSpPr>
+        <p:spPr>
+          <a:xfrm>
+            <a:off x="838200" y="212725"/>
+            <a:ext cx="10515600" cy="1325563"/>
+          </a:xfrm>
+        </p:spPr>
+        <p:txBody>
+          <a:bodyPr/>
+          <a:lstStyle/>
+          <a:p>
+            <a:r>
+              <a:rPr lang="nl-NL" dirty="0"/>
+              <a:t>2. </a:t>
+            </a:r>
+            <a:r>
+              <a:rPr lang="nl-NL" dirty="0" err="1"/>
+              <a:t>Exercise</a:t>
+            </a:r>
+            <a:r>
+              <a:rPr lang="nl-NL" dirty="0"/>
+              <a:t>: </a:t>
+            </a:r>
+            <a:r>
+              <a:rPr lang="nl-NL" dirty="0" err="1"/>
+              <a:t>Configure</a:t>
+            </a:r>
+            <a:r>
+              <a:rPr lang="nl-NL" dirty="0"/>
+              <a:t> Project </a:t>
+            </a:r>
+          </a:p>
+        </p:txBody>
+      </p:sp>
+      <p:sp>
+        <p:nvSpPr>
+          <p:cNvPr id="3" name="Content Placeholder 2">
+            <a:extLst>
+              <a:ext uri="{FF2B5EF4-FFF2-40B4-BE49-F238E27FC236}">
+                <a16:creationId xmlns:a16="http://schemas.microsoft.com/office/drawing/2014/main" id="{FDDA71F0-591D-4267-AEEB-D8672067EEFD}"/>
+              </a:ext>
+            </a:extLst>
+          </p:cNvPr>
+          <p:cNvSpPr>
+            <a:spLocks noGrp="1"/>
+          </p:cNvSpPr>
+          <p:nvPr>
+            <p:ph idx="1"/>
+          </p:nvPr>
+        </p:nvSpPr>
+        <p:spPr/>
+        <p:txBody>
+          <a:bodyPr>
+            <a:normAutofit/>
+          </a:bodyPr>
+          <a:lstStyle/>
+          <a:p>
+            <a:pPr marL="0" indent="0">
+              <a:buNone/>
+            </a:pPr>
+            <a:endParaRPr lang="en-US" sz="4000" dirty="0"/>
+          </a:p>
+          <a:p>
+            <a:pPr marL="0" indent="0">
+              <a:buNone/>
+            </a:pPr>
+            <a:endParaRPr lang="en-US" sz="4000" dirty="0"/>
+          </a:p>
+          <a:p>
+            <a:pPr marL="0" indent="0" algn="ctr">
+              <a:buNone/>
+            </a:pPr>
+            <a:r>
+              <a:rPr lang="en-US" sz="4000" dirty="0"/>
+              <a:t>02_configure_project</a:t>
+            </a:r>
+          </a:p>
+        </p:txBody>
+      </p:sp>
+    </p:spTree>
+    <p:extLst>
+      <p:ext uri="{BB962C8B-B14F-4D97-AF65-F5344CB8AC3E}">
+        <p14:creationId xmlns:p14="http://schemas.microsoft.com/office/powerpoint/2010/main" val="97101535"/>
+      </p:ext>
+    </p:extLst>
+  </p:cSld>
+  <p:clrMapOvr>
+    <a:masterClrMapping/>
+  </p:clrMapOvr>
+</p:sld>
+</file>
+
+<file path=ppt/slides/slide16.xml><?xml version="1.0" encoding="utf-8"?>
+<p:sld xmlns:a="http://schemas.openxmlformats.org/drawingml/2006/main" xmlns:r="http://schemas.openxmlformats.org/officeDocument/2006/relationships" xmlns:p="http://schemas.openxmlformats.org/presentationml/2006/main">
+  <p:cSld>
+    <p:spTree>
+      <p:nvGrpSpPr>
+        <p:cNvPr id="1" name=""/>
+        <p:cNvGrpSpPr/>
+        <p:nvPr/>
+      </p:nvGrpSpPr>
+      <p:grpSpPr>
+        <a:xfrm>
+          <a:off x="0" y="0"/>
+          <a:ext cx="0" cy="0"/>
+          <a:chOff x="0" y="0"/>
+          <a:chExt cx="0" cy="0"/>
+        </a:xfrm>
+      </p:grpSpPr>
+      <p:sp>
+        <p:nvSpPr>
+          <p:cNvPr id="2" name="Title 1">
+            <a:extLst>
+              <a:ext uri="{FF2B5EF4-FFF2-40B4-BE49-F238E27FC236}">
+                <a16:creationId xmlns:a16="http://schemas.microsoft.com/office/drawing/2014/main" id="{765E9052-C174-42B2-B077-566C29343869}"/>
+              </a:ext>
+            </a:extLst>
+          </p:cNvPr>
+          <p:cNvSpPr>
+            <a:spLocks noGrp="1"/>
+          </p:cNvSpPr>
+          <p:nvPr>
+            <p:ph type="title"/>
+          </p:nvPr>
+        </p:nvSpPr>
+        <p:spPr>
+          <a:xfrm>
+            <a:off x="838200" y="365125"/>
+            <a:ext cx="14607822" cy="2083762"/>
+          </a:xfrm>
+        </p:spPr>
+        <p:txBody>
+          <a:bodyPr/>
+          <a:lstStyle/>
+          <a:p>
+            <a:r>
+              <a:rPr lang="nl-NL" dirty="0"/>
+              <a:t>3. Routing </a:t>
+            </a:r>
+            <a:r>
+              <a:rPr lang="nl-NL" dirty="0" err="1"/>
+              <a:t>to</a:t>
+            </a:r>
+            <a:r>
+              <a:rPr lang="nl-NL" dirty="0"/>
+              <a:t> </a:t>
+            </a:r>
+            <a:r>
+              <a:rPr lang="nl-NL" dirty="0" err="1"/>
+              <a:t>Components</a:t>
+            </a:r>
+            <a:endParaRPr lang="nl-NL" dirty="0"/>
+          </a:p>
+        </p:txBody>
+      </p:sp>
+      <p:sp>
+        <p:nvSpPr>
+          <p:cNvPr id="3" name="Content Placeholder 2">
+            <a:extLst>
+              <a:ext uri="{FF2B5EF4-FFF2-40B4-BE49-F238E27FC236}">
+                <a16:creationId xmlns:a16="http://schemas.microsoft.com/office/drawing/2014/main" id="{FDDA71F0-591D-4267-AEEB-D8672067EEFD}"/>
+              </a:ext>
+            </a:extLst>
+          </p:cNvPr>
+          <p:cNvSpPr>
+            <a:spLocks noGrp="1"/>
+          </p:cNvSpPr>
+          <p:nvPr>
+            <p:ph idx="1"/>
+          </p:nvPr>
+        </p:nvSpPr>
+        <p:spPr/>
+        <p:txBody>
+          <a:bodyPr/>
+          <a:lstStyle/>
+          <a:p>
+            <a:endParaRPr lang="en-US" dirty="0"/>
+          </a:p>
+        </p:txBody>
+      </p:sp>
+      <p:pic>
+        <p:nvPicPr>
+          <p:cNvPr id="3074" name="Picture 2" descr="Sibling components with router outlet - Stack Overflow">
+            <a:extLst>
+              <a:ext uri="{FF2B5EF4-FFF2-40B4-BE49-F238E27FC236}">
+                <a16:creationId xmlns:a16="http://schemas.microsoft.com/office/drawing/2014/main" id="{81A52F16-7F5A-4934-86C9-C86855BE65B2}"/>
+              </a:ext>
+            </a:extLst>
+          </p:cNvPr>
+          <p:cNvPicPr>
+            <a:picLocks noChangeAspect="1" noChangeArrowheads="1"/>
+          </p:cNvPicPr>
+          <p:nvPr/>
+        </p:nvPicPr>
+        <p:blipFill>
+          <a:blip r:embed="rId3">
+            <a:extLst>
+              <a:ext uri="{28A0092B-C50C-407E-A947-70E740481C1C}">
+                <a14:useLocalDpi xmlns:a14="http://schemas.microsoft.com/office/drawing/2010/main" val="0"/>
+              </a:ext>
+            </a:extLst>
+          </a:blip>
+          <a:srcRect/>
+          <a:stretch>
+            <a:fillRect/>
+          </a:stretch>
+        </p:blipFill>
+        <p:spPr bwMode="auto">
+          <a:xfrm>
+            <a:off x="2995845" y="2069760"/>
+            <a:ext cx="7082291" cy="3863068"/>
+          </a:xfrm>
+          <a:prstGeom prst="rect">
+            <a:avLst/>
+          </a:prstGeom>
+          <a:noFill/>
+          <a:extLst>
+            <a:ext uri="{909E8E84-426E-40DD-AFC4-6F175D3DCCD1}">
+              <a14:hiddenFill xmlns:a14="http://schemas.microsoft.com/office/drawing/2010/main">
+                <a:solidFill>
+                  <a:srgbClr val="FFFFFF"/>
+                </a:solidFill>
+              </a14:hiddenFill>
+            </a:ext>
+          </a:extLst>
+        </p:spPr>
+      </p:pic>
+    </p:spTree>
+    <p:extLst>
+      <p:ext uri="{BB962C8B-B14F-4D97-AF65-F5344CB8AC3E}">
+        <p14:creationId xmlns:p14="http://schemas.microsoft.com/office/powerpoint/2010/main" val="547672593"/>
+      </p:ext>
+    </p:extLst>
+  </p:cSld>
+  <p:clrMapOvr>
+    <a:masterClrMapping/>
+  </p:clrMapOvr>
+</p:sld>
+</file>
+
+<file path=ppt/slides/slide17.xml><?xml version="1.0" encoding="utf-8"?>
+<p:sld xmlns:a="http://schemas.openxmlformats.org/drawingml/2006/main" xmlns:r="http://schemas.openxmlformats.org/officeDocument/2006/relationships" xmlns:p="http://schemas.openxmlformats.org/presentationml/2006/main">
+  <p:cSld>
+    <p:spTree>
+      <p:nvGrpSpPr>
+        <p:cNvPr id="1" name=""/>
+        <p:cNvGrpSpPr/>
+        <p:nvPr/>
+      </p:nvGrpSpPr>
+      <p:grpSpPr>
+        <a:xfrm>
+          <a:off x="0" y="0"/>
+          <a:ext cx="0" cy="0"/>
+          <a:chOff x="0" y="0"/>
+          <a:chExt cx="0" cy="0"/>
+        </a:xfrm>
+      </p:grpSpPr>
+      <p:sp>
+        <p:nvSpPr>
+          <p:cNvPr id="2" name="Title 1">
+            <a:extLst>
+              <a:ext uri="{FF2B5EF4-FFF2-40B4-BE49-F238E27FC236}">
+                <a16:creationId xmlns:a16="http://schemas.microsoft.com/office/drawing/2014/main" id="{765E9052-C174-42B2-B077-566C29343869}"/>
+              </a:ext>
+            </a:extLst>
+          </p:cNvPr>
+          <p:cNvSpPr>
+            <a:spLocks noGrp="1"/>
+          </p:cNvSpPr>
+          <p:nvPr>
+            <p:ph type="title"/>
+          </p:nvPr>
+        </p:nvSpPr>
+        <p:spPr>
+          <a:xfrm>
+            <a:off x="838200" y="365125"/>
+            <a:ext cx="14607822" cy="2083762"/>
+          </a:xfrm>
+        </p:spPr>
+        <p:txBody>
+          <a:bodyPr/>
+          <a:lstStyle/>
+          <a:p>
+            <a:r>
+              <a:rPr lang="nl-NL" dirty="0"/>
+              <a:t>3. Routing </a:t>
+            </a:r>
+            <a:r>
+              <a:rPr lang="nl-NL" dirty="0" err="1"/>
+              <a:t>to</a:t>
+            </a:r>
+            <a:r>
+              <a:rPr lang="nl-NL" dirty="0"/>
+              <a:t> </a:t>
+            </a:r>
+            <a:r>
+              <a:rPr lang="nl-NL" dirty="0" err="1"/>
+              <a:t>Components</a:t>
+            </a:r>
+            <a:endParaRPr lang="nl-NL" dirty="0"/>
+          </a:p>
+        </p:txBody>
+      </p:sp>
+      <p:sp>
+        <p:nvSpPr>
+          <p:cNvPr id="3" name="Content Placeholder 2">
+            <a:extLst>
+              <a:ext uri="{FF2B5EF4-FFF2-40B4-BE49-F238E27FC236}">
+                <a16:creationId xmlns:a16="http://schemas.microsoft.com/office/drawing/2014/main" id="{FDDA71F0-591D-4267-AEEB-D8672067EEFD}"/>
+              </a:ext>
+            </a:extLst>
+          </p:cNvPr>
+          <p:cNvSpPr>
+            <a:spLocks noGrp="1"/>
+          </p:cNvSpPr>
+          <p:nvPr>
+            <p:ph idx="1"/>
+          </p:nvPr>
+        </p:nvSpPr>
+        <p:spPr/>
+        <p:txBody>
+          <a:bodyPr/>
+          <a:lstStyle/>
+          <a:p>
+            <a:r>
+              <a:rPr lang="nl-NL" dirty="0" err="1"/>
+              <a:t>Define</a:t>
+            </a:r>
+            <a:r>
+              <a:rPr lang="nl-NL" dirty="0"/>
+              <a:t> router outlet in app.component.html</a:t>
+            </a:r>
+          </a:p>
+          <a:p>
+            <a:endParaRPr lang="en-US" dirty="0"/>
+          </a:p>
+        </p:txBody>
+      </p:sp>
+      <p:pic>
+        <p:nvPicPr>
+          <p:cNvPr id="7" name="Picture 6">
+            <a:extLst>
+              <a:ext uri="{FF2B5EF4-FFF2-40B4-BE49-F238E27FC236}">
+                <a16:creationId xmlns:a16="http://schemas.microsoft.com/office/drawing/2014/main" id="{DB271021-F4E7-4E30-995E-1B0C6F4B784B}"/>
+              </a:ext>
+            </a:extLst>
+          </p:cNvPr>
+          <p:cNvPicPr>
+            <a:picLocks noChangeAspect="1"/>
+          </p:cNvPicPr>
+          <p:nvPr/>
+        </p:nvPicPr>
+        <p:blipFill>
+          <a:blip r:embed="rId3"/>
+          <a:stretch>
+            <a:fillRect/>
+          </a:stretch>
+        </p:blipFill>
+        <p:spPr>
+          <a:xfrm>
+            <a:off x="970293" y="2448886"/>
+            <a:ext cx="9954811" cy="3806947"/>
+          </a:xfrm>
+          <a:prstGeom prst="rect">
+            <a:avLst/>
+          </a:prstGeom>
+        </p:spPr>
+      </p:pic>
+    </p:spTree>
+    <p:extLst>
+      <p:ext uri="{BB962C8B-B14F-4D97-AF65-F5344CB8AC3E}">
+        <p14:creationId xmlns:p14="http://schemas.microsoft.com/office/powerpoint/2010/main" val="1610441226"/>
+      </p:ext>
+    </p:extLst>
+  </p:cSld>
+  <p:clrMapOvr>
+    <a:masterClrMapping/>
+  </p:clrMapOvr>
+</p:sld>
+</file>
+
+<file path=ppt/slides/slide18.xml><?xml version="1.0" encoding="utf-8"?>
+<p:sld xmlns:a="http://schemas.openxmlformats.org/drawingml/2006/main" xmlns:r="http://schemas.openxmlformats.org/officeDocument/2006/relationships" xmlns:p="http://schemas.openxmlformats.org/presentationml/2006/main">
+  <p:cSld>
+    <p:spTree>
+      <p:nvGrpSpPr>
+        <p:cNvPr id="1" name=""/>
+        <p:cNvGrpSpPr/>
+        <p:nvPr/>
+      </p:nvGrpSpPr>
+      <p:grpSpPr>
+        <a:xfrm>
+          <a:off x="0" y="0"/>
+          <a:ext cx="0" cy="0"/>
+          <a:chOff x="0" y="0"/>
+          <a:chExt cx="0" cy="0"/>
+        </a:xfrm>
+      </p:grpSpPr>
+      <p:sp>
+        <p:nvSpPr>
+          <p:cNvPr id="2" name="Title 1">
+            <a:extLst>
+              <a:ext uri="{FF2B5EF4-FFF2-40B4-BE49-F238E27FC236}">
+                <a16:creationId xmlns:a16="http://schemas.microsoft.com/office/drawing/2014/main" id="{765E9052-C174-42B2-B077-566C29343869}"/>
+              </a:ext>
+            </a:extLst>
+          </p:cNvPr>
+          <p:cNvSpPr>
+            <a:spLocks noGrp="1"/>
+          </p:cNvSpPr>
+          <p:nvPr>
+            <p:ph type="title"/>
+          </p:nvPr>
+        </p:nvSpPr>
+        <p:spPr>
+          <a:xfrm>
+            <a:off x="838200" y="365125"/>
+            <a:ext cx="14607822" cy="2083762"/>
+          </a:xfrm>
+        </p:spPr>
+        <p:txBody>
+          <a:bodyPr/>
+          <a:lstStyle/>
+          <a:p>
+            <a:r>
+              <a:rPr lang="nl-NL" dirty="0"/>
+              <a:t>3. Routing </a:t>
+            </a:r>
+            <a:r>
+              <a:rPr lang="nl-NL" dirty="0" err="1"/>
+              <a:t>to</a:t>
+            </a:r>
+            <a:r>
+              <a:rPr lang="nl-NL" dirty="0"/>
+              <a:t> </a:t>
+            </a:r>
+            <a:r>
+              <a:rPr lang="nl-NL" dirty="0" err="1"/>
+              <a:t>Components</a:t>
+            </a:r>
+            <a:endParaRPr lang="nl-NL" dirty="0"/>
+          </a:p>
+        </p:txBody>
+      </p:sp>
+      <p:sp>
+        <p:nvSpPr>
+          <p:cNvPr id="3" name="Content Placeholder 2">
+            <a:extLst>
+              <a:ext uri="{FF2B5EF4-FFF2-40B4-BE49-F238E27FC236}">
+                <a16:creationId xmlns:a16="http://schemas.microsoft.com/office/drawing/2014/main" id="{FDDA71F0-591D-4267-AEEB-D8672067EEFD}"/>
+              </a:ext>
+            </a:extLst>
+          </p:cNvPr>
+          <p:cNvSpPr>
+            <a:spLocks noGrp="1"/>
+          </p:cNvSpPr>
+          <p:nvPr>
+            <p:ph idx="1"/>
+          </p:nvPr>
+        </p:nvSpPr>
+        <p:spPr/>
+        <p:txBody>
+          <a:bodyPr/>
+          <a:lstStyle/>
+          <a:p>
+            <a:r>
+              <a:rPr lang="nl-NL" dirty="0" err="1"/>
+              <a:t>AppModule</a:t>
+            </a:r>
+            <a:r>
+              <a:rPr lang="nl-NL" dirty="0"/>
+              <a:t> Routing</a:t>
+            </a:r>
+          </a:p>
+          <a:p>
+            <a:endParaRPr lang="en-US" dirty="0"/>
+          </a:p>
+        </p:txBody>
+      </p:sp>
+      <p:pic>
+        <p:nvPicPr>
+          <p:cNvPr id="4" name="Picture 3">
+            <a:extLst>
+              <a:ext uri="{FF2B5EF4-FFF2-40B4-BE49-F238E27FC236}">
+                <a16:creationId xmlns:a16="http://schemas.microsoft.com/office/drawing/2014/main" id="{EBBD5A07-AC89-48A3-A256-8C1D587CAB6A}"/>
+              </a:ext>
+            </a:extLst>
+          </p:cNvPr>
+          <p:cNvPicPr>
+            <a:picLocks noChangeAspect="1"/>
+          </p:cNvPicPr>
+          <p:nvPr/>
+        </p:nvPicPr>
+        <p:blipFill>
+          <a:blip r:embed="rId3"/>
+          <a:stretch>
+            <a:fillRect/>
+          </a:stretch>
+        </p:blipFill>
+        <p:spPr>
+          <a:xfrm>
+            <a:off x="933207" y="2438975"/>
+            <a:ext cx="8824646" cy="4053899"/>
+          </a:xfrm>
+          <a:prstGeom prst="rect">
+            <a:avLst/>
+          </a:prstGeom>
+        </p:spPr>
+      </p:pic>
+    </p:spTree>
+    <p:extLst>
+      <p:ext uri="{BB962C8B-B14F-4D97-AF65-F5344CB8AC3E}">
+        <p14:creationId xmlns:p14="http://schemas.microsoft.com/office/powerpoint/2010/main" val="3960488081"/>
+      </p:ext>
+    </p:extLst>
+  </p:cSld>
+  <p:clrMapOvr>
+    <a:masterClrMapping/>
+  </p:clrMapOvr>
+</p:sld>
+</file>
+
+<file path=ppt/slides/slide19.xml><?xml version="1.0" encoding="utf-8"?>
+<p:sld xmlns:a="http://schemas.openxmlformats.org/drawingml/2006/main" xmlns:r="http://schemas.openxmlformats.org/officeDocument/2006/relationships" xmlns:p="http://schemas.openxmlformats.org/presentationml/2006/main">
+  <p:cSld>
+    <p:spTree>
+      <p:nvGrpSpPr>
+        <p:cNvPr id="1" name=""/>
+        <p:cNvGrpSpPr/>
+        <p:nvPr/>
+      </p:nvGrpSpPr>
+      <p:grpSpPr>
+        <a:xfrm>
+          <a:off x="0" y="0"/>
+          <a:ext cx="0" cy="0"/>
+          <a:chOff x="0" y="0"/>
+          <a:chExt cx="0" cy="0"/>
+        </a:xfrm>
+      </p:grpSpPr>
+      <p:sp>
+        <p:nvSpPr>
+          <p:cNvPr id="2" name="Title 1">
+            <a:extLst>
+              <a:ext uri="{FF2B5EF4-FFF2-40B4-BE49-F238E27FC236}">
+                <a16:creationId xmlns:a16="http://schemas.microsoft.com/office/drawing/2014/main" id="{765E9052-C174-42B2-B077-566C29343869}"/>
+              </a:ext>
+            </a:extLst>
+          </p:cNvPr>
+          <p:cNvSpPr>
+            <a:spLocks noGrp="1"/>
+          </p:cNvSpPr>
+          <p:nvPr>
+            <p:ph type="title"/>
+          </p:nvPr>
+        </p:nvSpPr>
+        <p:spPr>
+          <a:xfrm>
+            <a:off x="838200" y="365125"/>
+            <a:ext cx="14607822" cy="2083762"/>
+          </a:xfrm>
+        </p:spPr>
+        <p:txBody>
+          <a:bodyPr/>
+          <a:lstStyle/>
+          <a:p>
+            <a:r>
+              <a:rPr lang="nl-NL" dirty="0"/>
+              <a:t>3. Routing </a:t>
+            </a:r>
+            <a:r>
+              <a:rPr lang="nl-NL" dirty="0" err="1"/>
+              <a:t>to</a:t>
+            </a:r>
+            <a:r>
+              <a:rPr lang="nl-NL" dirty="0"/>
+              <a:t> </a:t>
+            </a:r>
+            <a:r>
+              <a:rPr lang="nl-NL" dirty="0" err="1"/>
+              <a:t>Components</a:t>
+            </a:r>
+            <a:endParaRPr lang="nl-NL" dirty="0"/>
+          </a:p>
+        </p:txBody>
+      </p:sp>
+      <p:sp>
+        <p:nvSpPr>
+          <p:cNvPr id="3" name="Content Placeholder 2">
+            <a:extLst>
+              <a:ext uri="{FF2B5EF4-FFF2-40B4-BE49-F238E27FC236}">
+                <a16:creationId xmlns:a16="http://schemas.microsoft.com/office/drawing/2014/main" id="{FDDA71F0-591D-4267-AEEB-D8672067EEFD}"/>
+              </a:ext>
+            </a:extLst>
+          </p:cNvPr>
+          <p:cNvSpPr>
+            <a:spLocks noGrp="1"/>
+          </p:cNvSpPr>
+          <p:nvPr>
+            <p:ph idx="1"/>
+          </p:nvPr>
+        </p:nvSpPr>
+        <p:spPr/>
+        <p:txBody>
+          <a:bodyPr/>
+          <a:lstStyle/>
+          <a:p>
+            <a:r>
+              <a:rPr lang="nl-NL" dirty="0"/>
+              <a:t>Component Routing</a:t>
+            </a:r>
+          </a:p>
+          <a:p>
+            <a:endParaRPr lang="en-US" dirty="0"/>
+          </a:p>
+        </p:txBody>
+      </p:sp>
+      <p:pic>
+        <p:nvPicPr>
+          <p:cNvPr id="5" name="Picture 4">
+            <a:extLst>
+              <a:ext uri="{FF2B5EF4-FFF2-40B4-BE49-F238E27FC236}">
+                <a16:creationId xmlns:a16="http://schemas.microsoft.com/office/drawing/2014/main" id="{122C4CF2-2B2E-4F93-89D6-058B5B737165}"/>
+              </a:ext>
+            </a:extLst>
+          </p:cNvPr>
+          <p:cNvPicPr>
+            <a:picLocks noChangeAspect="1"/>
+          </p:cNvPicPr>
+          <p:nvPr/>
+        </p:nvPicPr>
+        <p:blipFill>
+          <a:blip r:embed="rId3"/>
+          <a:stretch>
+            <a:fillRect/>
+          </a:stretch>
+        </p:blipFill>
+        <p:spPr>
+          <a:xfrm>
+            <a:off x="1120074" y="2694492"/>
+            <a:ext cx="9951852" cy="3236865"/>
+          </a:xfrm>
+          <a:prstGeom prst="rect">
+            <a:avLst/>
+          </a:prstGeom>
+        </p:spPr>
+      </p:pic>
+    </p:spTree>
+    <p:extLst>
+      <p:ext uri="{BB962C8B-B14F-4D97-AF65-F5344CB8AC3E}">
+        <p14:creationId xmlns:p14="http://schemas.microsoft.com/office/powerpoint/2010/main" val="1399053643"/>
+      </p:ext>
+    </p:extLst>
+  </p:cSld>
+  <p:clrMapOvr>
+    <a:masterClrMapping/>
+  </p:clrMapOvr>
+</p:sld>
+</file>
+
 <file path=ppt/slides/slide2.xml><?xml version="1.0" encoding="utf-8"?>
 <p:sld xmlns:a="http://schemas.openxmlformats.org/drawingml/2006/main" xmlns:r="http://schemas.openxmlformats.org/officeDocument/2006/relationships" xmlns:p="http://schemas.openxmlformats.org/presentationml/2006/main">
   <p:cSld>
@@ -5203,7 +8886,15 @@
             </a:r>
             <a:r>
               <a:rPr lang="nl-NL" dirty="0"/>
-              <a:t>.</a:t>
+              <a:t>. (4.5 </a:t>
+            </a:r>
+            <a:r>
+              <a:rPr lang="nl-NL" dirty="0" err="1"/>
+              <a:t>Hrs</a:t>
+            </a:r>
+            <a:r>
+              <a:rPr lang="nl-NL" dirty="0"/>
+              <a:t>)</a:t>
             </a:r>
             <a:endParaRPr lang="en-US" dirty="0"/>
           </a:p>
@@ -5228,7 +8919,7 @@
         <p:spPr/>
         <p:txBody>
           <a:bodyPr>
-            <a:normAutofit lnSpcReduction="10000"/>
+            <a:normAutofit fontScale="77500" lnSpcReduction="20000"/>
           </a:bodyPr>
           <a:lstStyle/>
           <a:p>
@@ -5253,16 +8944,7 @@
             </a:r>
             <a:r>
               <a:rPr lang="nl-NL" dirty="0"/>
-              <a:t>					11:30 – 12:30</a:t>
-            </a:r>
-          </a:p>
-          <a:p>
-            <a:pPr marL="3657600" lvl="8" indent="0">
-              <a:buNone/>
-            </a:pPr>
-            <a:r>
-              <a:rPr lang="nl-NL" dirty="0"/>
-              <a:t>				      break (5 min)?</a:t>
+              <a:t>					11:30 – 12:00</a:t>
             </a:r>
           </a:p>
           <a:p>
@@ -5270,14 +8952,20 @@
               <a:buNone/>
             </a:pPr>
             <a:r>
-              <a:rPr lang="nl-NL" dirty="0"/>
+              <a:rPr lang="nl-NL" dirty="0">
+                <a:solidFill>
+                  <a:schemeClr val="accent5">
+                    <a:lumMod val="75000"/>
+                  </a:schemeClr>
+                </a:solidFill>
+              </a:rPr>
               <a:t>- </a:t>
             </a:r>
             <a:r>
               <a:rPr lang="nl-NL" dirty="0" err="1">
                 <a:solidFill>
-                  <a:schemeClr val="bg1">
-                    <a:lumMod val="65000"/>
+                  <a:schemeClr val="accent5">
+                    <a:lumMod val="75000"/>
                   </a:schemeClr>
                 </a:solidFill>
               </a:rPr>
@@ -5286,32 +8974,52 @@
             <a:r>
               <a:rPr lang="nl-NL" dirty="0">
                 <a:solidFill>
-                  <a:schemeClr val="bg1">
-                    <a:lumMod val="65000"/>
+                  <a:schemeClr val="accent5">
+                    <a:lumMod val="75000"/>
                   </a:schemeClr>
                 </a:solidFill>
               </a:rPr>
-              <a:t>:</a:t>
-            </a:r>
-            <a:r>
-              <a:rPr lang="nl-NL" dirty="0"/>
-              <a:t>  </a:t>
-            </a:r>
-            <a:r>
-              <a:rPr lang="nl-NL" dirty="0" err="1"/>
+              <a:t>:  </a:t>
+            </a:r>
+            <a:r>
+              <a:rPr lang="nl-NL" dirty="0" err="1">
+                <a:solidFill>
+                  <a:schemeClr val="accent5">
+                    <a:lumMod val="75000"/>
+                  </a:schemeClr>
+                </a:solidFill>
+              </a:rPr>
               <a:t>Create</a:t>
             </a:r>
             <a:r>
-              <a:rPr lang="nl-NL" dirty="0"/>
+              <a:rPr lang="nl-NL" dirty="0">
+                <a:solidFill>
+                  <a:schemeClr val="accent5">
+                    <a:lumMod val="75000"/>
+                  </a:schemeClr>
+                </a:solidFill>
+              </a:rPr>
               <a:t> </a:t>
             </a:r>
             <a:r>
-              <a:rPr lang="nl-NL" dirty="0" err="1"/>
+              <a:rPr lang="nl-NL" dirty="0" err="1">
+                <a:solidFill>
+                  <a:schemeClr val="accent5">
+                    <a:lumMod val="75000"/>
+                  </a:schemeClr>
+                </a:solidFill>
+              </a:rPr>
               <a:t>Angular</a:t>
             </a:r>
             <a:r>
-              <a:rPr lang="nl-NL" dirty="0"/>
-              <a:t> Project 			12:35  - 13:30</a:t>
+              <a:rPr lang="nl-NL" dirty="0">
+                <a:solidFill>
+                  <a:schemeClr val="accent5">
+                    <a:lumMod val="75000"/>
+                  </a:schemeClr>
+                </a:solidFill>
+              </a:rPr>
+              <a:t> Project 			12:00  - 12:30</a:t>
             </a:r>
           </a:p>
           <a:p>
@@ -5320,11 +9028,23 @@
             </a:pPr>
             <a:r>
               <a:rPr lang="nl-NL" dirty="0"/>
-              <a:t>								  </a:t>
-            </a:r>
-            <a:r>
-              <a:rPr lang="nl-NL" sz="2000" dirty="0"/>
-              <a:t>break (5 min)?</a:t>
+              <a:t>2. </a:t>
+            </a:r>
+            <a:r>
+              <a:rPr lang="nl-NL" dirty="0" err="1"/>
+              <a:t>Angular</a:t>
+            </a:r>
+            <a:r>
+              <a:rPr lang="nl-NL" dirty="0"/>
+              <a:t> Project </a:t>
+            </a:r>
+            <a:r>
+              <a:rPr lang="nl-NL" dirty="0" err="1"/>
+              <a:t>structure</a:t>
+            </a:r>
+            <a:r>
+              <a:rPr lang="nl-NL" dirty="0"/>
+              <a:t>				12:30 – 12:45</a:t>
             </a:r>
           </a:p>
           <a:p>
@@ -5332,48 +9052,10 @@
               <a:buNone/>
             </a:pPr>
             <a:r>
-              <a:rPr lang="nl-NL" dirty="0"/>
-              <a:t>2. </a:t>
-            </a:r>
-            <a:r>
-              <a:rPr lang="nl-NL" dirty="0" err="1"/>
-              <a:t>Angular</a:t>
-            </a:r>
-            <a:r>
-              <a:rPr lang="nl-NL" dirty="0"/>
-              <a:t> Project </a:t>
-            </a:r>
-            <a:r>
-              <a:rPr lang="nl-NL" dirty="0" err="1"/>
-              <a:t>structure</a:t>
-            </a:r>
-            <a:r>
-              <a:rPr lang="nl-NL" dirty="0"/>
-              <a:t>				13:35 – 14:30</a:t>
-            </a:r>
-          </a:p>
-          <a:p>
-            <a:pPr marL="0" indent="0">
-              <a:buNone/>
-            </a:pPr>
-            <a:r>
-              <a:rPr lang="nl-NL" dirty="0"/>
-              <a:t>   								   </a:t>
-            </a:r>
-            <a:r>
-              <a:rPr lang="nl-NL" sz="2000" dirty="0"/>
-              <a:t>break (5 min)?</a:t>
-            </a:r>
-          </a:p>
-          <a:p>
-            <a:pPr marL="0" indent="0">
-              <a:buNone/>
-            </a:pPr>
-            <a:r>
               <a:rPr lang="nl-NL" dirty="0">
                 <a:solidFill>
-                  <a:schemeClr val="bg1">
-                    <a:lumMod val="65000"/>
+                  <a:schemeClr val="accent5">
+                    <a:lumMod val="75000"/>
                   </a:schemeClr>
                 </a:solidFill>
               </a:rPr>
@@ -5382,24 +9064,42 @@
             <a:r>
               <a:rPr lang="nl-NL" dirty="0" err="1">
                 <a:solidFill>
-                  <a:schemeClr val="bg1">
-                    <a:lumMod val="65000"/>
+                  <a:schemeClr val="accent5">
+                    <a:lumMod val="75000"/>
                   </a:schemeClr>
                 </a:solidFill>
               </a:rPr>
               <a:t>Exercise</a:t>
             </a:r>
             <a:r>
-              <a:rPr lang="nl-NL" dirty="0"/>
+              <a:rPr lang="nl-NL" dirty="0">
+                <a:solidFill>
+                  <a:schemeClr val="accent5">
+                    <a:lumMod val="75000"/>
+                  </a:schemeClr>
+                </a:solidFill>
+              </a:rPr>
               <a:t>: </a:t>
             </a:r>
             <a:r>
-              <a:rPr lang="nl-NL" dirty="0" err="1"/>
+              <a:rPr lang="nl-NL" dirty="0" err="1">
+                <a:solidFill>
+                  <a:schemeClr val="accent5">
+                    <a:lumMod val="75000"/>
+                  </a:schemeClr>
+                </a:solidFill>
+              </a:rPr>
               <a:t>Configure</a:t>
             </a:r>
             <a:r>
-              <a:rPr lang="nl-NL" dirty="0"/>
-              <a:t> Project	 			13:05 – 13:30</a:t>
+              <a:rPr lang="nl-NL" dirty="0">
+                <a:solidFill>
+                  <a:schemeClr val="accent5">
+                    <a:lumMod val="75000"/>
+                  </a:schemeClr>
+                </a:solidFill>
+              </a:rPr>
+              <a:t> Project	 			12:45 – 13:15</a:t>
             </a:r>
           </a:p>
           <a:p>
@@ -5408,11 +9108,15 @@
             </a:pPr>
             <a:r>
               <a:rPr lang="nl-NL" dirty="0"/>
-              <a:t>								   </a:t>
-            </a:r>
-            <a:r>
-              <a:rPr lang="nl-NL" sz="2000" dirty="0"/>
-              <a:t>break (5 min)?</a:t>
+              <a:t>3. Routing </a:t>
+            </a:r>
+            <a:r>
+              <a:rPr lang="nl-NL" dirty="0" err="1"/>
+              <a:t>to</a:t>
+            </a:r>
+            <a:r>
+              <a:rPr lang="nl-NL" dirty="0"/>
+              <a:t> Component				13:15 – 13:30</a:t>
             </a:r>
           </a:p>
           <a:p>
@@ -5420,9 +9124,211 @@
               <a:buNone/>
             </a:pPr>
             <a:r>
+              <a:rPr lang="nl-NL" dirty="0">
+                <a:solidFill>
+                  <a:schemeClr val="accent5">
+                    <a:lumMod val="75000"/>
+                  </a:schemeClr>
+                </a:solidFill>
+              </a:rPr>
+              <a:t>- </a:t>
+            </a:r>
+            <a:r>
+              <a:rPr lang="nl-NL" dirty="0" err="1">
+                <a:solidFill>
+                  <a:schemeClr val="accent5">
+                    <a:lumMod val="75000"/>
+                  </a:schemeClr>
+                </a:solidFill>
+              </a:rPr>
+              <a:t>Exercise</a:t>
+            </a:r>
+            <a:r>
+              <a:rPr lang="nl-NL" dirty="0">
+                <a:solidFill>
+                  <a:schemeClr val="accent5">
+                    <a:lumMod val="75000"/>
+                  </a:schemeClr>
+                </a:solidFill>
+              </a:rPr>
+              <a:t>: </a:t>
+            </a:r>
+            <a:r>
+              <a:rPr lang="nl-NL" dirty="0" err="1">
+                <a:solidFill>
+                  <a:schemeClr val="accent5">
+                    <a:lumMod val="75000"/>
+                  </a:schemeClr>
+                </a:solidFill>
+              </a:rPr>
+              <a:t>Create</a:t>
+            </a:r>
+            <a:r>
+              <a:rPr lang="nl-NL" dirty="0">
+                <a:solidFill>
+                  <a:schemeClr val="accent5">
+                    <a:lumMod val="75000"/>
+                  </a:schemeClr>
+                </a:solidFill>
+              </a:rPr>
+              <a:t> component &amp; routing 			13:30 – 14:00</a:t>
+            </a:r>
+          </a:p>
+          <a:p>
+            <a:pPr marL="0" indent="0">
+              <a:buNone/>
+            </a:pPr>
+            <a:r>
               <a:rPr lang="nl-NL" dirty="0"/>
-              <a:t>3. Databinding						13:35 – 14:30</a:t>
-            </a:r>
+              <a:t>4. Databinding						14:00 – 14:15</a:t>
+            </a:r>
+          </a:p>
+          <a:p>
+            <a:pPr marL="0" indent="0">
+              <a:buNone/>
+            </a:pPr>
+            <a:r>
+              <a:rPr lang="nl-NL" dirty="0">
+                <a:solidFill>
+                  <a:schemeClr val="accent5">
+                    <a:lumMod val="75000"/>
+                  </a:schemeClr>
+                </a:solidFill>
+              </a:rPr>
+              <a:t>- </a:t>
+            </a:r>
+            <a:r>
+              <a:rPr lang="nl-NL" dirty="0" err="1">
+                <a:solidFill>
+                  <a:schemeClr val="accent5">
+                    <a:lumMod val="75000"/>
+                  </a:schemeClr>
+                </a:solidFill>
+              </a:rPr>
+              <a:t>Exercise</a:t>
+            </a:r>
+            <a:r>
+              <a:rPr lang="nl-NL" dirty="0">
+                <a:solidFill>
+                  <a:schemeClr val="accent5">
+                    <a:lumMod val="75000"/>
+                  </a:schemeClr>
+                </a:solidFill>
+              </a:rPr>
+              <a:t>: databinding		 			14:15 – 14:45</a:t>
+            </a:r>
+          </a:p>
+          <a:p>
+            <a:pPr marL="0" indent="0">
+              <a:buNone/>
+            </a:pPr>
+            <a:r>
+              <a:rPr lang="nl-NL" dirty="0"/>
+              <a:t>5. Event Binding						14:45 – 15:00</a:t>
+            </a:r>
+          </a:p>
+          <a:p>
+            <a:pPr marL="0" indent="0">
+              <a:buNone/>
+            </a:pPr>
+            <a:r>
+              <a:rPr lang="nl-NL" dirty="0">
+                <a:solidFill>
+                  <a:schemeClr val="accent5">
+                    <a:lumMod val="75000"/>
+                  </a:schemeClr>
+                </a:solidFill>
+              </a:rPr>
+              <a:t>- </a:t>
+            </a:r>
+            <a:r>
+              <a:rPr lang="nl-NL" dirty="0" err="1">
+                <a:solidFill>
+                  <a:schemeClr val="accent5">
+                    <a:lumMod val="75000"/>
+                  </a:schemeClr>
+                </a:solidFill>
+              </a:rPr>
+              <a:t>Exercise</a:t>
+            </a:r>
+            <a:r>
+              <a:rPr lang="nl-NL" dirty="0">
+                <a:solidFill>
+                  <a:schemeClr val="accent5">
+                    <a:lumMod val="75000"/>
+                  </a:schemeClr>
+                </a:solidFill>
+              </a:rPr>
+              <a:t>: events		 			15:00 – 15:30</a:t>
+            </a:r>
+          </a:p>
+          <a:p>
+            <a:pPr marL="0" indent="0">
+              <a:buNone/>
+            </a:pPr>
+            <a:r>
+              <a:rPr lang="nl-NL" dirty="0"/>
+              <a:t>6. Output Events					15:30 – 15:45</a:t>
+            </a:r>
+          </a:p>
+          <a:p>
+            <a:pPr marL="0" indent="0">
+              <a:buNone/>
+            </a:pPr>
+            <a:r>
+              <a:rPr lang="nl-NL" dirty="0">
+                <a:solidFill>
+                  <a:schemeClr val="accent5">
+                    <a:lumMod val="75000"/>
+                  </a:schemeClr>
+                </a:solidFill>
+              </a:rPr>
+              <a:t>- </a:t>
+            </a:r>
+            <a:r>
+              <a:rPr lang="nl-NL" dirty="0" err="1">
+                <a:solidFill>
+                  <a:schemeClr val="accent5">
+                    <a:lumMod val="75000"/>
+                  </a:schemeClr>
+                </a:solidFill>
+              </a:rPr>
+              <a:t>Exercise</a:t>
+            </a:r>
+            <a:r>
+              <a:rPr lang="nl-NL" dirty="0">
+                <a:solidFill>
+                  <a:schemeClr val="accent5">
+                    <a:lumMod val="75000"/>
+                  </a:schemeClr>
+                </a:solidFill>
+              </a:rPr>
+              <a:t>: output events	 			15:45 – 16:00</a:t>
+            </a:r>
+          </a:p>
+          <a:p>
+            <a:pPr marL="0" indent="0">
+              <a:buNone/>
+            </a:pPr>
+            <a:endParaRPr lang="nl-NL" dirty="0"/>
+          </a:p>
+          <a:p>
+            <a:pPr marL="0" indent="0">
+              <a:buNone/>
+            </a:pPr>
+            <a:endParaRPr lang="nl-NL" dirty="0"/>
+          </a:p>
+          <a:p>
+            <a:pPr marL="0" indent="0">
+              <a:buNone/>
+            </a:pPr>
+            <a:endParaRPr lang="nl-NL" dirty="0"/>
+          </a:p>
+          <a:p>
+            <a:pPr marL="0" indent="0">
+              <a:buNone/>
+            </a:pPr>
+            <a:endParaRPr lang="nl-NL" dirty="0"/>
           </a:p>
           <a:p>
             <a:pPr marL="514350" indent="-514350">
@@ -5441,6 +9347,1422 @@
     <p:extLst>
       <p:ext uri="{BB962C8B-B14F-4D97-AF65-F5344CB8AC3E}">
         <p14:creationId xmlns:p14="http://schemas.microsoft.com/office/powerpoint/2010/main" val="486384856"/>
+      </p:ext>
+    </p:extLst>
+  </p:cSld>
+  <p:clrMapOvr>
+    <a:masterClrMapping/>
+  </p:clrMapOvr>
+</p:sld>
+</file>
+
+<file path=ppt/slides/slide20.xml><?xml version="1.0" encoding="utf-8"?>
+<p:sld xmlns:a="http://schemas.openxmlformats.org/drawingml/2006/main" xmlns:r="http://schemas.openxmlformats.org/officeDocument/2006/relationships" xmlns:p="http://schemas.openxmlformats.org/presentationml/2006/main">
+  <p:cSld>
+    <p:spTree>
+      <p:nvGrpSpPr>
+        <p:cNvPr id="1" name=""/>
+        <p:cNvGrpSpPr/>
+        <p:nvPr/>
+      </p:nvGrpSpPr>
+      <p:grpSpPr>
+        <a:xfrm>
+          <a:off x="0" y="0"/>
+          <a:ext cx="0" cy="0"/>
+          <a:chOff x="0" y="0"/>
+          <a:chExt cx="0" cy="0"/>
+        </a:xfrm>
+      </p:grpSpPr>
+      <p:sp>
+        <p:nvSpPr>
+          <p:cNvPr id="2" name="Title 1">
+            <a:extLst>
+              <a:ext uri="{FF2B5EF4-FFF2-40B4-BE49-F238E27FC236}">
+                <a16:creationId xmlns:a16="http://schemas.microsoft.com/office/drawing/2014/main" id="{765E9052-C174-42B2-B077-566C29343869}"/>
+              </a:ext>
+            </a:extLst>
+          </p:cNvPr>
+          <p:cNvSpPr>
+            <a:spLocks noGrp="1"/>
+          </p:cNvSpPr>
+          <p:nvPr>
+            <p:ph type="title"/>
+          </p:nvPr>
+        </p:nvSpPr>
+        <p:spPr>
+          <a:xfrm>
+            <a:off x="838200" y="365125"/>
+            <a:ext cx="14607822" cy="2083762"/>
+          </a:xfrm>
+        </p:spPr>
+        <p:txBody>
+          <a:bodyPr/>
+          <a:lstStyle/>
+          <a:p>
+            <a:r>
+              <a:rPr lang="nl-NL" dirty="0"/>
+              <a:t>3. Routing </a:t>
+            </a:r>
+            <a:r>
+              <a:rPr lang="nl-NL" dirty="0" err="1"/>
+              <a:t>to</a:t>
+            </a:r>
+            <a:r>
+              <a:rPr lang="nl-NL" dirty="0"/>
+              <a:t> </a:t>
+            </a:r>
+            <a:r>
+              <a:rPr lang="nl-NL" dirty="0" err="1"/>
+              <a:t>Components</a:t>
+            </a:r>
+            <a:endParaRPr lang="nl-NL" dirty="0"/>
+          </a:p>
+        </p:txBody>
+      </p:sp>
+      <p:sp>
+        <p:nvSpPr>
+          <p:cNvPr id="3" name="Content Placeholder 2">
+            <a:extLst>
+              <a:ext uri="{FF2B5EF4-FFF2-40B4-BE49-F238E27FC236}">
+                <a16:creationId xmlns:a16="http://schemas.microsoft.com/office/drawing/2014/main" id="{FDDA71F0-591D-4267-AEEB-D8672067EEFD}"/>
+              </a:ext>
+            </a:extLst>
+          </p:cNvPr>
+          <p:cNvSpPr>
+            <a:spLocks noGrp="1"/>
+          </p:cNvSpPr>
+          <p:nvPr>
+            <p:ph idx="1"/>
+          </p:nvPr>
+        </p:nvSpPr>
+        <p:spPr/>
+        <p:txBody>
+          <a:bodyPr>
+            <a:normAutofit/>
+          </a:bodyPr>
+          <a:lstStyle/>
+          <a:p>
+            <a:pPr marL="0" indent="0">
+              <a:buNone/>
+            </a:pPr>
+            <a:endParaRPr lang="en-US" sz="4000" dirty="0"/>
+          </a:p>
+          <a:p>
+            <a:pPr marL="0" indent="0">
+              <a:buNone/>
+            </a:pPr>
+            <a:endParaRPr lang="en-US" sz="4000" dirty="0"/>
+          </a:p>
+          <a:p>
+            <a:pPr marL="0" indent="0" algn="ctr">
+              <a:buNone/>
+            </a:pPr>
+            <a:r>
+              <a:rPr lang="en-US" sz="4000" dirty="0"/>
+              <a:t>03_routing_to__page_component</a:t>
+            </a:r>
+          </a:p>
+        </p:txBody>
+      </p:sp>
+    </p:spTree>
+    <p:extLst>
+      <p:ext uri="{BB962C8B-B14F-4D97-AF65-F5344CB8AC3E}">
+        <p14:creationId xmlns:p14="http://schemas.microsoft.com/office/powerpoint/2010/main" val="2981677588"/>
+      </p:ext>
+    </p:extLst>
+  </p:cSld>
+  <p:clrMapOvr>
+    <a:masterClrMapping/>
+  </p:clrMapOvr>
+</p:sld>
+</file>
+
+<file path=ppt/slides/slide21.xml><?xml version="1.0" encoding="utf-8"?>
+<p:sld xmlns:a="http://schemas.openxmlformats.org/drawingml/2006/main" xmlns:r="http://schemas.openxmlformats.org/officeDocument/2006/relationships" xmlns:p="http://schemas.openxmlformats.org/presentationml/2006/main">
+  <p:cSld>
+    <p:spTree>
+      <p:nvGrpSpPr>
+        <p:cNvPr id="1" name=""/>
+        <p:cNvGrpSpPr/>
+        <p:nvPr/>
+      </p:nvGrpSpPr>
+      <p:grpSpPr>
+        <a:xfrm>
+          <a:off x="0" y="0"/>
+          <a:ext cx="0" cy="0"/>
+          <a:chOff x="0" y="0"/>
+          <a:chExt cx="0" cy="0"/>
+        </a:xfrm>
+      </p:grpSpPr>
+      <p:sp>
+        <p:nvSpPr>
+          <p:cNvPr id="2" name="Title 1">
+            <a:extLst>
+              <a:ext uri="{FF2B5EF4-FFF2-40B4-BE49-F238E27FC236}">
+                <a16:creationId xmlns:a16="http://schemas.microsoft.com/office/drawing/2014/main" id="{765E9052-C174-42B2-B077-566C29343869}"/>
+              </a:ext>
+            </a:extLst>
+          </p:cNvPr>
+          <p:cNvSpPr>
+            <a:spLocks noGrp="1"/>
+          </p:cNvSpPr>
+          <p:nvPr>
+            <p:ph type="title"/>
+          </p:nvPr>
+        </p:nvSpPr>
+        <p:spPr/>
+        <p:txBody>
+          <a:bodyPr/>
+          <a:lstStyle/>
+          <a:p>
+            <a:r>
+              <a:rPr lang="nl-NL" dirty="0"/>
+              <a:t>4. </a:t>
+            </a:r>
+            <a:r>
+              <a:rPr lang="nl-NL"/>
+              <a:t>Data binding</a:t>
+            </a:r>
+            <a:endParaRPr lang="nl-NL" dirty="0"/>
+          </a:p>
+        </p:txBody>
+      </p:sp>
+      <p:sp>
+        <p:nvSpPr>
+          <p:cNvPr id="5" name="Content Placeholder 4">
+            <a:extLst>
+              <a:ext uri="{FF2B5EF4-FFF2-40B4-BE49-F238E27FC236}">
+                <a16:creationId xmlns:a16="http://schemas.microsoft.com/office/drawing/2014/main" id="{2A8286F7-F8F9-400E-A744-E3E496224C9D}"/>
+              </a:ext>
+            </a:extLst>
+          </p:cNvPr>
+          <p:cNvSpPr>
+            <a:spLocks noGrp="1"/>
+          </p:cNvSpPr>
+          <p:nvPr>
+            <p:ph idx="1"/>
+          </p:nvPr>
+        </p:nvSpPr>
+        <p:spPr>
+          <a:xfrm>
+            <a:off x="727075" y="1690688"/>
+            <a:ext cx="10515600" cy="4351337"/>
+          </a:xfrm>
+          <a:prstGeom prst="rect">
+            <a:avLst/>
+          </a:prstGeom>
+          <a:solidFill>
+            <a:schemeClr val="bg1"/>
+          </a:solidFill>
+          <a:ln>
+            <a:noFill/>
+          </a:ln>
+          <a:effectLst>
+            <a:outerShdw blurRad="50800" dist="25400" dir="2700000" algn="tl" rotWithShape="0">
+              <a:prstClr val="black">
+                <a:alpha val="40000"/>
+              </a:prstClr>
+            </a:outerShdw>
+          </a:effectLst>
+        </p:spPr>
+        <p:style>
+          <a:lnRef idx="2">
+            <a:schemeClr val="accent1">
+              <a:shade val="50000"/>
+            </a:schemeClr>
+          </a:lnRef>
+          <a:fillRef idx="1">
+            <a:schemeClr val="accent1"/>
+          </a:fillRef>
+          <a:effectRef idx="0">
+            <a:schemeClr val="accent1"/>
+          </a:effectRef>
+          <a:fontRef idx="minor">
+            <a:schemeClr val="lt1"/>
+          </a:fontRef>
+        </p:style>
+        <p:txBody>
+          <a:bodyPr rtlCol="0" anchor="ctr"/>
+          <a:lstStyle/>
+          <a:p>
+            <a:endParaRPr lang="en-US" dirty="0"/>
+          </a:p>
+        </p:txBody>
+      </p:sp>
+      <p:pic>
+        <p:nvPicPr>
+          <p:cNvPr id="3" name="Picture 2">
+            <a:extLst>
+              <a:ext uri="{FF2B5EF4-FFF2-40B4-BE49-F238E27FC236}">
+                <a16:creationId xmlns:a16="http://schemas.microsoft.com/office/drawing/2014/main" id="{3EED19E3-76AC-4B87-8D40-A922526849E9}"/>
+              </a:ext>
+            </a:extLst>
+          </p:cNvPr>
+          <p:cNvPicPr>
+            <a:picLocks noChangeAspect="1"/>
+          </p:cNvPicPr>
+          <p:nvPr/>
+        </p:nvPicPr>
+        <p:blipFill>
+          <a:blip r:embed="rId3"/>
+          <a:stretch>
+            <a:fillRect/>
+          </a:stretch>
+        </p:blipFill>
+        <p:spPr>
+          <a:xfrm>
+            <a:off x="2307712" y="1942037"/>
+            <a:ext cx="7354326" cy="3848637"/>
+          </a:xfrm>
+          <a:prstGeom prst="rect">
+            <a:avLst/>
+          </a:prstGeom>
+        </p:spPr>
+      </p:pic>
+    </p:spTree>
+    <p:extLst>
+      <p:ext uri="{BB962C8B-B14F-4D97-AF65-F5344CB8AC3E}">
+        <p14:creationId xmlns:p14="http://schemas.microsoft.com/office/powerpoint/2010/main" val="2477659683"/>
+      </p:ext>
+    </p:extLst>
+  </p:cSld>
+  <p:clrMapOvr>
+    <a:masterClrMapping/>
+  </p:clrMapOvr>
+</p:sld>
+</file>
+
+<file path=ppt/slides/slide22.xml><?xml version="1.0" encoding="utf-8"?>
+<p:sld xmlns:a="http://schemas.openxmlformats.org/drawingml/2006/main" xmlns:r="http://schemas.openxmlformats.org/officeDocument/2006/relationships" xmlns:p="http://schemas.openxmlformats.org/presentationml/2006/main">
+  <p:cSld>
+    <p:spTree>
+      <p:nvGrpSpPr>
+        <p:cNvPr id="1" name=""/>
+        <p:cNvGrpSpPr/>
+        <p:nvPr/>
+      </p:nvGrpSpPr>
+      <p:grpSpPr>
+        <a:xfrm>
+          <a:off x="0" y="0"/>
+          <a:ext cx="0" cy="0"/>
+          <a:chOff x="0" y="0"/>
+          <a:chExt cx="0" cy="0"/>
+        </a:xfrm>
+      </p:grpSpPr>
+      <p:sp>
+        <p:nvSpPr>
+          <p:cNvPr id="2" name="Title 1">
+            <a:extLst>
+              <a:ext uri="{FF2B5EF4-FFF2-40B4-BE49-F238E27FC236}">
+                <a16:creationId xmlns:a16="http://schemas.microsoft.com/office/drawing/2014/main" id="{765E9052-C174-42B2-B077-566C29343869}"/>
+              </a:ext>
+            </a:extLst>
+          </p:cNvPr>
+          <p:cNvSpPr>
+            <a:spLocks noGrp="1"/>
+          </p:cNvSpPr>
+          <p:nvPr>
+            <p:ph type="title"/>
+          </p:nvPr>
+        </p:nvSpPr>
+        <p:spPr/>
+        <p:txBody>
+          <a:bodyPr/>
+          <a:lstStyle/>
+          <a:p>
+            <a:r>
+              <a:rPr lang="nl-NL" dirty="0"/>
+              <a:t>4. Data binding</a:t>
+            </a:r>
+          </a:p>
+        </p:txBody>
+      </p:sp>
+      <p:pic>
+        <p:nvPicPr>
+          <p:cNvPr id="2052" name="Picture 4" descr="Data Binding">
+            <a:extLst>
+              <a:ext uri="{FF2B5EF4-FFF2-40B4-BE49-F238E27FC236}">
+                <a16:creationId xmlns:a16="http://schemas.microsoft.com/office/drawing/2014/main" id="{71987B95-65AA-420F-80B9-7D80184A8CCD}"/>
+              </a:ext>
+            </a:extLst>
+          </p:cNvPr>
+          <p:cNvPicPr>
+            <a:picLocks noGrp="1" noChangeAspect="1" noChangeArrowheads="1"/>
+          </p:cNvPicPr>
+          <p:nvPr>
+            <p:ph idx="1"/>
+          </p:nvPr>
+        </p:nvPicPr>
+        <p:blipFill>
+          <a:blip r:embed="rId3">
+            <a:extLst>
+              <a:ext uri="{28A0092B-C50C-407E-A947-70E740481C1C}">
+                <a14:useLocalDpi xmlns:a14="http://schemas.microsoft.com/office/drawing/2010/main" val="0"/>
+              </a:ext>
+            </a:extLst>
+          </a:blip>
+          <a:srcRect/>
+          <a:stretch>
+            <a:fillRect/>
+          </a:stretch>
+        </p:blipFill>
+        <p:spPr bwMode="auto">
+          <a:xfrm>
+            <a:off x="3730753" y="1818849"/>
+            <a:ext cx="4248356" cy="3958696"/>
+          </a:xfrm>
+          <a:prstGeom prst="rect">
+            <a:avLst/>
+          </a:prstGeom>
+          <a:noFill/>
+          <a:extLst>
+            <a:ext uri="{909E8E84-426E-40DD-AFC4-6F175D3DCCD1}">
+              <a14:hiddenFill xmlns:a14="http://schemas.microsoft.com/office/drawing/2010/main">
+                <a:solidFill>
+                  <a:srgbClr val="FFFFFF"/>
+                </a:solidFill>
+              </a14:hiddenFill>
+            </a:ext>
+          </a:extLst>
+        </p:spPr>
+      </p:pic>
+    </p:spTree>
+    <p:extLst>
+      <p:ext uri="{BB962C8B-B14F-4D97-AF65-F5344CB8AC3E}">
+        <p14:creationId xmlns:p14="http://schemas.microsoft.com/office/powerpoint/2010/main" val="2053583640"/>
+      </p:ext>
+    </p:extLst>
+  </p:cSld>
+  <p:clrMapOvr>
+    <a:masterClrMapping/>
+  </p:clrMapOvr>
+</p:sld>
+</file>
+
+<file path=ppt/slides/slide23.xml><?xml version="1.0" encoding="utf-8"?>
+<p:sld xmlns:a="http://schemas.openxmlformats.org/drawingml/2006/main" xmlns:r="http://schemas.openxmlformats.org/officeDocument/2006/relationships" xmlns:p="http://schemas.openxmlformats.org/presentationml/2006/main">
+  <p:cSld>
+    <p:spTree>
+      <p:nvGrpSpPr>
+        <p:cNvPr id="1" name=""/>
+        <p:cNvGrpSpPr/>
+        <p:nvPr/>
+      </p:nvGrpSpPr>
+      <p:grpSpPr>
+        <a:xfrm>
+          <a:off x="0" y="0"/>
+          <a:ext cx="0" cy="0"/>
+          <a:chOff x="0" y="0"/>
+          <a:chExt cx="0" cy="0"/>
+        </a:xfrm>
+      </p:grpSpPr>
+      <p:sp>
+        <p:nvSpPr>
+          <p:cNvPr id="2" name="Title 1">
+            <a:extLst>
+              <a:ext uri="{FF2B5EF4-FFF2-40B4-BE49-F238E27FC236}">
+                <a16:creationId xmlns:a16="http://schemas.microsoft.com/office/drawing/2014/main" id="{765E9052-C174-42B2-B077-566C29343869}"/>
+              </a:ext>
+            </a:extLst>
+          </p:cNvPr>
+          <p:cNvSpPr>
+            <a:spLocks noGrp="1"/>
+          </p:cNvSpPr>
+          <p:nvPr>
+            <p:ph type="title"/>
+          </p:nvPr>
+        </p:nvSpPr>
+        <p:spPr/>
+        <p:txBody>
+          <a:bodyPr/>
+          <a:lstStyle/>
+          <a:p>
+            <a:r>
+              <a:rPr lang="nl-NL" dirty="0"/>
+              <a:t>4. Data binding</a:t>
+            </a:r>
+          </a:p>
+        </p:txBody>
+      </p:sp>
+      <p:sp>
+        <p:nvSpPr>
+          <p:cNvPr id="3" name="Content Placeholder 2">
+            <a:extLst>
+              <a:ext uri="{FF2B5EF4-FFF2-40B4-BE49-F238E27FC236}">
+                <a16:creationId xmlns:a16="http://schemas.microsoft.com/office/drawing/2014/main" id="{75C3B3EB-1C9A-4761-9EFE-CC89C7CD1583}"/>
+              </a:ext>
+            </a:extLst>
+          </p:cNvPr>
+          <p:cNvSpPr>
+            <a:spLocks noGrp="1"/>
+          </p:cNvSpPr>
+          <p:nvPr>
+            <p:ph idx="1"/>
+          </p:nvPr>
+        </p:nvSpPr>
+        <p:spPr/>
+        <p:txBody>
+          <a:bodyPr/>
+          <a:lstStyle/>
+          <a:p>
+            <a:endParaRPr lang="en-US"/>
+          </a:p>
+        </p:txBody>
+      </p:sp>
+      <p:pic>
+        <p:nvPicPr>
+          <p:cNvPr id="4" name="Picture 3">
+            <a:extLst>
+              <a:ext uri="{FF2B5EF4-FFF2-40B4-BE49-F238E27FC236}">
+                <a16:creationId xmlns:a16="http://schemas.microsoft.com/office/drawing/2014/main" id="{A2A1D08F-DE3F-4D6F-BCDD-0683FF743C8A}"/>
+              </a:ext>
+            </a:extLst>
+          </p:cNvPr>
+          <p:cNvPicPr>
+            <a:picLocks noChangeAspect="1"/>
+          </p:cNvPicPr>
+          <p:nvPr/>
+        </p:nvPicPr>
+        <p:blipFill>
+          <a:blip r:embed="rId3"/>
+          <a:stretch>
+            <a:fillRect/>
+          </a:stretch>
+        </p:blipFill>
+        <p:spPr>
+          <a:xfrm>
+            <a:off x="1871073" y="1514922"/>
+            <a:ext cx="8449854" cy="4972744"/>
+          </a:xfrm>
+          <a:prstGeom prst="rect">
+            <a:avLst/>
+          </a:prstGeom>
+        </p:spPr>
+      </p:pic>
+    </p:spTree>
+    <p:extLst>
+      <p:ext uri="{BB962C8B-B14F-4D97-AF65-F5344CB8AC3E}">
+        <p14:creationId xmlns:p14="http://schemas.microsoft.com/office/powerpoint/2010/main" val="163989189"/>
+      </p:ext>
+    </p:extLst>
+  </p:cSld>
+  <p:clrMapOvr>
+    <a:masterClrMapping/>
+  </p:clrMapOvr>
+</p:sld>
+</file>
+
+<file path=ppt/slides/slide24.xml><?xml version="1.0" encoding="utf-8"?>
+<p:sld xmlns:a="http://schemas.openxmlformats.org/drawingml/2006/main" xmlns:r="http://schemas.openxmlformats.org/officeDocument/2006/relationships" xmlns:p="http://schemas.openxmlformats.org/presentationml/2006/main">
+  <p:cSld>
+    <p:spTree>
+      <p:nvGrpSpPr>
+        <p:cNvPr id="1" name=""/>
+        <p:cNvGrpSpPr/>
+        <p:nvPr/>
+      </p:nvGrpSpPr>
+      <p:grpSpPr>
+        <a:xfrm>
+          <a:off x="0" y="0"/>
+          <a:ext cx="0" cy="0"/>
+          <a:chOff x="0" y="0"/>
+          <a:chExt cx="0" cy="0"/>
+        </a:xfrm>
+      </p:grpSpPr>
+      <p:sp>
+        <p:nvSpPr>
+          <p:cNvPr id="2" name="Title 1">
+            <a:extLst>
+              <a:ext uri="{FF2B5EF4-FFF2-40B4-BE49-F238E27FC236}">
+                <a16:creationId xmlns:a16="http://schemas.microsoft.com/office/drawing/2014/main" id="{765E9052-C174-42B2-B077-566C29343869}"/>
+              </a:ext>
+            </a:extLst>
+          </p:cNvPr>
+          <p:cNvSpPr>
+            <a:spLocks noGrp="1"/>
+          </p:cNvSpPr>
+          <p:nvPr>
+            <p:ph type="title"/>
+          </p:nvPr>
+        </p:nvSpPr>
+        <p:spPr/>
+        <p:txBody>
+          <a:bodyPr/>
+          <a:lstStyle/>
+          <a:p>
+            <a:r>
+              <a:rPr lang="nl-NL" dirty="0"/>
+              <a:t>4. </a:t>
+            </a:r>
+            <a:r>
+              <a:rPr lang="nl-NL" dirty="0" err="1"/>
+              <a:t>Excercise</a:t>
+            </a:r>
+            <a:r>
+              <a:rPr lang="nl-NL" dirty="0"/>
+              <a:t> </a:t>
+            </a:r>
+            <a:r>
+              <a:rPr lang="nl-NL" dirty="0" err="1"/>
+              <a:t>Create</a:t>
+            </a:r>
+            <a:r>
+              <a:rPr lang="nl-NL" dirty="0"/>
+              <a:t> Component &amp; Databinding: </a:t>
+            </a:r>
+          </a:p>
+        </p:txBody>
+      </p:sp>
+      <p:sp>
+        <p:nvSpPr>
+          <p:cNvPr id="5" name="Content Placeholder 4">
+            <a:extLst>
+              <a:ext uri="{FF2B5EF4-FFF2-40B4-BE49-F238E27FC236}">
+                <a16:creationId xmlns:a16="http://schemas.microsoft.com/office/drawing/2014/main" id="{2A8286F7-F8F9-400E-A744-E3E496224C9D}"/>
+              </a:ext>
+            </a:extLst>
+          </p:cNvPr>
+          <p:cNvSpPr>
+            <a:spLocks noGrp="1"/>
+          </p:cNvSpPr>
+          <p:nvPr>
+            <p:ph idx="1"/>
+          </p:nvPr>
+        </p:nvSpPr>
+        <p:spPr>
+          <a:xfrm>
+            <a:off x="727075" y="1690688"/>
+            <a:ext cx="10515600" cy="4351337"/>
+          </a:xfrm>
+          <a:prstGeom prst="rect">
+            <a:avLst/>
+          </a:prstGeom>
+          <a:solidFill>
+            <a:schemeClr val="bg1"/>
+          </a:solidFill>
+          <a:ln>
+            <a:noFill/>
+          </a:ln>
+          <a:effectLst>
+            <a:outerShdw blurRad="50800" dist="25400" dir="2700000" algn="tl" rotWithShape="0">
+              <a:prstClr val="black">
+                <a:alpha val="40000"/>
+              </a:prstClr>
+            </a:outerShdw>
+          </a:effectLst>
+        </p:spPr>
+        <p:style>
+          <a:lnRef idx="2">
+            <a:schemeClr val="accent1">
+              <a:shade val="50000"/>
+            </a:schemeClr>
+          </a:lnRef>
+          <a:fillRef idx="1">
+            <a:schemeClr val="accent1"/>
+          </a:fillRef>
+          <a:effectRef idx="0">
+            <a:schemeClr val="accent1"/>
+          </a:effectRef>
+          <a:fontRef idx="minor">
+            <a:schemeClr val="lt1"/>
+          </a:fontRef>
+        </p:style>
+        <p:txBody>
+          <a:bodyPr rtlCol="0" anchor="ctr">
+            <a:normAutofit/>
+          </a:bodyPr>
+          <a:lstStyle/>
+          <a:p>
+            <a:pPr marL="0" indent="0" algn="ctr">
+              <a:buNone/>
+            </a:pPr>
+            <a:r>
+              <a:rPr lang="en-US" sz="4000" dirty="0">
+                <a:solidFill>
+                  <a:schemeClr val="tx1"/>
+                </a:solidFill>
+              </a:rPr>
+              <a:t>04_creating_component_and_databinding</a:t>
+            </a:r>
+          </a:p>
+        </p:txBody>
+      </p:sp>
+    </p:spTree>
+    <p:extLst>
+      <p:ext uri="{BB962C8B-B14F-4D97-AF65-F5344CB8AC3E}">
+        <p14:creationId xmlns:p14="http://schemas.microsoft.com/office/powerpoint/2010/main" val="2358940227"/>
+      </p:ext>
+    </p:extLst>
+  </p:cSld>
+  <p:clrMapOvr>
+    <a:masterClrMapping/>
+  </p:clrMapOvr>
+</p:sld>
+</file>
+
+<file path=ppt/slides/slide25.xml><?xml version="1.0" encoding="utf-8"?>
+<p:sld xmlns:a="http://schemas.openxmlformats.org/drawingml/2006/main" xmlns:r="http://schemas.openxmlformats.org/officeDocument/2006/relationships" xmlns:p="http://schemas.openxmlformats.org/presentationml/2006/main">
+  <p:cSld>
+    <p:spTree>
+      <p:nvGrpSpPr>
+        <p:cNvPr id="1" name=""/>
+        <p:cNvGrpSpPr/>
+        <p:nvPr/>
+      </p:nvGrpSpPr>
+      <p:grpSpPr>
+        <a:xfrm>
+          <a:off x="0" y="0"/>
+          <a:ext cx="0" cy="0"/>
+          <a:chOff x="0" y="0"/>
+          <a:chExt cx="0" cy="0"/>
+        </a:xfrm>
+      </p:grpSpPr>
+      <p:sp>
+        <p:nvSpPr>
+          <p:cNvPr id="2" name="Title 1">
+            <a:extLst>
+              <a:ext uri="{FF2B5EF4-FFF2-40B4-BE49-F238E27FC236}">
+                <a16:creationId xmlns:a16="http://schemas.microsoft.com/office/drawing/2014/main" id="{765E9052-C174-42B2-B077-566C29343869}"/>
+              </a:ext>
+            </a:extLst>
+          </p:cNvPr>
+          <p:cNvSpPr>
+            <a:spLocks noGrp="1"/>
+          </p:cNvSpPr>
+          <p:nvPr>
+            <p:ph type="title"/>
+          </p:nvPr>
+        </p:nvSpPr>
+        <p:spPr/>
+        <p:txBody>
+          <a:bodyPr/>
+          <a:lstStyle/>
+          <a:p>
+            <a:r>
+              <a:rPr lang="nl-NL" dirty="0"/>
+              <a:t>5. Event Binding</a:t>
+            </a:r>
+          </a:p>
+        </p:txBody>
+      </p:sp>
+      <p:sp>
+        <p:nvSpPr>
+          <p:cNvPr id="5" name="Content Placeholder 4">
+            <a:extLst>
+              <a:ext uri="{FF2B5EF4-FFF2-40B4-BE49-F238E27FC236}">
+                <a16:creationId xmlns:a16="http://schemas.microsoft.com/office/drawing/2014/main" id="{2A8286F7-F8F9-400E-A744-E3E496224C9D}"/>
+              </a:ext>
+            </a:extLst>
+          </p:cNvPr>
+          <p:cNvSpPr>
+            <a:spLocks noGrp="1"/>
+          </p:cNvSpPr>
+          <p:nvPr>
+            <p:ph idx="1"/>
+          </p:nvPr>
+        </p:nvSpPr>
+        <p:spPr>
+          <a:xfrm>
+            <a:off x="727075" y="1690688"/>
+            <a:ext cx="10515600" cy="4351337"/>
+          </a:xfrm>
+          <a:prstGeom prst="rect">
+            <a:avLst/>
+          </a:prstGeom>
+          <a:solidFill>
+            <a:schemeClr val="bg1"/>
+          </a:solidFill>
+          <a:ln>
+            <a:noFill/>
+          </a:ln>
+          <a:effectLst>
+            <a:outerShdw blurRad="50800" dist="25400" dir="2700000" algn="tl" rotWithShape="0">
+              <a:prstClr val="black">
+                <a:alpha val="40000"/>
+              </a:prstClr>
+            </a:outerShdw>
+          </a:effectLst>
+        </p:spPr>
+        <p:style>
+          <a:lnRef idx="2">
+            <a:schemeClr val="accent1">
+              <a:shade val="50000"/>
+            </a:schemeClr>
+          </a:lnRef>
+          <a:fillRef idx="1">
+            <a:schemeClr val="accent1"/>
+          </a:fillRef>
+          <a:effectRef idx="0">
+            <a:schemeClr val="accent1"/>
+          </a:effectRef>
+          <a:fontRef idx="minor">
+            <a:schemeClr val="lt1"/>
+          </a:fontRef>
+        </p:style>
+        <p:txBody>
+          <a:bodyPr rtlCol="0" anchor="ctr">
+            <a:normAutofit/>
+          </a:bodyPr>
+          <a:lstStyle/>
+          <a:p>
+            <a:pPr marL="0" indent="0" algn="ctr">
+              <a:buNone/>
+            </a:pPr>
+            <a:endParaRPr lang="en-US" sz="4000" dirty="0">
+              <a:solidFill>
+                <a:schemeClr val="tx1"/>
+              </a:solidFill>
+            </a:endParaRPr>
+          </a:p>
+        </p:txBody>
+      </p:sp>
+      <p:pic>
+        <p:nvPicPr>
+          <p:cNvPr id="3" name="Picture 2">
+            <a:extLst>
+              <a:ext uri="{FF2B5EF4-FFF2-40B4-BE49-F238E27FC236}">
+                <a16:creationId xmlns:a16="http://schemas.microsoft.com/office/drawing/2014/main" id="{E61AB93E-973C-4DC9-94D3-920179878C26}"/>
+              </a:ext>
+            </a:extLst>
+          </p:cNvPr>
+          <p:cNvPicPr>
+            <a:picLocks noChangeAspect="1"/>
+          </p:cNvPicPr>
+          <p:nvPr/>
+        </p:nvPicPr>
+        <p:blipFill>
+          <a:blip r:embed="rId3"/>
+          <a:stretch>
+            <a:fillRect/>
+          </a:stretch>
+        </p:blipFill>
+        <p:spPr>
+          <a:xfrm>
+            <a:off x="1602326" y="2633472"/>
+            <a:ext cx="8987348" cy="1852122"/>
+          </a:xfrm>
+          <a:prstGeom prst="rect">
+            <a:avLst/>
+          </a:prstGeom>
+        </p:spPr>
+      </p:pic>
+    </p:spTree>
+    <p:extLst>
+      <p:ext uri="{BB962C8B-B14F-4D97-AF65-F5344CB8AC3E}">
+        <p14:creationId xmlns:p14="http://schemas.microsoft.com/office/powerpoint/2010/main" val="829577463"/>
+      </p:ext>
+    </p:extLst>
+  </p:cSld>
+  <p:clrMapOvr>
+    <a:masterClrMapping/>
+  </p:clrMapOvr>
+</p:sld>
+</file>
+
+<file path=ppt/slides/slide26.xml><?xml version="1.0" encoding="utf-8"?>
+<p:sld xmlns:a="http://schemas.openxmlformats.org/drawingml/2006/main" xmlns:r="http://schemas.openxmlformats.org/officeDocument/2006/relationships" xmlns:p="http://schemas.openxmlformats.org/presentationml/2006/main">
+  <p:cSld>
+    <p:spTree>
+      <p:nvGrpSpPr>
+        <p:cNvPr id="1" name=""/>
+        <p:cNvGrpSpPr/>
+        <p:nvPr/>
+      </p:nvGrpSpPr>
+      <p:grpSpPr>
+        <a:xfrm>
+          <a:off x="0" y="0"/>
+          <a:ext cx="0" cy="0"/>
+          <a:chOff x="0" y="0"/>
+          <a:chExt cx="0" cy="0"/>
+        </a:xfrm>
+      </p:grpSpPr>
+      <p:sp>
+        <p:nvSpPr>
+          <p:cNvPr id="2" name="Title 1">
+            <a:extLst>
+              <a:ext uri="{FF2B5EF4-FFF2-40B4-BE49-F238E27FC236}">
+                <a16:creationId xmlns:a16="http://schemas.microsoft.com/office/drawing/2014/main" id="{765E9052-C174-42B2-B077-566C29343869}"/>
+              </a:ext>
+            </a:extLst>
+          </p:cNvPr>
+          <p:cNvSpPr>
+            <a:spLocks noGrp="1"/>
+          </p:cNvSpPr>
+          <p:nvPr>
+            <p:ph type="title"/>
+          </p:nvPr>
+        </p:nvSpPr>
+        <p:spPr/>
+        <p:txBody>
+          <a:bodyPr/>
+          <a:lstStyle/>
+          <a:p>
+            <a:r>
+              <a:rPr lang="nl-NL" dirty="0"/>
+              <a:t>5. Event Binding</a:t>
+            </a:r>
+          </a:p>
+        </p:txBody>
+      </p:sp>
+      <p:sp>
+        <p:nvSpPr>
+          <p:cNvPr id="5" name="Content Placeholder 4">
+            <a:extLst>
+              <a:ext uri="{FF2B5EF4-FFF2-40B4-BE49-F238E27FC236}">
+                <a16:creationId xmlns:a16="http://schemas.microsoft.com/office/drawing/2014/main" id="{2A8286F7-F8F9-400E-A744-E3E496224C9D}"/>
+              </a:ext>
+            </a:extLst>
+          </p:cNvPr>
+          <p:cNvSpPr>
+            <a:spLocks noGrp="1"/>
+          </p:cNvSpPr>
+          <p:nvPr>
+            <p:ph idx="1"/>
+          </p:nvPr>
+        </p:nvSpPr>
+        <p:spPr>
+          <a:xfrm>
+            <a:off x="727075" y="1690688"/>
+            <a:ext cx="10515600" cy="4351337"/>
+          </a:xfrm>
+          <a:prstGeom prst="rect">
+            <a:avLst/>
+          </a:prstGeom>
+          <a:solidFill>
+            <a:schemeClr val="bg1"/>
+          </a:solidFill>
+          <a:ln>
+            <a:noFill/>
+          </a:ln>
+          <a:effectLst>
+            <a:outerShdw blurRad="50800" dist="25400" dir="2700000" algn="tl" rotWithShape="0">
+              <a:prstClr val="black">
+                <a:alpha val="40000"/>
+              </a:prstClr>
+            </a:outerShdw>
+          </a:effectLst>
+        </p:spPr>
+        <p:style>
+          <a:lnRef idx="2">
+            <a:schemeClr val="accent1">
+              <a:shade val="50000"/>
+            </a:schemeClr>
+          </a:lnRef>
+          <a:fillRef idx="1">
+            <a:schemeClr val="accent1"/>
+          </a:fillRef>
+          <a:effectRef idx="0">
+            <a:schemeClr val="accent1"/>
+          </a:effectRef>
+          <a:fontRef idx="minor">
+            <a:schemeClr val="lt1"/>
+          </a:fontRef>
+        </p:style>
+        <p:txBody>
+          <a:bodyPr rtlCol="0" anchor="ctr">
+            <a:normAutofit/>
+          </a:bodyPr>
+          <a:lstStyle/>
+          <a:p>
+            <a:pPr marL="0" indent="0" algn="ctr">
+              <a:buNone/>
+            </a:pPr>
+            <a:endParaRPr lang="en-US" sz="4000" dirty="0">
+              <a:solidFill>
+                <a:schemeClr val="tx1"/>
+              </a:solidFill>
+            </a:endParaRPr>
+          </a:p>
+        </p:txBody>
+      </p:sp>
+      <p:pic>
+        <p:nvPicPr>
+          <p:cNvPr id="7" name="Picture 6">
+            <a:extLst>
+              <a:ext uri="{FF2B5EF4-FFF2-40B4-BE49-F238E27FC236}">
+                <a16:creationId xmlns:a16="http://schemas.microsoft.com/office/drawing/2014/main" id="{6B2CFCAE-1FBB-48E6-B5DC-2908D713EADB}"/>
+              </a:ext>
+            </a:extLst>
+          </p:cNvPr>
+          <p:cNvPicPr>
+            <a:picLocks noChangeAspect="1"/>
+          </p:cNvPicPr>
+          <p:nvPr/>
+        </p:nvPicPr>
+        <p:blipFill>
+          <a:blip r:embed="rId3"/>
+          <a:stretch>
+            <a:fillRect/>
+          </a:stretch>
+        </p:blipFill>
+        <p:spPr>
+          <a:xfrm>
+            <a:off x="1547131" y="3016251"/>
+            <a:ext cx="9486630" cy="1558378"/>
+          </a:xfrm>
+          <a:prstGeom prst="rect">
+            <a:avLst/>
+          </a:prstGeom>
+        </p:spPr>
+      </p:pic>
+    </p:spTree>
+    <p:extLst>
+      <p:ext uri="{BB962C8B-B14F-4D97-AF65-F5344CB8AC3E}">
+        <p14:creationId xmlns:p14="http://schemas.microsoft.com/office/powerpoint/2010/main" val="246311446"/>
+      </p:ext>
+    </p:extLst>
+  </p:cSld>
+  <p:clrMapOvr>
+    <a:masterClrMapping/>
+  </p:clrMapOvr>
+</p:sld>
+</file>
+
+<file path=ppt/slides/slide27.xml><?xml version="1.0" encoding="utf-8"?>
+<p:sld xmlns:a="http://schemas.openxmlformats.org/drawingml/2006/main" xmlns:r="http://schemas.openxmlformats.org/officeDocument/2006/relationships" xmlns:p="http://schemas.openxmlformats.org/presentationml/2006/main">
+  <p:cSld>
+    <p:spTree>
+      <p:nvGrpSpPr>
+        <p:cNvPr id="1" name=""/>
+        <p:cNvGrpSpPr/>
+        <p:nvPr/>
+      </p:nvGrpSpPr>
+      <p:grpSpPr>
+        <a:xfrm>
+          <a:off x="0" y="0"/>
+          <a:ext cx="0" cy="0"/>
+          <a:chOff x="0" y="0"/>
+          <a:chExt cx="0" cy="0"/>
+        </a:xfrm>
+      </p:grpSpPr>
+      <p:sp>
+        <p:nvSpPr>
+          <p:cNvPr id="2" name="Title 1">
+            <a:extLst>
+              <a:ext uri="{FF2B5EF4-FFF2-40B4-BE49-F238E27FC236}">
+                <a16:creationId xmlns:a16="http://schemas.microsoft.com/office/drawing/2014/main" id="{765E9052-C174-42B2-B077-566C29343869}"/>
+              </a:ext>
+            </a:extLst>
+          </p:cNvPr>
+          <p:cNvSpPr>
+            <a:spLocks noGrp="1"/>
+          </p:cNvSpPr>
+          <p:nvPr>
+            <p:ph type="title"/>
+          </p:nvPr>
+        </p:nvSpPr>
+        <p:spPr/>
+        <p:txBody>
+          <a:bodyPr/>
+          <a:lstStyle/>
+          <a:p>
+            <a:r>
+              <a:rPr lang="nl-NL" dirty="0"/>
+              <a:t>5. </a:t>
+            </a:r>
+            <a:r>
+              <a:rPr lang="nl-NL" dirty="0" err="1"/>
+              <a:t>Excercise</a:t>
+            </a:r>
+            <a:r>
+              <a:rPr lang="nl-NL" dirty="0"/>
+              <a:t>: Event Binding</a:t>
+            </a:r>
+          </a:p>
+        </p:txBody>
+      </p:sp>
+      <p:sp>
+        <p:nvSpPr>
+          <p:cNvPr id="5" name="Content Placeholder 4">
+            <a:extLst>
+              <a:ext uri="{FF2B5EF4-FFF2-40B4-BE49-F238E27FC236}">
+                <a16:creationId xmlns:a16="http://schemas.microsoft.com/office/drawing/2014/main" id="{2A8286F7-F8F9-400E-A744-E3E496224C9D}"/>
+              </a:ext>
+            </a:extLst>
+          </p:cNvPr>
+          <p:cNvSpPr>
+            <a:spLocks noGrp="1"/>
+          </p:cNvSpPr>
+          <p:nvPr>
+            <p:ph idx="1"/>
+          </p:nvPr>
+        </p:nvSpPr>
+        <p:spPr>
+          <a:xfrm>
+            <a:off x="727075" y="1690688"/>
+            <a:ext cx="10515600" cy="4351337"/>
+          </a:xfrm>
+          <a:prstGeom prst="rect">
+            <a:avLst/>
+          </a:prstGeom>
+          <a:solidFill>
+            <a:schemeClr val="bg1"/>
+          </a:solidFill>
+          <a:ln>
+            <a:noFill/>
+          </a:ln>
+          <a:effectLst>
+            <a:outerShdw blurRad="50800" dist="25400" dir="2700000" algn="tl" rotWithShape="0">
+              <a:prstClr val="black">
+                <a:alpha val="40000"/>
+              </a:prstClr>
+            </a:outerShdw>
+          </a:effectLst>
+        </p:spPr>
+        <p:style>
+          <a:lnRef idx="2">
+            <a:schemeClr val="accent1">
+              <a:shade val="50000"/>
+            </a:schemeClr>
+          </a:lnRef>
+          <a:fillRef idx="1">
+            <a:schemeClr val="accent1"/>
+          </a:fillRef>
+          <a:effectRef idx="0">
+            <a:schemeClr val="accent1"/>
+          </a:effectRef>
+          <a:fontRef idx="minor">
+            <a:schemeClr val="lt1"/>
+          </a:fontRef>
+        </p:style>
+        <p:txBody>
+          <a:bodyPr rtlCol="0" anchor="ctr">
+            <a:normAutofit/>
+          </a:bodyPr>
+          <a:lstStyle/>
+          <a:p>
+            <a:pPr marL="0" indent="0" algn="ctr">
+              <a:buNone/>
+            </a:pPr>
+            <a:endParaRPr lang="en-US" sz="4000" dirty="0">
+              <a:solidFill>
+                <a:schemeClr val="tx1"/>
+              </a:solidFill>
+            </a:endParaRPr>
+          </a:p>
+        </p:txBody>
+      </p:sp>
+      <p:sp>
+        <p:nvSpPr>
+          <p:cNvPr id="3" name="Rectangle 2">
+            <a:extLst>
+              <a:ext uri="{FF2B5EF4-FFF2-40B4-BE49-F238E27FC236}">
+                <a16:creationId xmlns:a16="http://schemas.microsoft.com/office/drawing/2014/main" id="{0DF254C7-DEC1-42C4-8178-2998A0B16D69}"/>
+              </a:ext>
+            </a:extLst>
+          </p:cNvPr>
+          <p:cNvSpPr/>
+          <p:nvPr/>
+        </p:nvSpPr>
+        <p:spPr>
+          <a:xfrm>
+            <a:off x="3893288" y="3244334"/>
+            <a:ext cx="3937873" cy="707886"/>
+          </a:xfrm>
+          <a:prstGeom prst="rect">
+            <a:avLst/>
+          </a:prstGeom>
+        </p:spPr>
+        <p:txBody>
+          <a:bodyPr wrap="none">
+            <a:spAutoFit/>
+          </a:bodyPr>
+          <a:lstStyle/>
+          <a:p>
+            <a:pPr algn="ctr"/>
+            <a:r>
+              <a:rPr lang="en-US" sz="4000" dirty="0"/>
+              <a:t>05_event_binding</a:t>
+            </a:r>
+          </a:p>
+        </p:txBody>
+      </p:sp>
+    </p:spTree>
+    <p:extLst>
+      <p:ext uri="{BB962C8B-B14F-4D97-AF65-F5344CB8AC3E}">
+        <p14:creationId xmlns:p14="http://schemas.microsoft.com/office/powerpoint/2010/main" val="2895497164"/>
+      </p:ext>
+    </p:extLst>
+  </p:cSld>
+  <p:clrMapOvr>
+    <a:masterClrMapping/>
+  </p:clrMapOvr>
+</p:sld>
+</file>
+
+<file path=ppt/slides/slide28.xml><?xml version="1.0" encoding="utf-8"?>
+<p:sld xmlns:a="http://schemas.openxmlformats.org/drawingml/2006/main" xmlns:r="http://schemas.openxmlformats.org/officeDocument/2006/relationships" xmlns:p="http://schemas.openxmlformats.org/presentationml/2006/main">
+  <p:cSld>
+    <p:spTree>
+      <p:nvGrpSpPr>
+        <p:cNvPr id="1" name=""/>
+        <p:cNvGrpSpPr/>
+        <p:nvPr/>
+      </p:nvGrpSpPr>
+      <p:grpSpPr>
+        <a:xfrm>
+          <a:off x="0" y="0"/>
+          <a:ext cx="0" cy="0"/>
+          <a:chOff x="0" y="0"/>
+          <a:chExt cx="0" cy="0"/>
+        </a:xfrm>
+      </p:grpSpPr>
+      <p:sp>
+        <p:nvSpPr>
+          <p:cNvPr id="2" name="Title 1">
+            <a:extLst>
+              <a:ext uri="{FF2B5EF4-FFF2-40B4-BE49-F238E27FC236}">
+                <a16:creationId xmlns:a16="http://schemas.microsoft.com/office/drawing/2014/main" id="{765E9052-C174-42B2-B077-566C29343869}"/>
+              </a:ext>
+            </a:extLst>
+          </p:cNvPr>
+          <p:cNvSpPr>
+            <a:spLocks noGrp="1"/>
+          </p:cNvSpPr>
+          <p:nvPr>
+            <p:ph type="title"/>
+          </p:nvPr>
+        </p:nvSpPr>
+        <p:spPr/>
+        <p:txBody>
+          <a:bodyPr/>
+          <a:lstStyle/>
+          <a:p>
+            <a:r>
+              <a:rPr lang="nl-NL" dirty="0"/>
+              <a:t>6. Output Events</a:t>
+            </a:r>
+          </a:p>
+        </p:txBody>
+      </p:sp>
+      <p:sp>
+        <p:nvSpPr>
+          <p:cNvPr id="5" name="Content Placeholder 4">
+            <a:extLst>
+              <a:ext uri="{FF2B5EF4-FFF2-40B4-BE49-F238E27FC236}">
+                <a16:creationId xmlns:a16="http://schemas.microsoft.com/office/drawing/2014/main" id="{2A8286F7-F8F9-400E-A744-E3E496224C9D}"/>
+              </a:ext>
+            </a:extLst>
+          </p:cNvPr>
+          <p:cNvSpPr>
+            <a:spLocks noGrp="1"/>
+          </p:cNvSpPr>
+          <p:nvPr>
+            <p:ph idx="1"/>
+          </p:nvPr>
+        </p:nvSpPr>
+        <p:spPr>
+          <a:xfrm>
+            <a:off x="727075" y="1690688"/>
+            <a:ext cx="10515600" cy="4351337"/>
+          </a:xfrm>
+          <a:prstGeom prst="rect">
+            <a:avLst/>
+          </a:prstGeom>
+          <a:solidFill>
+            <a:schemeClr val="bg1"/>
+          </a:solidFill>
+          <a:ln>
+            <a:noFill/>
+          </a:ln>
+          <a:effectLst>
+            <a:outerShdw blurRad="50800" dist="25400" dir="2700000" algn="tl" rotWithShape="0">
+              <a:prstClr val="black">
+                <a:alpha val="40000"/>
+              </a:prstClr>
+            </a:outerShdw>
+          </a:effectLst>
+        </p:spPr>
+        <p:style>
+          <a:lnRef idx="2">
+            <a:schemeClr val="accent1">
+              <a:shade val="50000"/>
+            </a:schemeClr>
+          </a:lnRef>
+          <a:fillRef idx="1">
+            <a:schemeClr val="accent1"/>
+          </a:fillRef>
+          <a:effectRef idx="0">
+            <a:schemeClr val="accent1"/>
+          </a:effectRef>
+          <a:fontRef idx="minor">
+            <a:schemeClr val="lt1"/>
+          </a:fontRef>
+        </p:style>
+        <p:txBody>
+          <a:bodyPr rtlCol="0" anchor="ctr">
+            <a:normAutofit/>
+          </a:bodyPr>
+          <a:lstStyle/>
+          <a:p>
+            <a:pPr marL="0" indent="0" algn="ctr">
+              <a:buNone/>
+            </a:pPr>
+            <a:r>
+              <a:rPr lang="nl-NL" sz="4000" dirty="0">
+                <a:solidFill>
+                  <a:schemeClr val="tx1"/>
+                </a:solidFill>
+              </a:rPr>
+              <a:t>Show </a:t>
+            </a:r>
+            <a:r>
+              <a:rPr lang="nl-NL" sz="4000" dirty="0" err="1">
+                <a:solidFill>
+                  <a:schemeClr val="tx1"/>
+                </a:solidFill>
+              </a:rPr>
+              <a:t>MovieApp</a:t>
+            </a:r>
+            <a:endParaRPr lang="en-US" sz="4000" dirty="0">
+              <a:solidFill>
+                <a:schemeClr val="tx1"/>
+              </a:solidFill>
+            </a:endParaRPr>
+          </a:p>
+        </p:txBody>
+      </p:sp>
+    </p:spTree>
+    <p:extLst>
+      <p:ext uri="{BB962C8B-B14F-4D97-AF65-F5344CB8AC3E}">
+        <p14:creationId xmlns:p14="http://schemas.microsoft.com/office/powerpoint/2010/main" val="1469620797"/>
+      </p:ext>
+    </p:extLst>
+  </p:cSld>
+  <p:clrMapOvr>
+    <a:masterClrMapping/>
+  </p:clrMapOvr>
+</p:sld>
+</file>
+
+<file path=ppt/slides/slide29.xml><?xml version="1.0" encoding="utf-8"?>
+<p:sld xmlns:a="http://schemas.openxmlformats.org/drawingml/2006/main" xmlns:r="http://schemas.openxmlformats.org/officeDocument/2006/relationships" xmlns:p="http://schemas.openxmlformats.org/presentationml/2006/main">
+  <p:cSld>
+    <p:spTree>
+      <p:nvGrpSpPr>
+        <p:cNvPr id="1" name=""/>
+        <p:cNvGrpSpPr/>
+        <p:nvPr/>
+      </p:nvGrpSpPr>
+      <p:grpSpPr>
+        <a:xfrm>
+          <a:off x="0" y="0"/>
+          <a:ext cx="0" cy="0"/>
+          <a:chOff x="0" y="0"/>
+          <a:chExt cx="0" cy="0"/>
+        </a:xfrm>
+      </p:grpSpPr>
+      <p:sp>
+        <p:nvSpPr>
+          <p:cNvPr id="2" name="Title 1">
+            <a:extLst>
+              <a:ext uri="{FF2B5EF4-FFF2-40B4-BE49-F238E27FC236}">
+                <a16:creationId xmlns:a16="http://schemas.microsoft.com/office/drawing/2014/main" id="{765E9052-C174-42B2-B077-566C29343869}"/>
+              </a:ext>
+            </a:extLst>
+          </p:cNvPr>
+          <p:cNvSpPr>
+            <a:spLocks noGrp="1"/>
+          </p:cNvSpPr>
+          <p:nvPr>
+            <p:ph type="title"/>
+          </p:nvPr>
+        </p:nvSpPr>
+        <p:spPr/>
+        <p:txBody>
+          <a:bodyPr/>
+          <a:lstStyle/>
+          <a:p>
+            <a:r>
+              <a:rPr lang="nl-NL" dirty="0"/>
+              <a:t>6. Output Events</a:t>
+            </a:r>
+          </a:p>
+        </p:txBody>
+      </p:sp>
+      <p:sp>
+        <p:nvSpPr>
+          <p:cNvPr id="5" name="Content Placeholder 4">
+            <a:extLst>
+              <a:ext uri="{FF2B5EF4-FFF2-40B4-BE49-F238E27FC236}">
+                <a16:creationId xmlns:a16="http://schemas.microsoft.com/office/drawing/2014/main" id="{2A8286F7-F8F9-400E-A744-E3E496224C9D}"/>
+              </a:ext>
+            </a:extLst>
+          </p:cNvPr>
+          <p:cNvSpPr>
+            <a:spLocks noGrp="1"/>
+          </p:cNvSpPr>
+          <p:nvPr>
+            <p:ph idx="1"/>
+          </p:nvPr>
+        </p:nvSpPr>
+        <p:spPr>
+          <a:xfrm>
+            <a:off x="727075" y="1690688"/>
+            <a:ext cx="10515600" cy="4351337"/>
+          </a:xfrm>
+          <a:prstGeom prst="rect">
+            <a:avLst/>
+          </a:prstGeom>
+          <a:solidFill>
+            <a:schemeClr val="bg1"/>
+          </a:solidFill>
+          <a:ln>
+            <a:noFill/>
+          </a:ln>
+          <a:effectLst>
+            <a:outerShdw blurRad="50800" dist="25400" dir="2700000" algn="tl" rotWithShape="0">
+              <a:prstClr val="black">
+                <a:alpha val="40000"/>
+              </a:prstClr>
+            </a:outerShdw>
+          </a:effectLst>
+        </p:spPr>
+        <p:style>
+          <a:lnRef idx="2">
+            <a:schemeClr val="accent1">
+              <a:shade val="50000"/>
+            </a:schemeClr>
+          </a:lnRef>
+          <a:fillRef idx="1">
+            <a:schemeClr val="accent1"/>
+          </a:fillRef>
+          <a:effectRef idx="0">
+            <a:schemeClr val="accent1"/>
+          </a:effectRef>
+          <a:fontRef idx="minor">
+            <a:schemeClr val="lt1"/>
+          </a:fontRef>
+        </p:style>
+        <p:txBody>
+          <a:bodyPr rtlCol="0" anchor="ctr">
+            <a:normAutofit/>
+          </a:bodyPr>
+          <a:lstStyle/>
+          <a:p>
+            <a:pPr marL="0" indent="0" algn="ctr">
+              <a:buNone/>
+            </a:pPr>
+            <a:r>
+              <a:rPr lang="nl-NL" sz="4000">
+                <a:solidFill>
+                  <a:schemeClr val="tx1"/>
+                </a:solidFill>
+              </a:rPr>
+              <a:t>06_output_events</a:t>
+            </a:r>
+            <a:endParaRPr lang="en-US" sz="4000" dirty="0">
+              <a:solidFill>
+                <a:schemeClr val="tx1"/>
+              </a:solidFill>
+            </a:endParaRPr>
+          </a:p>
+        </p:txBody>
+      </p:sp>
+    </p:spTree>
+    <p:extLst>
+      <p:ext uri="{BB962C8B-B14F-4D97-AF65-F5344CB8AC3E}">
+        <p14:creationId xmlns:p14="http://schemas.microsoft.com/office/powerpoint/2010/main" val="940625177"/>
       </p:ext>
     </p:extLst>
   </p:cSld>
@@ -5490,7 +10812,7 @@
           <a:p>
             <a:r>
               <a:rPr lang="nl-NL" dirty="0"/>
-              <a:t>4. </a:t>
+              <a:t>1. </a:t>
             </a:r>
             <a:r>
               <a:rPr lang="nl-NL" dirty="0" err="1"/>
@@ -5505,41 +10827,43 @@
       </p:sp>
       <p:sp>
         <p:nvSpPr>
-          <p:cNvPr id="3" name="Content Placeholder 2">
-            <a:extLst>
-              <a:ext uri="{FF2B5EF4-FFF2-40B4-BE49-F238E27FC236}">
-                <a16:creationId xmlns:a16="http://schemas.microsoft.com/office/drawing/2014/main" id="{AE4E187C-B238-487B-AE5A-41CA65B57D44}"/>
-              </a:ext>
-            </a:extLst>
-          </p:cNvPr>
-          <p:cNvSpPr>
-            <a:spLocks noGrp="1"/>
-          </p:cNvSpPr>
-          <p:nvPr>
-            <p:ph idx="1"/>
-          </p:nvPr>
+          <p:cNvPr id="7" name="TextBox 6">
+            <a:extLst>
+              <a:ext uri="{FF2B5EF4-FFF2-40B4-BE49-F238E27FC236}">
+                <a16:creationId xmlns:a16="http://schemas.microsoft.com/office/drawing/2014/main" id="{C39F12D5-E2E1-4FE6-9783-9E348F55599D}"/>
+              </a:ext>
+            </a:extLst>
+          </p:cNvPr>
+          <p:cNvSpPr txBox="1"/>
+          <p:nvPr/>
         </p:nvSpPr>
         <p:spPr>
           <a:xfrm>
-            <a:off x="727364" y="1691121"/>
-            <a:ext cx="10515600" cy="4351338"/>
+            <a:off x="2882609" y="3483860"/>
+            <a:ext cx="3456384" cy="984885"/>
           </a:xfrm>
+          <a:prstGeom prst="rect">
+            <a:avLst/>
+          </a:prstGeom>
+          <a:noFill/>
         </p:spPr>
         <p:txBody>
-          <a:bodyPr/>
+          <a:bodyPr wrap="square" rtlCol="0">
+            <a:spAutoFit/>
+          </a:bodyPr>
           <a:lstStyle/>
           <a:p>
             <a:r>
               <a:rPr lang="nl-NL" dirty="0" err="1"/>
-              <a:t>What</a:t>
+              <a:t>Angular</a:t>
             </a:r>
             <a:r>
               <a:rPr lang="nl-NL" dirty="0"/>
-              <a:t> is </a:t>
+              <a:t> 2 </a:t>
             </a:r>
             <a:r>
               <a:rPr lang="nl-NL" dirty="0" err="1"/>
-              <a:t>the</a:t>
+              <a:t>should</a:t>
             </a:r>
             <a:r>
               <a:rPr lang="nl-NL" dirty="0"/>
@@ -5547,7 +10871,7 @@
             </a:r>
             <a:r>
               <a:rPr lang="nl-NL" dirty="0" err="1"/>
-              <a:t>framework</a:t>
+              <a:t>be</a:t>
             </a:r>
             <a:r>
               <a:rPr lang="nl-NL" dirty="0"/>
@@ -5555,100 +10879,921 @@
             </a:r>
             <a:r>
               <a:rPr lang="nl-NL" dirty="0" err="1"/>
-              <a:t>consist</a:t>
+              <a:t>thought</a:t>
             </a:r>
             <a:r>
               <a:rPr lang="nl-NL" dirty="0"/>
-              <a:t> of</a:t>
-            </a:r>
-          </a:p>
-          <a:p>
-            <a:r>
-              <a:rPr lang="nl-NL" dirty="0"/>
-              <a:t>Folder </a:t>
-            </a:r>
-            <a:r>
-              <a:rPr lang="nl-NL" dirty="0" err="1"/>
-              <a:t>structure</a:t>
-            </a:r>
-            <a:endParaRPr lang="nl-NL" dirty="0"/>
-          </a:p>
-          <a:p>
-            <a:r>
-              <a:rPr lang="nl-NL" dirty="0" err="1"/>
-              <a:t>angular.json</a:t>
-            </a:r>
-            <a:endParaRPr lang="nl-NL" dirty="0"/>
-          </a:p>
-          <a:p>
-            <a:r>
-              <a:rPr lang="nl-NL" dirty="0" err="1"/>
-              <a:t>tsconfig.json</a:t>
-            </a:r>
-            <a:endParaRPr lang="nl-NL" dirty="0"/>
-          </a:p>
-          <a:p>
-            <a:r>
-              <a:rPr lang="nl-NL" dirty="0"/>
-              <a:t>Style guide</a:t>
-            </a:r>
-          </a:p>
-          <a:p>
-            <a:r>
-              <a:rPr lang="nl-NL" dirty="0" err="1"/>
-              <a:t>Angular</a:t>
-            </a:r>
-            <a:r>
-              <a:rPr lang="nl-NL" dirty="0"/>
-              <a:t> CLI </a:t>
-            </a:r>
-            <a:r>
-              <a:rPr lang="nl-NL" dirty="0" err="1"/>
-              <a:t>and</a:t>
-            </a:r>
-            <a:r>
-              <a:rPr lang="nl-NL" dirty="0"/>
-              <a:t> </a:t>
-            </a:r>
-            <a:r>
-              <a:rPr lang="nl-NL" dirty="0" err="1"/>
-              <a:t>handson</a:t>
-            </a:r>
-            <a:endParaRPr lang="nl-NL" dirty="0"/>
-          </a:p>
-          <a:p>
-            <a:pPr lvl="1"/>
-            <a:r>
-              <a:rPr lang="nl-NL" dirty="0" err="1"/>
-              <a:t>Generate</a:t>
-            </a:r>
-            <a:r>
-              <a:rPr lang="nl-NL" dirty="0"/>
-              <a:t> app</a:t>
-            </a:r>
-          </a:p>
-          <a:p>
-            <a:pPr lvl="1"/>
-            <a:r>
-              <a:rPr lang="nl-NL" dirty="0" err="1"/>
-              <a:t>Generate</a:t>
-            </a:r>
-            <a:r>
-              <a:rPr lang="nl-NL" dirty="0"/>
-              <a:t> </a:t>
-            </a:r>
-            <a:r>
-              <a:rPr lang="nl-NL" dirty="0" err="1"/>
-              <a:t>components</a:t>
-            </a:r>
-            <a:endParaRPr lang="nl-NL" dirty="0"/>
-          </a:p>
-        </p:txBody>
-      </p:sp>
+              <a:t> of as a </a:t>
+            </a:r>
+            <a:r>
+              <a:rPr lang="nl-NL" b="1" dirty="0"/>
+              <a:t>platform</a:t>
+            </a:r>
+            <a:endParaRPr lang="nl-NL" b="1" dirty="0">
+              <a:solidFill>
+                <a:srgbClr val="EA5B0B"/>
+              </a:solidFill>
+            </a:endParaRPr>
+          </a:p>
+          <a:p>
+            <a:pPr marL="171450" indent="-171450">
+              <a:buClr>
+                <a:srgbClr val="EA5B0B"/>
+              </a:buClr>
+              <a:buFont typeface="Wingdings" panose="05000000000000000000" pitchFamily="2" charset="2"/>
+              <a:buChar char="§"/>
+            </a:pPr>
+            <a:endParaRPr lang="nl-NL" sz="1100" dirty="0"/>
+          </a:p>
+          <a:p>
+            <a:pPr marL="171450" indent="-171450">
+              <a:buClr>
+                <a:srgbClr val="EA5B0B"/>
+              </a:buClr>
+              <a:buFont typeface="Wingdings" panose="05000000000000000000" pitchFamily="2" charset="2"/>
+              <a:buChar char="§"/>
+            </a:pPr>
+            <a:endParaRPr lang="nl-NL" sz="1100" dirty="0"/>
+          </a:p>
+        </p:txBody>
+      </p:sp>
+      <p:pic>
+        <p:nvPicPr>
+          <p:cNvPr id="8" name="Picture 2" descr="http://levelup.lishman.com/images/angular2.png">
+            <a:extLst>
+              <a:ext uri="{FF2B5EF4-FFF2-40B4-BE49-F238E27FC236}">
+                <a16:creationId xmlns:a16="http://schemas.microsoft.com/office/drawing/2014/main" id="{423005CA-E740-458B-A637-72C031DCDAB3}"/>
+              </a:ext>
+            </a:extLst>
+          </p:cNvPr>
+          <p:cNvPicPr>
+            <a:picLocks noChangeAspect="1" noChangeArrowheads="1"/>
+          </p:cNvPicPr>
+          <p:nvPr/>
+        </p:nvPicPr>
+        <p:blipFill>
+          <a:blip r:embed="rId3" cstate="print">
+            <a:extLst>
+              <a:ext uri="{28A0092B-C50C-407E-A947-70E740481C1C}">
+                <a14:useLocalDpi xmlns:a14="http://schemas.microsoft.com/office/drawing/2010/main" val="0"/>
+              </a:ext>
+            </a:extLst>
+          </a:blip>
+          <a:srcRect/>
+          <a:stretch>
+            <a:fillRect/>
+          </a:stretch>
+        </p:blipFill>
+        <p:spPr bwMode="auto">
+          <a:xfrm>
+            <a:off x="7240873" y="2861696"/>
+            <a:ext cx="1824137" cy="1929298"/>
+          </a:xfrm>
+          <a:prstGeom prst="rect">
+            <a:avLst/>
+          </a:prstGeom>
+          <a:noFill/>
+          <a:extLst>
+            <a:ext uri="{909E8E84-426E-40DD-AFC4-6F175D3DCCD1}">
+              <a14:hiddenFill xmlns:a14="http://schemas.microsoft.com/office/drawing/2010/main">
+                <a:solidFill>
+                  <a:srgbClr val="FFFFFF"/>
+                </a:solidFill>
+              </a14:hiddenFill>
+            </a:ext>
+          </a:extLst>
+        </p:spPr>
+      </p:pic>
     </p:spTree>
     <p:extLst>
       <p:ext uri="{BB962C8B-B14F-4D97-AF65-F5344CB8AC3E}">
         <p14:creationId xmlns:p14="http://schemas.microsoft.com/office/powerpoint/2010/main" val="2790616843"/>
+      </p:ext>
+    </p:extLst>
+  </p:cSld>
+  <p:clrMapOvr>
+    <a:masterClrMapping/>
+  </p:clrMapOvr>
+</p:sld>
+</file>
+
+<file path=ppt/slides/slide4.xml><?xml version="1.0" encoding="utf-8"?>
+<p:sld xmlns:a="http://schemas.openxmlformats.org/drawingml/2006/main" xmlns:r="http://schemas.openxmlformats.org/officeDocument/2006/relationships" xmlns:p="http://schemas.openxmlformats.org/presentationml/2006/main">
+  <p:cSld>
+    <p:spTree>
+      <p:nvGrpSpPr>
+        <p:cNvPr id="1" name=""/>
+        <p:cNvGrpSpPr/>
+        <p:nvPr/>
+      </p:nvGrpSpPr>
+      <p:grpSpPr>
+        <a:xfrm>
+          <a:off x="0" y="0"/>
+          <a:ext cx="0" cy="0"/>
+          <a:chOff x="0" y="0"/>
+          <a:chExt cx="0" cy="0"/>
+        </a:xfrm>
+      </p:grpSpPr>
+      <p:sp>
+        <p:nvSpPr>
+          <p:cNvPr id="2" name="Title 1">
+            <a:extLst>
+              <a:ext uri="{FF2B5EF4-FFF2-40B4-BE49-F238E27FC236}">
+                <a16:creationId xmlns:a16="http://schemas.microsoft.com/office/drawing/2014/main" id="{765E9052-C174-42B2-B077-566C29343869}"/>
+              </a:ext>
+            </a:extLst>
+          </p:cNvPr>
+          <p:cNvSpPr>
+            <a:spLocks noGrp="1"/>
+          </p:cNvSpPr>
+          <p:nvPr>
+            <p:ph type="title"/>
+          </p:nvPr>
+        </p:nvSpPr>
+        <p:spPr/>
+        <p:txBody>
+          <a:bodyPr/>
+          <a:lstStyle/>
+          <a:p>
+            <a:r>
+              <a:rPr lang="nl-NL" dirty="0"/>
+              <a:t>1. </a:t>
+            </a:r>
+            <a:r>
+              <a:rPr lang="nl-NL" dirty="0" err="1"/>
+              <a:t>Angular</a:t>
+            </a:r>
+            <a:r>
+              <a:rPr lang="nl-NL" dirty="0"/>
+              <a:t> Intro</a:t>
+            </a:r>
+          </a:p>
+        </p:txBody>
+      </p:sp>
+      <p:pic>
+        <p:nvPicPr>
+          <p:cNvPr id="6" name="Picture 5">
+            <a:extLst>
+              <a:ext uri="{FF2B5EF4-FFF2-40B4-BE49-F238E27FC236}">
+                <a16:creationId xmlns:a16="http://schemas.microsoft.com/office/drawing/2014/main" id="{63109F3B-578F-4108-B149-7A9912BFD51E}"/>
+              </a:ext>
+            </a:extLst>
+          </p:cNvPr>
+          <p:cNvPicPr>
+            <a:picLocks noChangeAspect="1"/>
+          </p:cNvPicPr>
+          <p:nvPr/>
+        </p:nvPicPr>
+        <p:blipFill>
+          <a:blip r:embed="rId3"/>
+          <a:stretch>
+            <a:fillRect/>
+          </a:stretch>
+        </p:blipFill>
+        <p:spPr>
+          <a:xfrm>
+            <a:off x="1060450" y="2048520"/>
+            <a:ext cx="10071100" cy="3938634"/>
+          </a:xfrm>
+          <a:prstGeom prst="rect">
+            <a:avLst/>
+          </a:prstGeom>
+        </p:spPr>
+      </p:pic>
+    </p:spTree>
+    <p:extLst>
+      <p:ext uri="{BB962C8B-B14F-4D97-AF65-F5344CB8AC3E}">
+        <p14:creationId xmlns:p14="http://schemas.microsoft.com/office/powerpoint/2010/main" val="1050667166"/>
+      </p:ext>
+    </p:extLst>
+  </p:cSld>
+  <p:clrMapOvr>
+    <a:masterClrMapping/>
+  </p:clrMapOvr>
+</p:sld>
+</file>
+
+<file path=ppt/slides/slide5.xml><?xml version="1.0" encoding="utf-8"?>
+<p:sld xmlns:a="http://schemas.openxmlformats.org/drawingml/2006/main" xmlns:r="http://schemas.openxmlformats.org/officeDocument/2006/relationships" xmlns:p="http://schemas.openxmlformats.org/presentationml/2006/main">
+  <p:cSld>
+    <p:spTree>
+      <p:nvGrpSpPr>
+        <p:cNvPr id="1" name=""/>
+        <p:cNvGrpSpPr/>
+        <p:nvPr/>
+      </p:nvGrpSpPr>
+      <p:grpSpPr>
+        <a:xfrm>
+          <a:off x="0" y="0"/>
+          <a:ext cx="0" cy="0"/>
+          <a:chOff x="0" y="0"/>
+          <a:chExt cx="0" cy="0"/>
+        </a:xfrm>
+      </p:grpSpPr>
+      <p:sp>
+        <p:nvSpPr>
+          <p:cNvPr id="2" name="Title 1">
+            <a:extLst>
+              <a:ext uri="{FF2B5EF4-FFF2-40B4-BE49-F238E27FC236}">
+                <a16:creationId xmlns:a16="http://schemas.microsoft.com/office/drawing/2014/main" id="{765E9052-C174-42B2-B077-566C29343869}"/>
+              </a:ext>
+            </a:extLst>
+          </p:cNvPr>
+          <p:cNvSpPr>
+            <a:spLocks noGrp="1"/>
+          </p:cNvSpPr>
+          <p:nvPr>
+            <p:ph type="title"/>
+          </p:nvPr>
+        </p:nvSpPr>
+        <p:spPr/>
+        <p:txBody>
+          <a:bodyPr/>
+          <a:lstStyle/>
+          <a:p>
+            <a:r>
+              <a:rPr lang="nl-NL" dirty="0"/>
+              <a:t>1. </a:t>
+            </a:r>
+            <a:r>
+              <a:rPr lang="nl-NL" dirty="0" err="1"/>
+              <a:t>Angular</a:t>
+            </a:r>
+            <a:r>
+              <a:rPr lang="nl-NL" dirty="0"/>
+              <a:t> Intro</a:t>
+            </a:r>
+          </a:p>
+        </p:txBody>
+      </p:sp>
+      <p:sp>
+        <p:nvSpPr>
+          <p:cNvPr id="5" name="Content Placeholder 4">
+            <a:extLst>
+              <a:ext uri="{FF2B5EF4-FFF2-40B4-BE49-F238E27FC236}">
+                <a16:creationId xmlns:a16="http://schemas.microsoft.com/office/drawing/2014/main" id="{2A8286F7-F8F9-400E-A744-E3E496224C9D}"/>
+              </a:ext>
+            </a:extLst>
+          </p:cNvPr>
+          <p:cNvSpPr>
+            <a:spLocks noGrp="1"/>
+          </p:cNvSpPr>
+          <p:nvPr>
+            <p:ph idx="1"/>
+          </p:nvPr>
+        </p:nvSpPr>
+        <p:spPr>
+          <a:xfrm>
+            <a:off x="727075" y="1690688"/>
+            <a:ext cx="10515600" cy="4351337"/>
+          </a:xfrm>
+          <a:prstGeom prst="rect">
+            <a:avLst/>
+          </a:prstGeom>
+          <a:solidFill>
+            <a:schemeClr val="bg1"/>
+          </a:solidFill>
+          <a:ln>
+            <a:noFill/>
+          </a:ln>
+          <a:effectLst>
+            <a:outerShdw blurRad="50800" dist="25400" dir="2700000" algn="tl" rotWithShape="0">
+              <a:prstClr val="black">
+                <a:alpha val="40000"/>
+              </a:prstClr>
+            </a:outerShdw>
+          </a:effectLst>
+        </p:spPr>
+        <p:style>
+          <a:lnRef idx="2">
+            <a:schemeClr val="accent1">
+              <a:shade val="50000"/>
+            </a:schemeClr>
+          </a:lnRef>
+          <a:fillRef idx="1">
+            <a:schemeClr val="accent1"/>
+          </a:fillRef>
+          <a:effectRef idx="0">
+            <a:schemeClr val="accent1"/>
+          </a:effectRef>
+          <a:fontRef idx="minor">
+            <a:schemeClr val="lt1"/>
+          </a:fontRef>
+        </p:style>
+        <p:txBody>
+          <a:bodyPr rtlCol="0" anchor="ctr"/>
+          <a:lstStyle/>
+          <a:p>
+            <a:endParaRPr lang="en-US" dirty="0"/>
+          </a:p>
+        </p:txBody>
+      </p:sp>
+      <p:pic>
+        <p:nvPicPr>
+          <p:cNvPr id="3" name="Picture 2">
+            <a:extLst>
+              <a:ext uri="{FF2B5EF4-FFF2-40B4-BE49-F238E27FC236}">
+                <a16:creationId xmlns:a16="http://schemas.microsoft.com/office/drawing/2014/main" id="{CA085385-8185-4307-B4C2-CB8D5F206D53}"/>
+              </a:ext>
+            </a:extLst>
+          </p:cNvPr>
+          <p:cNvPicPr>
+            <a:picLocks noChangeAspect="1"/>
+          </p:cNvPicPr>
+          <p:nvPr/>
+        </p:nvPicPr>
+        <p:blipFill>
+          <a:blip r:embed="rId3"/>
+          <a:stretch>
+            <a:fillRect/>
+          </a:stretch>
+        </p:blipFill>
+        <p:spPr>
+          <a:xfrm>
+            <a:off x="1104203" y="3380513"/>
+            <a:ext cx="9983593" cy="971686"/>
+          </a:xfrm>
+          <a:prstGeom prst="rect">
+            <a:avLst/>
+          </a:prstGeom>
+        </p:spPr>
+      </p:pic>
+    </p:spTree>
+    <p:extLst>
+      <p:ext uri="{BB962C8B-B14F-4D97-AF65-F5344CB8AC3E}">
+        <p14:creationId xmlns:p14="http://schemas.microsoft.com/office/powerpoint/2010/main" val="1858707114"/>
+      </p:ext>
+    </p:extLst>
+  </p:cSld>
+  <p:clrMapOvr>
+    <a:masterClrMapping/>
+  </p:clrMapOvr>
+</p:sld>
+</file>
+
+<file path=ppt/slides/slide6.xml><?xml version="1.0" encoding="utf-8"?>
+<p:sld xmlns:a="http://schemas.openxmlformats.org/drawingml/2006/main" xmlns:r="http://schemas.openxmlformats.org/officeDocument/2006/relationships" xmlns:p="http://schemas.openxmlformats.org/presentationml/2006/main">
+  <p:cSld>
+    <p:spTree>
+      <p:nvGrpSpPr>
+        <p:cNvPr id="1" name=""/>
+        <p:cNvGrpSpPr/>
+        <p:nvPr/>
+      </p:nvGrpSpPr>
+      <p:grpSpPr>
+        <a:xfrm>
+          <a:off x="0" y="0"/>
+          <a:ext cx="0" cy="0"/>
+          <a:chOff x="0" y="0"/>
+          <a:chExt cx="0" cy="0"/>
+        </a:xfrm>
+      </p:grpSpPr>
+      <p:sp>
+        <p:nvSpPr>
+          <p:cNvPr id="2" name="Title 1">
+            <a:extLst>
+              <a:ext uri="{FF2B5EF4-FFF2-40B4-BE49-F238E27FC236}">
+                <a16:creationId xmlns:a16="http://schemas.microsoft.com/office/drawing/2014/main" id="{765E9052-C174-42B2-B077-566C29343869}"/>
+              </a:ext>
+            </a:extLst>
+          </p:cNvPr>
+          <p:cNvSpPr>
+            <a:spLocks noGrp="1"/>
+          </p:cNvSpPr>
+          <p:nvPr>
+            <p:ph type="title"/>
+          </p:nvPr>
+        </p:nvSpPr>
+        <p:spPr/>
+        <p:txBody>
+          <a:bodyPr/>
+          <a:lstStyle/>
+          <a:p>
+            <a:r>
+              <a:rPr lang="nl-NL" dirty="0"/>
+              <a:t>1. </a:t>
+            </a:r>
+            <a:r>
+              <a:rPr lang="nl-NL" dirty="0" err="1"/>
+              <a:t>Angular</a:t>
+            </a:r>
+            <a:r>
+              <a:rPr lang="nl-NL" dirty="0"/>
+              <a:t> Intro</a:t>
+            </a:r>
+          </a:p>
+        </p:txBody>
+      </p:sp>
+      <p:sp>
+        <p:nvSpPr>
+          <p:cNvPr id="5" name="Content Placeholder 4">
+            <a:extLst>
+              <a:ext uri="{FF2B5EF4-FFF2-40B4-BE49-F238E27FC236}">
+                <a16:creationId xmlns:a16="http://schemas.microsoft.com/office/drawing/2014/main" id="{2A8286F7-F8F9-400E-A744-E3E496224C9D}"/>
+              </a:ext>
+            </a:extLst>
+          </p:cNvPr>
+          <p:cNvSpPr>
+            <a:spLocks noGrp="1"/>
+          </p:cNvSpPr>
+          <p:nvPr>
+            <p:ph idx="1"/>
+          </p:nvPr>
+        </p:nvSpPr>
+        <p:spPr>
+          <a:xfrm>
+            <a:off x="727075" y="1690688"/>
+            <a:ext cx="10515600" cy="4351337"/>
+          </a:xfrm>
+          <a:prstGeom prst="rect">
+            <a:avLst/>
+          </a:prstGeom>
+          <a:solidFill>
+            <a:schemeClr val="bg1"/>
+          </a:solidFill>
+          <a:ln>
+            <a:noFill/>
+          </a:ln>
+          <a:effectLst>
+            <a:outerShdw blurRad="50800" dist="25400" dir="2700000" algn="tl" rotWithShape="0">
+              <a:prstClr val="black">
+                <a:alpha val="40000"/>
+              </a:prstClr>
+            </a:outerShdw>
+          </a:effectLst>
+        </p:spPr>
+        <p:style>
+          <a:lnRef idx="2">
+            <a:schemeClr val="accent1">
+              <a:shade val="50000"/>
+            </a:schemeClr>
+          </a:lnRef>
+          <a:fillRef idx="1">
+            <a:schemeClr val="accent1"/>
+          </a:fillRef>
+          <a:effectRef idx="0">
+            <a:schemeClr val="accent1"/>
+          </a:effectRef>
+          <a:fontRef idx="minor">
+            <a:schemeClr val="lt1"/>
+          </a:fontRef>
+        </p:style>
+        <p:txBody>
+          <a:bodyPr rtlCol="0" anchor="ctr"/>
+          <a:lstStyle/>
+          <a:p>
+            <a:endParaRPr lang="en-US" dirty="0"/>
+          </a:p>
+        </p:txBody>
+      </p:sp>
+      <p:pic>
+        <p:nvPicPr>
+          <p:cNvPr id="3" name="Picture 2">
+            <a:extLst>
+              <a:ext uri="{FF2B5EF4-FFF2-40B4-BE49-F238E27FC236}">
+                <a16:creationId xmlns:a16="http://schemas.microsoft.com/office/drawing/2014/main" id="{B76C3A1C-BA9C-4FBC-B2D4-925899E5155F}"/>
+              </a:ext>
+            </a:extLst>
+          </p:cNvPr>
+          <p:cNvPicPr>
+            <a:picLocks noChangeAspect="1"/>
+          </p:cNvPicPr>
+          <p:nvPr/>
+        </p:nvPicPr>
+        <p:blipFill>
+          <a:blip r:embed="rId3"/>
+          <a:stretch>
+            <a:fillRect/>
+          </a:stretch>
+        </p:blipFill>
+        <p:spPr>
+          <a:xfrm>
+            <a:off x="1137545" y="1741985"/>
+            <a:ext cx="9916909" cy="4248743"/>
+          </a:xfrm>
+          <a:prstGeom prst="rect">
+            <a:avLst/>
+          </a:prstGeom>
+        </p:spPr>
+      </p:pic>
+    </p:spTree>
+    <p:extLst>
+      <p:ext uri="{BB962C8B-B14F-4D97-AF65-F5344CB8AC3E}">
+        <p14:creationId xmlns:p14="http://schemas.microsoft.com/office/powerpoint/2010/main" val="1202178903"/>
+      </p:ext>
+    </p:extLst>
+  </p:cSld>
+  <p:clrMapOvr>
+    <a:masterClrMapping/>
+  </p:clrMapOvr>
+</p:sld>
+</file>
+
+<file path=ppt/slides/slide7.xml><?xml version="1.0" encoding="utf-8"?>
+<p:sld xmlns:a="http://schemas.openxmlformats.org/drawingml/2006/main" xmlns:r="http://schemas.openxmlformats.org/officeDocument/2006/relationships" xmlns:p="http://schemas.openxmlformats.org/presentationml/2006/main">
+  <p:cSld>
+    <p:spTree>
+      <p:nvGrpSpPr>
+        <p:cNvPr id="1" name=""/>
+        <p:cNvGrpSpPr/>
+        <p:nvPr/>
+      </p:nvGrpSpPr>
+      <p:grpSpPr>
+        <a:xfrm>
+          <a:off x="0" y="0"/>
+          <a:ext cx="0" cy="0"/>
+          <a:chOff x="0" y="0"/>
+          <a:chExt cx="0" cy="0"/>
+        </a:xfrm>
+      </p:grpSpPr>
+      <p:sp>
+        <p:nvSpPr>
+          <p:cNvPr id="2" name="Title 1">
+            <a:extLst>
+              <a:ext uri="{FF2B5EF4-FFF2-40B4-BE49-F238E27FC236}">
+                <a16:creationId xmlns:a16="http://schemas.microsoft.com/office/drawing/2014/main" id="{765E9052-C174-42B2-B077-566C29343869}"/>
+              </a:ext>
+            </a:extLst>
+          </p:cNvPr>
+          <p:cNvSpPr>
+            <a:spLocks noGrp="1"/>
+          </p:cNvSpPr>
+          <p:nvPr>
+            <p:ph type="title"/>
+          </p:nvPr>
+        </p:nvSpPr>
+        <p:spPr/>
+        <p:txBody>
+          <a:bodyPr/>
+          <a:lstStyle/>
+          <a:p>
+            <a:r>
+              <a:rPr lang="nl-NL" dirty="0"/>
+              <a:t>1. </a:t>
+            </a:r>
+            <a:r>
+              <a:rPr lang="nl-NL" dirty="0" err="1"/>
+              <a:t>Angular</a:t>
+            </a:r>
+            <a:r>
+              <a:rPr lang="nl-NL" dirty="0"/>
+              <a:t> Intro</a:t>
+            </a:r>
+          </a:p>
+        </p:txBody>
+      </p:sp>
+      <p:sp>
+        <p:nvSpPr>
+          <p:cNvPr id="5" name="Content Placeholder 4">
+            <a:extLst>
+              <a:ext uri="{FF2B5EF4-FFF2-40B4-BE49-F238E27FC236}">
+                <a16:creationId xmlns:a16="http://schemas.microsoft.com/office/drawing/2014/main" id="{2A8286F7-F8F9-400E-A744-E3E496224C9D}"/>
+              </a:ext>
+            </a:extLst>
+          </p:cNvPr>
+          <p:cNvSpPr>
+            <a:spLocks noGrp="1"/>
+          </p:cNvSpPr>
+          <p:nvPr>
+            <p:ph idx="1"/>
+          </p:nvPr>
+        </p:nvSpPr>
+        <p:spPr>
+          <a:xfrm>
+            <a:off x="727075" y="1690688"/>
+            <a:ext cx="10515600" cy="4351337"/>
+          </a:xfrm>
+          <a:prstGeom prst="rect">
+            <a:avLst/>
+          </a:prstGeom>
+          <a:solidFill>
+            <a:schemeClr val="bg1"/>
+          </a:solidFill>
+          <a:ln>
+            <a:noFill/>
+          </a:ln>
+          <a:effectLst>
+            <a:outerShdw blurRad="50800" dist="25400" dir="2700000" algn="tl" rotWithShape="0">
+              <a:prstClr val="black">
+                <a:alpha val="40000"/>
+              </a:prstClr>
+            </a:outerShdw>
+          </a:effectLst>
+        </p:spPr>
+        <p:style>
+          <a:lnRef idx="2">
+            <a:schemeClr val="accent1">
+              <a:shade val="50000"/>
+            </a:schemeClr>
+          </a:lnRef>
+          <a:fillRef idx="1">
+            <a:schemeClr val="accent1"/>
+          </a:fillRef>
+          <a:effectRef idx="0">
+            <a:schemeClr val="accent1"/>
+          </a:effectRef>
+          <a:fontRef idx="minor">
+            <a:schemeClr val="lt1"/>
+          </a:fontRef>
+        </p:style>
+        <p:txBody>
+          <a:bodyPr rtlCol="0" anchor="ctr"/>
+          <a:lstStyle/>
+          <a:p>
+            <a:endParaRPr lang="en-US" dirty="0"/>
+          </a:p>
+        </p:txBody>
+      </p:sp>
+      <p:pic>
+        <p:nvPicPr>
+          <p:cNvPr id="4" name="Picture 3">
+            <a:extLst>
+              <a:ext uri="{FF2B5EF4-FFF2-40B4-BE49-F238E27FC236}">
+                <a16:creationId xmlns:a16="http://schemas.microsoft.com/office/drawing/2014/main" id="{6F7FE40A-D593-4206-A022-82310B769CED}"/>
+              </a:ext>
+            </a:extLst>
+          </p:cNvPr>
+          <p:cNvPicPr>
+            <a:picLocks noChangeAspect="1"/>
+          </p:cNvPicPr>
+          <p:nvPr/>
+        </p:nvPicPr>
+        <p:blipFill>
+          <a:blip r:embed="rId3"/>
+          <a:stretch>
+            <a:fillRect/>
+          </a:stretch>
+        </p:blipFill>
+        <p:spPr>
+          <a:xfrm>
+            <a:off x="838200" y="1690688"/>
+            <a:ext cx="9945488" cy="4191585"/>
+          </a:xfrm>
+          <a:prstGeom prst="rect">
+            <a:avLst/>
+          </a:prstGeom>
+        </p:spPr>
+      </p:pic>
+    </p:spTree>
+    <p:extLst>
+      <p:ext uri="{BB962C8B-B14F-4D97-AF65-F5344CB8AC3E}">
+        <p14:creationId xmlns:p14="http://schemas.microsoft.com/office/powerpoint/2010/main" val="1476034911"/>
+      </p:ext>
+    </p:extLst>
+  </p:cSld>
+  <p:clrMapOvr>
+    <a:masterClrMapping/>
+  </p:clrMapOvr>
+</p:sld>
+</file>
+
+<file path=ppt/slides/slide8.xml><?xml version="1.0" encoding="utf-8"?>
+<p:sld xmlns:a="http://schemas.openxmlformats.org/drawingml/2006/main" xmlns:r="http://schemas.openxmlformats.org/officeDocument/2006/relationships" xmlns:p="http://schemas.openxmlformats.org/presentationml/2006/main">
+  <p:cSld>
+    <p:spTree>
+      <p:nvGrpSpPr>
+        <p:cNvPr id="1" name=""/>
+        <p:cNvGrpSpPr/>
+        <p:nvPr/>
+      </p:nvGrpSpPr>
+      <p:grpSpPr>
+        <a:xfrm>
+          <a:off x="0" y="0"/>
+          <a:ext cx="0" cy="0"/>
+          <a:chOff x="0" y="0"/>
+          <a:chExt cx="0" cy="0"/>
+        </a:xfrm>
+      </p:grpSpPr>
+      <p:sp>
+        <p:nvSpPr>
+          <p:cNvPr id="2" name="Title 1">
+            <a:extLst>
+              <a:ext uri="{FF2B5EF4-FFF2-40B4-BE49-F238E27FC236}">
+                <a16:creationId xmlns:a16="http://schemas.microsoft.com/office/drawing/2014/main" id="{765E9052-C174-42B2-B077-566C29343869}"/>
+              </a:ext>
+            </a:extLst>
+          </p:cNvPr>
+          <p:cNvSpPr>
+            <a:spLocks noGrp="1"/>
+          </p:cNvSpPr>
+          <p:nvPr>
+            <p:ph type="title"/>
+          </p:nvPr>
+        </p:nvSpPr>
+        <p:spPr/>
+        <p:txBody>
+          <a:bodyPr/>
+          <a:lstStyle/>
+          <a:p>
+            <a:r>
+              <a:rPr lang="nl-NL" dirty="0"/>
+              <a:t>1. </a:t>
+            </a:r>
+            <a:r>
+              <a:rPr lang="nl-NL" dirty="0" err="1"/>
+              <a:t>Angular</a:t>
+            </a:r>
+            <a:r>
+              <a:rPr lang="nl-NL" dirty="0"/>
+              <a:t> Intro</a:t>
+            </a:r>
+          </a:p>
+        </p:txBody>
+      </p:sp>
+      <p:sp>
+        <p:nvSpPr>
+          <p:cNvPr id="5" name="Content Placeholder 4">
+            <a:extLst>
+              <a:ext uri="{FF2B5EF4-FFF2-40B4-BE49-F238E27FC236}">
+                <a16:creationId xmlns:a16="http://schemas.microsoft.com/office/drawing/2014/main" id="{2A8286F7-F8F9-400E-A744-E3E496224C9D}"/>
+              </a:ext>
+            </a:extLst>
+          </p:cNvPr>
+          <p:cNvSpPr>
+            <a:spLocks noGrp="1"/>
+          </p:cNvSpPr>
+          <p:nvPr>
+            <p:ph idx="1"/>
+          </p:nvPr>
+        </p:nvSpPr>
+        <p:spPr>
+          <a:xfrm>
+            <a:off x="727075" y="1690688"/>
+            <a:ext cx="10515600" cy="4351337"/>
+          </a:xfrm>
+          <a:prstGeom prst="rect">
+            <a:avLst/>
+          </a:prstGeom>
+          <a:solidFill>
+            <a:schemeClr val="bg1"/>
+          </a:solidFill>
+          <a:ln>
+            <a:noFill/>
+          </a:ln>
+          <a:effectLst>
+            <a:outerShdw blurRad="50800" dist="25400" dir="2700000" algn="tl" rotWithShape="0">
+              <a:prstClr val="black">
+                <a:alpha val="40000"/>
+              </a:prstClr>
+            </a:outerShdw>
+          </a:effectLst>
+        </p:spPr>
+        <p:style>
+          <a:lnRef idx="2">
+            <a:schemeClr val="accent1">
+              <a:shade val="50000"/>
+            </a:schemeClr>
+          </a:lnRef>
+          <a:fillRef idx="1">
+            <a:schemeClr val="accent1"/>
+          </a:fillRef>
+          <a:effectRef idx="0">
+            <a:schemeClr val="accent1"/>
+          </a:effectRef>
+          <a:fontRef idx="minor">
+            <a:schemeClr val="lt1"/>
+          </a:fontRef>
+        </p:style>
+        <p:txBody>
+          <a:bodyPr rtlCol="0" anchor="ctr"/>
+          <a:lstStyle/>
+          <a:p>
+            <a:endParaRPr lang="en-US" dirty="0"/>
+          </a:p>
+        </p:txBody>
+      </p:sp>
+      <p:pic>
+        <p:nvPicPr>
+          <p:cNvPr id="3" name="Picture 2">
+            <a:extLst>
+              <a:ext uri="{FF2B5EF4-FFF2-40B4-BE49-F238E27FC236}">
+                <a16:creationId xmlns:a16="http://schemas.microsoft.com/office/drawing/2014/main" id="{1D405396-3710-4CD9-A2DB-35E7CECE862F}"/>
+              </a:ext>
+            </a:extLst>
+          </p:cNvPr>
+          <p:cNvPicPr>
+            <a:picLocks noChangeAspect="1"/>
+          </p:cNvPicPr>
+          <p:nvPr/>
+        </p:nvPicPr>
+        <p:blipFill>
+          <a:blip r:embed="rId3"/>
+          <a:stretch>
+            <a:fillRect/>
+          </a:stretch>
+        </p:blipFill>
+        <p:spPr>
+          <a:xfrm>
+            <a:off x="838200" y="1690688"/>
+            <a:ext cx="9974067" cy="4229690"/>
+          </a:xfrm>
+          <a:prstGeom prst="rect">
+            <a:avLst/>
+          </a:prstGeom>
+        </p:spPr>
+      </p:pic>
+    </p:spTree>
+    <p:extLst>
+      <p:ext uri="{BB962C8B-B14F-4D97-AF65-F5344CB8AC3E}">
+        <p14:creationId xmlns:p14="http://schemas.microsoft.com/office/powerpoint/2010/main" val="2150346498"/>
+      </p:ext>
+    </p:extLst>
+  </p:cSld>
+  <p:clrMapOvr>
+    <a:masterClrMapping/>
+  </p:clrMapOvr>
+</p:sld>
+</file>
+
+<file path=ppt/slides/slide9.xml><?xml version="1.0" encoding="utf-8"?>
+<p:sld xmlns:a="http://schemas.openxmlformats.org/drawingml/2006/main" xmlns:r="http://schemas.openxmlformats.org/officeDocument/2006/relationships" xmlns:p="http://schemas.openxmlformats.org/presentationml/2006/main">
+  <p:cSld>
+    <p:spTree>
+      <p:nvGrpSpPr>
+        <p:cNvPr id="1" name=""/>
+        <p:cNvGrpSpPr/>
+        <p:nvPr/>
+      </p:nvGrpSpPr>
+      <p:grpSpPr>
+        <a:xfrm>
+          <a:off x="0" y="0"/>
+          <a:ext cx="0" cy="0"/>
+          <a:chOff x="0" y="0"/>
+          <a:chExt cx="0" cy="0"/>
+        </a:xfrm>
+      </p:grpSpPr>
+      <p:sp>
+        <p:nvSpPr>
+          <p:cNvPr id="2" name="Title 1">
+            <a:extLst>
+              <a:ext uri="{FF2B5EF4-FFF2-40B4-BE49-F238E27FC236}">
+                <a16:creationId xmlns:a16="http://schemas.microsoft.com/office/drawing/2014/main" id="{765E9052-C174-42B2-B077-566C29343869}"/>
+              </a:ext>
+            </a:extLst>
+          </p:cNvPr>
+          <p:cNvSpPr>
+            <a:spLocks noGrp="1"/>
+          </p:cNvSpPr>
+          <p:nvPr>
+            <p:ph type="title"/>
+          </p:nvPr>
+        </p:nvSpPr>
+        <p:spPr/>
+        <p:txBody>
+          <a:bodyPr/>
+          <a:lstStyle/>
+          <a:p>
+            <a:r>
+              <a:rPr lang="nl-NL" dirty="0"/>
+              <a:t>1. </a:t>
+            </a:r>
+            <a:r>
+              <a:rPr lang="nl-NL" dirty="0" err="1"/>
+              <a:t>Angular</a:t>
+            </a:r>
+            <a:r>
+              <a:rPr lang="nl-NL" dirty="0"/>
+              <a:t> Intro</a:t>
+            </a:r>
+          </a:p>
+        </p:txBody>
+      </p:sp>
+      <p:pic>
+        <p:nvPicPr>
+          <p:cNvPr id="3" name="Content Placeholder 2">
+            <a:extLst>
+              <a:ext uri="{FF2B5EF4-FFF2-40B4-BE49-F238E27FC236}">
+                <a16:creationId xmlns:a16="http://schemas.microsoft.com/office/drawing/2014/main" id="{F0803BDC-93E5-44F4-AAE3-2903674F7F28}"/>
+              </a:ext>
+            </a:extLst>
+          </p:cNvPr>
+          <p:cNvPicPr>
+            <a:picLocks noGrp="1" noChangeAspect="1"/>
+          </p:cNvPicPr>
+          <p:nvPr>
+            <p:ph idx="1"/>
+          </p:nvPr>
+        </p:nvPicPr>
+        <p:blipFill>
+          <a:blip r:embed="rId3"/>
+          <a:stretch>
+            <a:fillRect/>
+          </a:stretch>
+        </p:blipFill>
+        <p:spPr>
+          <a:xfrm>
+            <a:off x="1193823" y="1690688"/>
+            <a:ext cx="9582103" cy="4351337"/>
+          </a:xfrm>
+          <a:prstGeom prst="rect">
+            <a:avLst/>
+          </a:prstGeom>
+        </p:spPr>
+      </p:pic>
+    </p:spTree>
+    <p:extLst>
+      <p:ext uri="{BB962C8B-B14F-4D97-AF65-F5344CB8AC3E}">
+        <p14:creationId xmlns:p14="http://schemas.microsoft.com/office/powerpoint/2010/main" val="3067627685"/>
       </p:ext>
     </p:extLst>
   </p:cSld>
